--- a/files/os/2_Bolum_2_Surecler.pptx
+++ b/files/os/2_Bolum_2_Surecler.pptx
@@ -4,6 +4,9 @@
   <p:sldMasterIdLst>
     <p:sldMasterId id="2147483935" r:id="rId1"/>
   </p:sldMasterIdLst>
+  <p:notesMasterIdLst>
+    <p:notesMasterId r:id="rId111"/>
+  </p:notesMasterIdLst>
   <p:sldIdLst>
     <p:sldId id="256" r:id="rId2"/>
     <p:sldId id="257" r:id="rId3"/>
@@ -220,6 +223,440 @@
 </p:presentation>
 </file>
 
+<file path=ppt/notesMasters/notesMaster1.xml><?xml version="1.0" encoding="utf-8"?>
+<p:notesMaster xmlns:a="http://schemas.openxmlformats.org/drawingml/2006/main" xmlns:r="http://schemas.openxmlformats.org/officeDocument/2006/relationships" xmlns:p="http://schemas.openxmlformats.org/presentationml/2006/main">
+  <p:cSld>
+    <p:bg>
+      <p:bgRef idx="1001">
+        <a:schemeClr val="bg1"/>
+      </p:bgRef>
+    </p:bg>
+    <p:spTree>
+      <p:nvGrpSpPr>
+        <p:cNvPr id="1" name=""/>
+        <p:cNvGrpSpPr/>
+        <p:nvPr/>
+      </p:nvGrpSpPr>
+      <p:grpSpPr>
+        <a:xfrm>
+          <a:off x="0" y="0"/>
+          <a:ext cx="0" cy="0"/>
+          <a:chOff x="0" y="0"/>
+          <a:chExt cx="0" cy="0"/>
+        </a:xfrm>
+      </p:grpSpPr>
+      <p:sp>
+        <p:nvSpPr>
+          <p:cNvPr id="2" name="Header Placeholder 1"/>
+          <p:cNvSpPr>
+            <a:spLocks noGrp="1"/>
+          </p:cNvSpPr>
+          <p:nvPr>
+            <p:ph type="hdr" sz="quarter"/>
+          </p:nvPr>
+        </p:nvSpPr>
+        <p:spPr>
+          <a:xfrm>
+            <a:off x="0" y="0"/>
+            <a:ext cx="2971800" cy="458788"/>
+          </a:xfrm>
+          <a:prstGeom prst="rect">
+            <a:avLst/>
+          </a:prstGeom>
+        </p:spPr>
+        <p:txBody>
+          <a:bodyPr vert="horz" lIns="91440" tIns="45720" rIns="91440" bIns="45720" rtlCol="0"/>
+          <a:lstStyle>
+            <a:lvl1pPr algn="l">
+              <a:defRPr sz="1200"/>
+            </a:lvl1pPr>
+          </a:lstStyle>
+          <a:p>
+            <a:endParaRPr lang="tr-TR"/>
+          </a:p>
+        </p:txBody>
+      </p:sp>
+      <p:sp>
+        <p:nvSpPr>
+          <p:cNvPr id="3" name="Date Placeholder 2"/>
+          <p:cNvSpPr>
+            <a:spLocks noGrp="1"/>
+          </p:cNvSpPr>
+          <p:nvPr>
+            <p:ph type="dt" idx="1"/>
+          </p:nvPr>
+        </p:nvSpPr>
+        <p:spPr>
+          <a:xfrm>
+            <a:off x="3884613" y="0"/>
+            <a:ext cx="2971800" cy="458788"/>
+          </a:xfrm>
+          <a:prstGeom prst="rect">
+            <a:avLst/>
+          </a:prstGeom>
+        </p:spPr>
+        <p:txBody>
+          <a:bodyPr vert="horz" lIns="91440" tIns="45720" rIns="91440" bIns="45720" rtlCol="0"/>
+          <a:lstStyle>
+            <a:lvl1pPr algn="r">
+              <a:defRPr sz="1200"/>
+            </a:lvl1pPr>
+          </a:lstStyle>
+          <a:p>
+            <a:fld id="{085CFAA6-72E2-46AA-A31F-7256698B51A5}" type="datetimeFigureOut">
+              <a:rPr lang="tr-TR" smtClean="0"/>
+              <a:t>23.01.2023</a:t>
+            </a:fld>
+            <a:endParaRPr lang="tr-TR"/>
+          </a:p>
+        </p:txBody>
+      </p:sp>
+      <p:sp>
+        <p:nvSpPr>
+          <p:cNvPr id="4" name="Slide Image Placeholder 3"/>
+          <p:cNvSpPr>
+            <a:spLocks noGrp="1" noRot="1" noChangeAspect="1"/>
+          </p:cNvSpPr>
+          <p:nvPr>
+            <p:ph type="sldImg" idx="2"/>
+          </p:nvPr>
+        </p:nvSpPr>
+        <p:spPr>
+          <a:xfrm>
+            <a:off x="685800" y="1143000"/>
+            <a:ext cx="5486400" cy="3086100"/>
+          </a:xfrm>
+          <a:prstGeom prst="rect">
+            <a:avLst/>
+          </a:prstGeom>
+          <a:noFill/>
+          <a:ln w="12700">
+            <a:solidFill>
+              <a:prstClr val="black"/>
+            </a:solidFill>
+          </a:ln>
+        </p:spPr>
+        <p:txBody>
+          <a:bodyPr vert="horz" lIns="91440" tIns="45720" rIns="91440" bIns="45720" rtlCol="0" anchor="ctr"/>
+          <a:lstStyle/>
+          <a:p>
+            <a:endParaRPr lang="tr-TR"/>
+          </a:p>
+        </p:txBody>
+      </p:sp>
+      <p:sp>
+        <p:nvSpPr>
+          <p:cNvPr id="5" name="Notes Placeholder 4"/>
+          <p:cNvSpPr>
+            <a:spLocks noGrp="1"/>
+          </p:cNvSpPr>
+          <p:nvPr>
+            <p:ph type="body" sz="quarter" idx="3"/>
+          </p:nvPr>
+        </p:nvSpPr>
+        <p:spPr>
+          <a:xfrm>
+            <a:off x="685800" y="4400550"/>
+            <a:ext cx="5486400" cy="3600450"/>
+          </a:xfrm>
+          <a:prstGeom prst="rect">
+            <a:avLst/>
+          </a:prstGeom>
+        </p:spPr>
+        <p:txBody>
+          <a:bodyPr vert="horz" lIns="91440" tIns="45720" rIns="91440" bIns="45720" rtlCol="0"/>
+          <a:lstStyle/>
+          <a:p>
+            <a:pPr lvl="0"/>
+            <a:r>
+              <a:rPr lang="en-US" smtClean="0"/>
+              <a:t>Click to edit Master text styles</a:t>
+            </a:r>
+          </a:p>
+          <a:p>
+            <a:pPr lvl="1"/>
+            <a:r>
+              <a:rPr lang="en-US" smtClean="0"/>
+              <a:t>Second level</a:t>
+            </a:r>
+          </a:p>
+          <a:p>
+            <a:pPr lvl="2"/>
+            <a:r>
+              <a:rPr lang="en-US" smtClean="0"/>
+              <a:t>Third level</a:t>
+            </a:r>
+          </a:p>
+          <a:p>
+            <a:pPr lvl="3"/>
+            <a:r>
+              <a:rPr lang="en-US" smtClean="0"/>
+              <a:t>Fourth level</a:t>
+            </a:r>
+          </a:p>
+          <a:p>
+            <a:pPr lvl="4"/>
+            <a:r>
+              <a:rPr lang="en-US" smtClean="0"/>
+              <a:t>Fifth level</a:t>
+            </a:r>
+            <a:endParaRPr lang="tr-TR"/>
+          </a:p>
+        </p:txBody>
+      </p:sp>
+      <p:sp>
+        <p:nvSpPr>
+          <p:cNvPr id="6" name="Footer Placeholder 5"/>
+          <p:cNvSpPr>
+            <a:spLocks noGrp="1"/>
+          </p:cNvSpPr>
+          <p:nvPr>
+            <p:ph type="ftr" sz="quarter" idx="4"/>
+          </p:nvPr>
+        </p:nvSpPr>
+        <p:spPr>
+          <a:xfrm>
+            <a:off x="0" y="8685213"/>
+            <a:ext cx="2971800" cy="458787"/>
+          </a:xfrm>
+          <a:prstGeom prst="rect">
+            <a:avLst/>
+          </a:prstGeom>
+        </p:spPr>
+        <p:txBody>
+          <a:bodyPr vert="horz" lIns="91440" tIns="45720" rIns="91440" bIns="45720" rtlCol="0" anchor="b"/>
+          <a:lstStyle>
+            <a:lvl1pPr algn="l">
+              <a:defRPr sz="1200"/>
+            </a:lvl1pPr>
+          </a:lstStyle>
+          <a:p>
+            <a:endParaRPr lang="tr-TR"/>
+          </a:p>
+        </p:txBody>
+      </p:sp>
+      <p:sp>
+        <p:nvSpPr>
+          <p:cNvPr id="7" name="Slide Number Placeholder 6"/>
+          <p:cNvSpPr>
+            <a:spLocks noGrp="1"/>
+          </p:cNvSpPr>
+          <p:nvPr>
+            <p:ph type="sldNum" sz="quarter" idx="5"/>
+          </p:nvPr>
+        </p:nvSpPr>
+        <p:spPr>
+          <a:xfrm>
+            <a:off x="3884613" y="8685213"/>
+            <a:ext cx="2971800" cy="458787"/>
+          </a:xfrm>
+          <a:prstGeom prst="rect">
+            <a:avLst/>
+          </a:prstGeom>
+        </p:spPr>
+        <p:txBody>
+          <a:bodyPr vert="horz" lIns="91440" tIns="45720" rIns="91440" bIns="45720" rtlCol="0" anchor="b"/>
+          <a:lstStyle>
+            <a:lvl1pPr algn="r">
+              <a:defRPr sz="1200"/>
+            </a:lvl1pPr>
+          </a:lstStyle>
+          <a:p>
+            <a:fld id="{BC86C4D3-4FDC-45D7-AD9A-F86E80609996}" type="slidenum">
+              <a:rPr lang="tr-TR" smtClean="0"/>
+              <a:t>‹#›</a:t>
+            </a:fld>
+            <a:endParaRPr lang="tr-TR"/>
+          </a:p>
+        </p:txBody>
+      </p:sp>
+    </p:spTree>
+    <p:extLst>
+      <p:ext uri="{BB962C8B-B14F-4D97-AF65-F5344CB8AC3E}">
+        <p14:creationId xmlns:p14="http://schemas.microsoft.com/office/powerpoint/2010/main" val="2475537537"/>
+      </p:ext>
+    </p:extLst>
+  </p:cSld>
+  <p:clrMap bg1="lt1" tx1="dk1" bg2="lt2" tx2="dk2" accent1="accent1" accent2="accent2" accent3="accent3" accent4="accent4" accent5="accent5" accent6="accent6" hlink="hlink" folHlink="folHlink"/>
+  <p:notesStyle>
+    <a:lvl1pPr marL="0" algn="l" defTabSz="914400" rtl="0" eaLnBrk="1" latinLnBrk="0" hangingPunct="1">
+      <a:defRPr sz="1200" kern="1200">
+        <a:solidFill>
+          <a:schemeClr val="tx1"/>
+        </a:solidFill>
+        <a:latin typeface="+mn-lt"/>
+        <a:ea typeface="+mn-ea"/>
+        <a:cs typeface="+mn-cs"/>
+      </a:defRPr>
+    </a:lvl1pPr>
+    <a:lvl2pPr marL="457200" algn="l" defTabSz="914400" rtl="0" eaLnBrk="1" latinLnBrk="0" hangingPunct="1">
+      <a:defRPr sz="1200" kern="1200">
+        <a:solidFill>
+          <a:schemeClr val="tx1"/>
+        </a:solidFill>
+        <a:latin typeface="+mn-lt"/>
+        <a:ea typeface="+mn-ea"/>
+        <a:cs typeface="+mn-cs"/>
+      </a:defRPr>
+    </a:lvl2pPr>
+    <a:lvl3pPr marL="914400" algn="l" defTabSz="914400" rtl="0" eaLnBrk="1" latinLnBrk="0" hangingPunct="1">
+      <a:defRPr sz="1200" kern="1200">
+        <a:solidFill>
+          <a:schemeClr val="tx1"/>
+        </a:solidFill>
+        <a:latin typeface="+mn-lt"/>
+        <a:ea typeface="+mn-ea"/>
+        <a:cs typeface="+mn-cs"/>
+      </a:defRPr>
+    </a:lvl3pPr>
+    <a:lvl4pPr marL="1371600" algn="l" defTabSz="914400" rtl="0" eaLnBrk="1" latinLnBrk="0" hangingPunct="1">
+      <a:defRPr sz="1200" kern="1200">
+        <a:solidFill>
+          <a:schemeClr val="tx1"/>
+        </a:solidFill>
+        <a:latin typeface="+mn-lt"/>
+        <a:ea typeface="+mn-ea"/>
+        <a:cs typeface="+mn-cs"/>
+      </a:defRPr>
+    </a:lvl4pPr>
+    <a:lvl5pPr marL="1828800" algn="l" defTabSz="914400" rtl="0" eaLnBrk="1" latinLnBrk="0" hangingPunct="1">
+      <a:defRPr sz="1200" kern="1200">
+        <a:solidFill>
+          <a:schemeClr val="tx1"/>
+        </a:solidFill>
+        <a:latin typeface="+mn-lt"/>
+        <a:ea typeface="+mn-ea"/>
+        <a:cs typeface="+mn-cs"/>
+      </a:defRPr>
+    </a:lvl5pPr>
+    <a:lvl6pPr marL="2286000" algn="l" defTabSz="914400" rtl="0" eaLnBrk="1" latinLnBrk="0" hangingPunct="1">
+      <a:defRPr sz="1200" kern="1200">
+        <a:solidFill>
+          <a:schemeClr val="tx1"/>
+        </a:solidFill>
+        <a:latin typeface="+mn-lt"/>
+        <a:ea typeface="+mn-ea"/>
+        <a:cs typeface="+mn-cs"/>
+      </a:defRPr>
+    </a:lvl6pPr>
+    <a:lvl7pPr marL="2743200" algn="l" defTabSz="914400" rtl="0" eaLnBrk="1" latinLnBrk="0" hangingPunct="1">
+      <a:defRPr sz="1200" kern="1200">
+        <a:solidFill>
+          <a:schemeClr val="tx1"/>
+        </a:solidFill>
+        <a:latin typeface="+mn-lt"/>
+        <a:ea typeface="+mn-ea"/>
+        <a:cs typeface="+mn-cs"/>
+      </a:defRPr>
+    </a:lvl7pPr>
+    <a:lvl8pPr marL="3200400" algn="l" defTabSz="914400" rtl="0" eaLnBrk="1" latinLnBrk="0" hangingPunct="1">
+      <a:defRPr sz="1200" kern="1200">
+        <a:solidFill>
+          <a:schemeClr val="tx1"/>
+        </a:solidFill>
+        <a:latin typeface="+mn-lt"/>
+        <a:ea typeface="+mn-ea"/>
+        <a:cs typeface="+mn-cs"/>
+      </a:defRPr>
+    </a:lvl8pPr>
+    <a:lvl9pPr marL="3657600" algn="l" defTabSz="914400" rtl="0" eaLnBrk="1" latinLnBrk="0" hangingPunct="1">
+      <a:defRPr sz="1200" kern="1200">
+        <a:solidFill>
+          <a:schemeClr val="tx1"/>
+        </a:solidFill>
+        <a:latin typeface="+mn-lt"/>
+        <a:ea typeface="+mn-ea"/>
+        <a:cs typeface="+mn-cs"/>
+      </a:defRPr>
+    </a:lvl9pPr>
+  </p:notesStyle>
+</p:notesMaster>
+</file>
+
+<file path=ppt/notesSlides/notesSlide1.xml><?xml version="1.0" encoding="utf-8"?>
+<p:notes xmlns:a="http://schemas.openxmlformats.org/drawingml/2006/main" xmlns:r="http://schemas.openxmlformats.org/officeDocument/2006/relationships" xmlns:p="http://schemas.openxmlformats.org/presentationml/2006/main">
+  <p:cSld>
+    <p:spTree>
+      <p:nvGrpSpPr>
+        <p:cNvPr id="1" name=""/>
+        <p:cNvGrpSpPr/>
+        <p:nvPr/>
+      </p:nvGrpSpPr>
+      <p:grpSpPr>
+        <a:xfrm>
+          <a:off x="0" y="0"/>
+          <a:ext cx="0" cy="0"/>
+          <a:chOff x="0" y="0"/>
+          <a:chExt cx="0" cy="0"/>
+        </a:xfrm>
+      </p:grpSpPr>
+      <p:sp>
+        <p:nvSpPr>
+          <p:cNvPr id="2" name="Slide Image Placeholder 1"/>
+          <p:cNvSpPr>
+            <a:spLocks noGrp="1" noRot="1" noChangeAspect="1"/>
+          </p:cNvSpPr>
+          <p:nvPr>
+            <p:ph type="sldImg"/>
+          </p:nvPr>
+        </p:nvSpPr>
+        <p:spPr/>
+      </p:sp>
+      <p:sp>
+        <p:nvSpPr>
+          <p:cNvPr id="3" name="Notes Placeholder 2"/>
+          <p:cNvSpPr>
+            <a:spLocks noGrp="1"/>
+          </p:cNvSpPr>
+          <p:nvPr>
+            <p:ph type="body" idx="1"/>
+          </p:nvPr>
+        </p:nvSpPr>
+        <p:spPr/>
+        <p:txBody>
+          <a:bodyPr/>
+          <a:lstStyle/>
+          <a:p>
+            <a:endParaRPr lang="tr-TR"/>
+          </a:p>
+        </p:txBody>
+      </p:sp>
+      <p:sp>
+        <p:nvSpPr>
+          <p:cNvPr id="4" name="Slide Number Placeholder 3"/>
+          <p:cNvSpPr>
+            <a:spLocks noGrp="1"/>
+          </p:cNvSpPr>
+          <p:nvPr>
+            <p:ph type="sldNum" sz="quarter" idx="10"/>
+          </p:nvPr>
+        </p:nvSpPr>
+        <p:spPr/>
+        <p:txBody>
+          <a:bodyPr/>
+          <a:lstStyle/>
+          <a:p>
+            <a:fld id="{BC86C4D3-4FDC-45D7-AD9A-F86E80609996}" type="slidenum">
+              <a:rPr lang="tr-TR" smtClean="0"/>
+              <a:t>1</a:t>
+            </a:fld>
+            <a:endParaRPr lang="tr-TR"/>
+          </a:p>
+        </p:txBody>
+      </p:sp>
+    </p:spTree>
+    <p:extLst>
+      <p:ext uri="{BB962C8B-B14F-4D97-AF65-F5344CB8AC3E}">
+        <p14:creationId xmlns:p14="http://schemas.microsoft.com/office/powerpoint/2010/main" val="2156570488"/>
+      </p:ext>
+    </p:extLst>
+  </p:cSld>
+  <p:clrMapOvr>
+    <a:masterClrMapping/>
+  </p:clrMapOvr>
+</p:notes>
+</file>
+
 <file path=ppt/slideLayouts/slideLayout1.xml><?xml version="1.0" encoding="utf-8"?>
 <p:sldLayout xmlns:a="http://schemas.openxmlformats.org/drawingml/2006/main" xmlns:r="http://schemas.openxmlformats.org/officeDocument/2006/relationships" xmlns:p="http://schemas.openxmlformats.org/presentationml/2006/main" type="title" preserve="1">
   <p:cSld name="Title Slide">
@@ -349,11 +786,10 @@
           <a:bodyPr/>
           <a:lstStyle/>
           <a:p>
-            <a:fld id="{B61BEF0D-F0BB-DE4B-95CE-6DB70DBA9567}" type="datetimeFigureOut">
-              <a:rPr lang="en-US" smtClean="0"/>
-              <a:pPr/>
-              <a:t>1/19/2023</a:t>
-            </a:fld>
+            <a:r>
+              <a:rPr lang="en-US" smtClean="0"/>
+              <a:t>1/15/2023</a:t>
+            </a:r>
             <a:endParaRPr lang="en-US" dirty="0"/>
           </a:p>
         </p:txBody>
@@ -373,6 +809,10 @@
           <a:bodyPr/>
           <a:lstStyle/>
           <a:p>
+            <a:r>
+              <a:rPr lang="en-US" smtClean="0"/>
+              <a:t>Sercan KÜLCÜ, Tanenbaum, Modern Operating Systems 3e kitabından faydalanılmıştır. Tüm hakları saklıdır.</a:t>
+            </a:r>
             <a:endParaRPr lang="en-US" dirty="0"/>
           </a:p>
         </p:txBody>
@@ -521,11 +961,10 @@
           <a:bodyPr/>
           <a:lstStyle/>
           <a:p>
-            <a:fld id="{B61BEF0D-F0BB-DE4B-95CE-6DB70DBA9567}" type="datetimeFigureOut">
-              <a:rPr lang="en-US" smtClean="0"/>
-              <a:pPr/>
-              <a:t>1/19/2023</a:t>
-            </a:fld>
+            <a:r>
+              <a:rPr lang="en-US" smtClean="0"/>
+              <a:t>1/15/2023</a:t>
+            </a:r>
             <a:endParaRPr lang="en-US" dirty="0"/>
           </a:p>
         </p:txBody>
@@ -545,6 +984,10 @@
           <a:bodyPr/>
           <a:lstStyle/>
           <a:p>
+            <a:r>
+              <a:rPr lang="en-US" smtClean="0"/>
+              <a:t>Sercan KÜLCÜ, Tanenbaum, Modern Operating Systems 3e kitabından faydalanılmıştır. Tüm hakları saklıdır.</a:t>
+            </a:r>
             <a:endParaRPr lang="en-US" dirty="0"/>
           </a:p>
         </p:txBody>
@@ -703,11 +1146,10 @@
           <a:bodyPr/>
           <a:lstStyle/>
           <a:p>
-            <a:fld id="{B61BEF0D-F0BB-DE4B-95CE-6DB70DBA9567}" type="datetimeFigureOut">
-              <a:rPr lang="en-US" smtClean="0"/>
-              <a:pPr/>
-              <a:t>1/19/2023</a:t>
-            </a:fld>
+            <a:r>
+              <a:rPr lang="en-US" smtClean="0"/>
+              <a:t>1/15/2023</a:t>
+            </a:r>
             <a:endParaRPr lang="en-US" dirty="0"/>
           </a:p>
         </p:txBody>
@@ -727,6 +1169,10 @@
           <a:bodyPr/>
           <a:lstStyle/>
           <a:p>
+            <a:r>
+              <a:rPr lang="en-US" smtClean="0"/>
+              <a:t>Sercan KÜLCÜ, Tanenbaum, Modern Operating Systems 3e kitabından faydalanılmıştır. Tüm hakları saklıdır.</a:t>
+            </a:r>
             <a:endParaRPr lang="en-US" dirty="0"/>
           </a:p>
         </p:txBody>
@@ -798,10 +1244,18 @@
         <p:spPr/>
         <p:txBody>
           <a:bodyPr/>
-          <a:lstStyle/>
-          <a:p>
-            <a:r>
-              <a:rPr lang="en-US" smtClean="0"/>
+          <a:lstStyle>
+            <a:lvl1pPr>
+              <a:defRPr b="1" i="0" baseline="0">
+                <a:solidFill>
+                  <a:srgbClr val="0070C0"/>
+                </a:solidFill>
+              </a:defRPr>
+            </a:lvl1pPr>
+          </a:lstStyle>
+          <a:p>
+            <a:r>
+              <a:rPr lang="en-US" dirty="0" smtClean="0"/>
               <a:t>Click to edit Master title style</a:t>
             </a:r>
             <a:endParaRPr lang="en-US" dirty="0"/>
@@ -875,11 +1329,10 @@
           <a:bodyPr/>
           <a:lstStyle/>
           <a:p>
-            <a:fld id="{B61BEF0D-F0BB-DE4B-95CE-6DB70DBA9567}" type="datetimeFigureOut">
-              <a:rPr lang="en-US" smtClean="0"/>
-              <a:pPr/>
-              <a:t>1/19/2023</a:t>
-            </a:fld>
+            <a:r>
+              <a:rPr lang="en-US" smtClean="0"/>
+              <a:t>1/15/2023</a:t>
+            </a:r>
             <a:endParaRPr lang="en-US" dirty="0"/>
           </a:p>
         </p:txBody>
@@ -894,11 +1347,68 @@
             <p:ph type="ftr" sz="quarter" idx="11"/>
           </p:nvPr>
         </p:nvSpPr>
-        <p:spPr/>
-        <p:txBody>
-          <a:bodyPr/>
-          <a:lstStyle/>
-          <a:p>
+        <p:spPr>
+          <a:xfrm>
+            <a:off x="2253803" y="6356350"/>
+            <a:ext cx="6838682" cy="365125"/>
+          </a:xfrm>
+        </p:spPr>
+        <p:txBody>
+          <a:bodyPr/>
+          <a:lstStyle/>
+          <a:p>
+            <a:r>
+              <a:rPr lang="en-US" dirty="0" smtClean="0"/>
+              <a:t>Sercan KÜLCÜ, </a:t>
+            </a:r>
+            <a:r>
+              <a:rPr lang="en-US" dirty="0" err="1" smtClean="0"/>
+              <a:t>Tanenbaum</a:t>
+            </a:r>
+            <a:r>
+              <a:rPr lang="en-US" dirty="0" smtClean="0"/>
+              <a:t>, Modern Operating Systems 3e </a:t>
+            </a:r>
+            <a:r>
+              <a:rPr lang="en-US" dirty="0" err="1" smtClean="0"/>
+              <a:t>kitabından</a:t>
+            </a:r>
+            <a:r>
+              <a:rPr lang="en-US" dirty="0" smtClean="0"/>
+              <a:t> </a:t>
+            </a:r>
+            <a:r>
+              <a:rPr lang="en-US" dirty="0" err="1" smtClean="0"/>
+              <a:t>faydalanılmıştır</a:t>
+            </a:r>
+            <a:r>
+              <a:rPr lang="en-US" dirty="0" smtClean="0"/>
+              <a:t>. </a:t>
+            </a:r>
+            <a:r>
+              <a:rPr lang="en-US" dirty="0" err="1" smtClean="0"/>
+              <a:t>Tüm</a:t>
+            </a:r>
+            <a:r>
+              <a:rPr lang="en-US" dirty="0" smtClean="0"/>
+              <a:t> </a:t>
+            </a:r>
+            <a:r>
+              <a:rPr lang="en-US" dirty="0" err="1" smtClean="0"/>
+              <a:t>hakları</a:t>
+            </a:r>
+            <a:r>
+              <a:rPr lang="en-US" dirty="0" smtClean="0"/>
+              <a:t> </a:t>
+            </a:r>
+            <a:r>
+              <a:rPr lang="en-US" dirty="0" err="1" smtClean="0"/>
+              <a:t>saklıdır</a:t>
+            </a:r>
+            <a:r>
+              <a:rPr lang="en-US" dirty="0" smtClean="0"/>
+              <a:t>.</a:t>
+            </a:r>
             <a:endParaRPr lang="en-US" dirty="0"/>
           </a:p>
         </p:txBody>
@@ -1123,11 +1633,10 @@
           <a:bodyPr/>
           <a:lstStyle/>
           <a:p>
-            <a:fld id="{B61BEF0D-F0BB-DE4B-95CE-6DB70DBA9567}" type="datetimeFigureOut">
-              <a:rPr lang="en-US" smtClean="0"/>
-              <a:pPr/>
-              <a:t>1/19/2023</a:t>
-            </a:fld>
+            <a:r>
+              <a:rPr lang="en-US" smtClean="0"/>
+              <a:t>1/15/2023</a:t>
+            </a:r>
             <a:endParaRPr lang="en-US" dirty="0"/>
           </a:p>
         </p:txBody>
@@ -1147,6 +1656,10 @@
           <a:bodyPr/>
           <a:lstStyle/>
           <a:p>
+            <a:r>
+              <a:rPr lang="en-US" smtClean="0"/>
+              <a:t>Sercan KÜLCÜ, Tanenbaum, Modern Operating Systems 3e kitabından faydalanılmıştır. Tüm hakları saklıdır.</a:t>
+            </a:r>
             <a:endParaRPr lang="en-US" dirty="0"/>
           </a:p>
         </p:txBody>
@@ -1357,11 +1870,10 @@
           <a:bodyPr/>
           <a:lstStyle/>
           <a:p>
-            <a:fld id="{B61BEF0D-F0BB-DE4B-95CE-6DB70DBA9567}" type="datetimeFigureOut">
-              <a:rPr lang="en-US" smtClean="0"/>
-              <a:pPr/>
-              <a:t>1/19/2023</a:t>
-            </a:fld>
+            <a:r>
+              <a:rPr lang="en-US" smtClean="0"/>
+              <a:t>1/15/2023</a:t>
+            </a:r>
             <a:endParaRPr lang="en-US" dirty="0"/>
           </a:p>
         </p:txBody>
@@ -1381,6 +1893,10 @@
           <a:bodyPr/>
           <a:lstStyle/>
           <a:p>
+            <a:r>
+              <a:rPr lang="en-US" smtClean="0"/>
+              <a:t>Sercan KÜLCÜ, Tanenbaum, Modern Operating Systems 3e kitabından faydalanılmıştır. Tüm hakları saklıdır.</a:t>
+            </a:r>
             <a:endParaRPr lang="en-US" dirty="0"/>
           </a:p>
         </p:txBody>
@@ -1726,11 +2242,10 @@
           <a:bodyPr/>
           <a:lstStyle/>
           <a:p>
-            <a:fld id="{B61BEF0D-F0BB-DE4B-95CE-6DB70DBA9567}" type="datetimeFigureOut">
-              <a:rPr lang="en-US" smtClean="0"/>
-              <a:pPr/>
-              <a:t>1/19/2023</a:t>
-            </a:fld>
+            <a:r>
+              <a:rPr lang="en-US" smtClean="0"/>
+              <a:t>1/15/2023</a:t>
+            </a:r>
             <a:endParaRPr lang="en-US" dirty="0"/>
           </a:p>
         </p:txBody>
@@ -1750,6 +2265,10 @@
           <a:bodyPr/>
           <a:lstStyle/>
           <a:p>
+            <a:r>
+              <a:rPr lang="en-US" smtClean="0"/>
+              <a:t>Sercan KÜLCÜ, Tanenbaum, Modern Operating Systems 3e kitabından faydalanılmıştır. Tüm hakları saklıdır.</a:t>
+            </a:r>
             <a:endParaRPr lang="en-US" dirty="0"/>
           </a:p>
         </p:txBody>
@@ -1846,11 +2365,10 @@
           <a:bodyPr/>
           <a:lstStyle/>
           <a:p>
-            <a:fld id="{B61BEF0D-F0BB-DE4B-95CE-6DB70DBA9567}" type="datetimeFigureOut">
-              <a:rPr lang="en-US" smtClean="0"/>
-              <a:pPr/>
-              <a:t>1/19/2023</a:t>
-            </a:fld>
+            <a:r>
+              <a:rPr lang="en-US" smtClean="0"/>
+              <a:t>1/15/2023</a:t>
+            </a:r>
             <a:endParaRPr lang="en-US" dirty="0"/>
           </a:p>
         </p:txBody>
@@ -1870,6 +2388,10 @@
           <a:bodyPr/>
           <a:lstStyle/>
           <a:p>
+            <a:r>
+              <a:rPr lang="en-US" smtClean="0"/>
+              <a:t>Sercan KÜLCÜ, Tanenbaum, Modern Operating Systems 3e kitabından faydalanılmıştır. Tüm hakları saklıdır.</a:t>
+            </a:r>
             <a:endParaRPr lang="en-US" dirty="0"/>
           </a:p>
         </p:txBody>
@@ -1943,11 +2465,10 @@
           <a:bodyPr/>
           <a:lstStyle/>
           <a:p>
-            <a:fld id="{B61BEF0D-F0BB-DE4B-95CE-6DB70DBA9567}" type="datetimeFigureOut">
-              <a:rPr lang="en-US" smtClean="0"/>
-              <a:pPr/>
-              <a:t>1/19/2023</a:t>
-            </a:fld>
+            <a:r>
+              <a:rPr lang="en-US" smtClean="0"/>
+              <a:t>1/15/2023</a:t>
+            </a:r>
             <a:endParaRPr lang="en-US" dirty="0"/>
           </a:p>
         </p:txBody>
@@ -1967,6 +2488,10 @@
           <a:bodyPr/>
           <a:lstStyle/>
           <a:p>
+            <a:r>
+              <a:rPr lang="en-US" smtClean="0"/>
+              <a:t>Sercan KÜLCÜ, Tanenbaum, Modern Operating Systems 3e kitabından faydalanılmıştır. Tüm hakları saklıdır.</a:t>
+            </a:r>
             <a:endParaRPr lang="en-US" dirty="0"/>
           </a:p>
         </p:txBody>
@@ -2222,11 +2747,10 @@
           <a:bodyPr/>
           <a:lstStyle/>
           <a:p>
-            <a:fld id="{B61BEF0D-F0BB-DE4B-95CE-6DB70DBA9567}" type="datetimeFigureOut">
-              <a:rPr lang="en-US" smtClean="0"/>
-              <a:pPr/>
-              <a:t>1/19/2023</a:t>
-            </a:fld>
+            <a:r>
+              <a:rPr lang="en-US" smtClean="0"/>
+              <a:t>1/15/2023</a:t>
+            </a:r>
             <a:endParaRPr lang="en-US" dirty="0"/>
           </a:p>
         </p:txBody>
@@ -2246,6 +2770,10 @@
           <a:bodyPr/>
           <a:lstStyle/>
           <a:p>
+            <a:r>
+              <a:rPr lang="en-US" smtClean="0"/>
+              <a:t>Sercan KÜLCÜ, Tanenbaum, Modern Operating Systems 3e kitabından faydalanılmıştır. Tüm hakları saklıdır.</a:t>
+            </a:r>
             <a:endParaRPr lang="en-US" dirty="0"/>
           </a:p>
         </p:txBody>
@@ -2481,11 +3009,10 @@
           <a:bodyPr/>
           <a:lstStyle/>
           <a:p>
-            <a:fld id="{B61BEF0D-F0BB-DE4B-95CE-6DB70DBA9567}" type="datetimeFigureOut">
-              <a:rPr lang="en-US" smtClean="0"/>
-              <a:pPr/>
-              <a:t>1/19/2023</a:t>
-            </a:fld>
+            <a:r>
+              <a:rPr lang="en-US" smtClean="0"/>
+              <a:t>1/15/2023</a:t>
+            </a:r>
             <a:endParaRPr lang="en-US" dirty="0"/>
           </a:p>
         </p:txBody>
@@ -2505,6 +3032,10 @@
           <a:bodyPr/>
           <a:lstStyle/>
           <a:p>
+            <a:r>
+              <a:rPr lang="en-US" smtClean="0"/>
+              <a:t>Sercan KÜLCÜ, Tanenbaum, Modern Operating Systems 3e kitabından faydalanılmıştır. Tüm hakları saklıdır.</a:t>
+            </a:r>
             <a:endParaRPr lang="en-US" dirty="0"/>
           </a:p>
         </p:txBody>
@@ -2696,11 +3227,10 @@
             </a:lvl1pPr>
           </a:lstStyle>
           <a:p>
-            <a:fld id="{B61BEF0D-F0BB-DE4B-95CE-6DB70DBA9567}" type="datetimeFigureOut">
-              <a:rPr lang="en-US" smtClean="0"/>
-              <a:pPr/>
-              <a:t>1/19/2023</a:t>
-            </a:fld>
+            <a:r>
+              <a:rPr lang="en-US" smtClean="0"/>
+              <a:t>1/15/2023</a:t>
+            </a:r>
             <a:endParaRPr lang="en-US" dirty="0"/>
           </a:p>
         </p:txBody>
@@ -2738,6 +3268,10 @@
             </a:lvl1pPr>
           </a:lstStyle>
           <a:p>
+            <a:r>
+              <a:rPr lang="en-US" smtClean="0"/>
+              <a:t>Sercan KÜLCÜ, Tanenbaum, Modern Operating Systems 3e kitabından faydalanılmıştır. Tüm hakları saklıdır.</a:t>
+            </a:r>
             <a:endParaRPr lang="en-US" dirty="0"/>
           </a:p>
         </p:txBody>
@@ -2805,6 +3339,7 @@
     <p:sldLayoutId id="2147483945" r:id="rId10"/>
     <p:sldLayoutId id="2147483946" r:id="rId11"/>
   </p:sldLayoutIdLst>
+  <p:hf hdr="0"/>
   <p:txStyles>
     <p:titleStyle>
       <a:lvl1pPr algn="l" defTabSz="914400" rtl="0" eaLnBrk="1" latinLnBrk="0" hangingPunct="1">
@@ -3121,10 +3656,10 @@
           <a:lstStyle/>
           <a:p>
             <a:r>
-              <a:rPr lang="tr-TR" dirty="0" smtClean="0"/>
+              <a:rPr lang="tr-TR" b="1" dirty="0" smtClean="0"/>
               <a:t>Bölüm 2: Süreçler</a:t>
             </a:r>
-            <a:endParaRPr lang="tr-TR" dirty="0"/>
+            <a:endParaRPr lang="tr-TR" b="1" dirty="0"/>
           </a:p>
         </p:txBody>
       </p:sp>
@@ -3140,14 +3675,86 @@
         </p:nvSpPr>
         <p:spPr/>
         <p:txBody>
-          <a:bodyPr/>
-          <a:lstStyle/>
-          <a:p>
-            <a:r>
-              <a:rPr lang="tr-TR" dirty="0" smtClean="0"/>
+          <a:bodyPr>
+            <a:normAutofit/>
+          </a:bodyPr>
+          <a:lstStyle/>
+          <a:p>
+            <a:r>
+              <a:rPr lang="tr-TR" sz="2800" b="1" dirty="0" smtClean="0"/>
               <a:t>İşletim Sistemleri</a:t>
             </a:r>
-            <a:endParaRPr lang="tr-TR" dirty="0"/>
+            <a:endParaRPr lang="tr-TR" sz="2800" b="1" dirty="0"/>
+          </a:p>
+        </p:txBody>
+      </p:sp>
+      <p:sp>
+        <p:nvSpPr>
+          <p:cNvPr id="4" name="Date Placeholder 3"/>
+          <p:cNvSpPr>
+            <a:spLocks noGrp="1"/>
+          </p:cNvSpPr>
+          <p:nvPr>
+            <p:ph type="dt" sz="half" idx="10"/>
+          </p:nvPr>
+        </p:nvSpPr>
+        <p:spPr/>
+        <p:txBody>
+          <a:bodyPr/>
+          <a:lstStyle/>
+          <a:p>
+            <a:r>
+              <a:rPr lang="en-US" smtClean="0"/>
+              <a:t>1/15/2023</a:t>
+            </a:r>
+            <a:endParaRPr lang="en-US" dirty="0"/>
+          </a:p>
+        </p:txBody>
+      </p:sp>
+      <p:sp>
+        <p:nvSpPr>
+          <p:cNvPr id="5" name="Footer Placeholder 4"/>
+          <p:cNvSpPr>
+            <a:spLocks noGrp="1"/>
+          </p:cNvSpPr>
+          <p:nvPr>
+            <p:ph type="ftr" sz="quarter" idx="11"/>
+          </p:nvPr>
+        </p:nvSpPr>
+        <p:spPr/>
+        <p:txBody>
+          <a:bodyPr/>
+          <a:lstStyle/>
+          <a:p>
+            <a:r>
+              <a:rPr lang="en-US" smtClean="0"/>
+              <a:t>Sercan KÜLCÜ, Tanenbaum, Modern Operating Systems 3e kitabından faydalanılmıştır. Tüm hakları saklıdır.</a:t>
+            </a:r>
+            <a:endParaRPr lang="en-US" dirty="0"/>
+          </a:p>
+        </p:txBody>
+      </p:sp>
+      <p:sp>
+        <p:nvSpPr>
+          <p:cNvPr id="6" name="Slide Number Placeholder 5"/>
+          <p:cNvSpPr>
+            <a:spLocks noGrp="1"/>
+          </p:cNvSpPr>
+          <p:nvPr>
+            <p:ph type="sldNum" sz="quarter" idx="12"/>
+          </p:nvPr>
+        </p:nvSpPr>
+        <p:spPr/>
+        <p:txBody>
+          <a:bodyPr/>
+          <a:lstStyle/>
+          <a:p>
+            <a:fld id="{D57F1E4F-1CFF-5643-939E-217C01CDF565}" type="slidenum">
+              <a:rPr lang="en-US" smtClean="0"/>
+              <a:pPr/>
+              <a:t>1</a:t>
+            </a:fld>
+            <a:endParaRPr lang="en-US" dirty="0"/>
           </a:p>
         </p:txBody>
       </p:sp>
@@ -3305,6 +3912,76 @@
           </a:extLst>
         </p:spPr>
       </p:pic>
+      <p:sp>
+        <p:nvSpPr>
+          <p:cNvPr id="5" name="Date Placeholder 4"/>
+          <p:cNvSpPr>
+            <a:spLocks noGrp="1"/>
+          </p:cNvSpPr>
+          <p:nvPr>
+            <p:ph type="dt" sz="half" idx="10"/>
+          </p:nvPr>
+        </p:nvSpPr>
+        <p:spPr/>
+        <p:txBody>
+          <a:bodyPr/>
+          <a:lstStyle/>
+          <a:p>
+            <a:r>
+              <a:rPr lang="en-US" smtClean="0"/>
+              <a:t>1/15/2023</a:t>
+            </a:r>
+            <a:endParaRPr lang="en-US" dirty="0"/>
+          </a:p>
+        </p:txBody>
+      </p:sp>
+      <p:sp>
+        <p:nvSpPr>
+          <p:cNvPr id="6" name="Footer Placeholder 5"/>
+          <p:cNvSpPr>
+            <a:spLocks noGrp="1"/>
+          </p:cNvSpPr>
+          <p:nvPr>
+            <p:ph type="ftr" sz="quarter" idx="11"/>
+          </p:nvPr>
+        </p:nvSpPr>
+        <p:spPr/>
+        <p:txBody>
+          <a:bodyPr/>
+          <a:lstStyle/>
+          <a:p>
+            <a:r>
+              <a:rPr lang="en-US" smtClean="0"/>
+              <a:t>Sercan KÜLCÜ, Tanenbaum, Modern Operating Systems 3e kitabından faydalanılmıştır. Tüm hakları saklıdır.</a:t>
+            </a:r>
+            <a:endParaRPr lang="en-US" dirty="0"/>
+          </a:p>
+        </p:txBody>
+      </p:sp>
+      <p:sp>
+        <p:nvSpPr>
+          <p:cNvPr id="7" name="Slide Number Placeholder 6"/>
+          <p:cNvSpPr>
+            <a:spLocks noGrp="1"/>
+          </p:cNvSpPr>
+          <p:nvPr>
+            <p:ph type="sldNum" sz="quarter" idx="12"/>
+          </p:nvPr>
+        </p:nvSpPr>
+        <p:spPr/>
+        <p:txBody>
+          <a:bodyPr/>
+          <a:lstStyle/>
+          <a:p>
+            <a:fld id="{D57F1E4F-1CFF-5643-939E-217C01CDF565}" type="slidenum">
+              <a:rPr lang="en-US" smtClean="0"/>
+              <a:pPr/>
+              <a:t>10</a:t>
+            </a:fld>
+            <a:endParaRPr lang="en-US" dirty="0"/>
+          </a:p>
+        </p:txBody>
+      </p:sp>
     </p:spTree>
     <p:extLst>
       <p:ext uri="{BB962C8B-B14F-4D97-AF65-F5344CB8AC3E}">
@@ -3472,7 +4149,7 @@
           <a:graphicData uri="http://schemas.openxmlformats.org/presentationml/2006/ole">
             <mc:AlternateContent xmlns:mc="http://schemas.openxmlformats.org/markup-compatibility/2006">
               <mc:Choice xmlns:v="urn:schemas-microsoft-com:vml" Requires="v">
-                <p:oleObj spid="_x0000_s4148" name="Visio" r:id="rId4" imgW="2447792" imgH="634224" progId="Visio.Drawing.11">
+                <p:oleObj spid="_x0000_s4149" name="Visio" r:id="rId4" imgW="2447792" imgH="634224" progId="Visio.Drawing.11">
                   <p:embed/>
                 </p:oleObj>
               </mc:Choice>
@@ -3539,6 +4216,76 @@
           </a:graphicData>
         </a:graphic>
       </p:graphicFrame>
+      <p:sp>
+        <p:nvSpPr>
+          <p:cNvPr id="4" name="Date Placeholder 3"/>
+          <p:cNvSpPr>
+            <a:spLocks noGrp="1"/>
+          </p:cNvSpPr>
+          <p:nvPr>
+            <p:ph type="dt" sz="half" idx="10"/>
+          </p:nvPr>
+        </p:nvSpPr>
+        <p:spPr/>
+        <p:txBody>
+          <a:bodyPr/>
+          <a:lstStyle/>
+          <a:p>
+            <a:r>
+              <a:rPr lang="en-US" smtClean="0"/>
+              <a:t>1/15/2023</a:t>
+            </a:r>
+            <a:endParaRPr lang="en-US" dirty="0"/>
+          </a:p>
+        </p:txBody>
+      </p:sp>
+      <p:sp>
+        <p:nvSpPr>
+          <p:cNvPr id="7" name="Footer Placeholder 6"/>
+          <p:cNvSpPr>
+            <a:spLocks noGrp="1"/>
+          </p:cNvSpPr>
+          <p:nvPr>
+            <p:ph type="ftr" sz="quarter" idx="11"/>
+          </p:nvPr>
+        </p:nvSpPr>
+        <p:spPr/>
+        <p:txBody>
+          <a:bodyPr/>
+          <a:lstStyle/>
+          <a:p>
+            <a:r>
+              <a:rPr lang="en-US" smtClean="0"/>
+              <a:t>Sercan KÜLCÜ, Tanenbaum, Modern Operating Systems 3e kitabından faydalanılmıştır. Tüm hakları saklıdır.</a:t>
+            </a:r>
+            <a:endParaRPr lang="en-US" dirty="0"/>
+          </a:p>
+        </p:txBody>
+      </p:sp>
+      <p:sp>
+        <p:nvSpPr>
+          <p:cNvPr id="8" name="Slide Number Placeholder 7"/>
+          <p:cNvSpPr>
+            <a:spLocks noGrp="1"/>
+          </p:cNvSpPr>
+          <p:nvPr>
+            <p:ph type="sldNum" sz="quarter" idx="12"/>
+          </p:nvPr>
+        </p:nvSpPr>
+        <p:spPr/>
+        <p:txBody>
+          <a:bodyPr/>
+          <a:lstStyle/>
+          <a:p>
+            <a:fld id="{D57F1E4F-1CFF-5643-939E-217C01CDF565}" type="slidenum">
+              <a:rPr lang="en-US" smtClean="0"/>
+              <a:pPr/>
+              <a:t>100</a:t>
+            </a:fld>
+            <a:endParaRPr lang="en-US" dirty="0"/>
+          </a:p>
+        </p:txBody>
+      </p:sp>
     </p:spTree>
     <p:extLst>
       <p:ext uri="{BB962C8B-B14F-4D97-AF65-F5344CB8AC3E}">
@@ -3711,6 +4458,76 @@
               <a:rPr lang="tr-TR" dirty="0"/>
               <a:t>.</a:t>
             </a:r>
+          </a:p>
+        </p:txBody>
+      </p:sp>
+      <p:sp>
+        <p:nvSpPr>
+          <p:cNvPr id="4" name="Date Placeholder 3"/>
+          <p:cNvSpPr>
+            <a:spLocks noGrp="1"/>
+          </p:cNvSpPr>
+          <p:nvPr>
+            <p:ph type="dt" sz="half" idx="10"/>
+          </p:nvPr>
+        </p:nvSpPr>
+        <p:spPr/>
+        <p:txBody>
+          <a:bodyPr/>
+          <a:lstStyle/>
+          <a:p>
+            <a:r>
+              <a:rPr lang="en-US" smtClean="0"/>
+              <a:t>1/15/2023</a:t>
+            </a:r>
+            <a:endParaRPr lang="en-US" dirty="0"/>
+          </a:p>
+        </p:txBody>
+      </p:sp>
+      <p:sp>
+        <p:nvSpPr>
+          <p:cNvPr id="5" name="Footer Placeholder 4"/>
+          <p:cNvSpPr>
+            <a:spLocks noGrp="1"/>
+          </p:cNvSpPr>
+          <p:nvPr>
+            <p:ph type="ftr" sz="quarter" idx="11"/>
+          </p:nvPr>
+        </p:nvSpPr>
+        <p:spPr/>
+        <p:txBody>
+          <a:bodyPr/>
+          <a:lstStyle/>
+          <a:p>
+            <a:r>
+              <a:rPr lang="en-US" smtClean="0"/>
+              <a:t>Sercan KÜLCÜ, Tanenbaum, Modern Operating Systems 3e kitabından faydalanılmıştır. Tüm hakları saklıdır.</a:t>
+            </a:r>
+            <a:endParaRPr lang="en-US" dirty="0"/>
+          </a:p>
+        </p:txBody>
+      </p:sp>
+      <p:sp>
+        <p:nvSpPr>
+          <p:cNvPr id="6" name="Slide Number Placeholder 5"/>
+          <p:cNvSpPr>
+            <a:spLocks noGrp="1"/>
+          </p:cNvSpPr>
+          <p:nvPr>
+            <p:ph type="sldNum" sz="quarter" idx="12"/>
+          </p:nvPr>
+        </p:nvSpPr>
+        <p:spPr/>
+        <p:txBody>
+          <a:bodyPr/>
+          <a:lstStyle/>
+          <a:p>
+            <a:fld id="{D57F1E4F-1CFF-5643-939E-217C01CDF565}" type="slidenum">
+              <a:rPr lang="en-US" smtClean="0"/>
+              <a:pPr/>
+              <a:t>101</a:t>
+            </a:fld>
+            <a:endParaRPr lang="en-US" dirty="0"/>
           </a:p>
         </p:txBody>
       </p:sp>
@@ -3899,6 +4716,76 @@
           </a:extLst>
         </p:spPr>
       </p:pic>
+      <p:sp>
+        <p:nvSpPr>
+          <p:cNvPr id="5" name="Date Placeholder 4"/>
+          <p:cNvSpPr>
+            <a:spLocks noGrp="1"/>
+          </p:cNvSpPr>
+          <p:nvPr>
+            <p:ph type="dt" sz="half" idx="10"/>
+          </p:nvPr>
+        </p:nvSpPr>
+        <p:spPr/>
+        <p:txBody>
+          <a:bodyPr/>
+          <a:lstStyle/>
+          <a:p>
+            <a:r>
+              <a:rPr lang="en-US" smtClean="0"/>
+              <a:t>1/15/2023</a:t>
+            </a:r>
+            <a:endParaRPr lang="en-US" dirty="0"/>
+          </a:p>
+        </p:txBody>
+      </p:sp>
+      <p:sp>
+        <p:nvSpPr>
+          <p:cNvPr id="6" name="Footer Placeholder 5"/>
+          <p:cNvSpPr>
+            <a:spLocks noGrp="1"/>
+          </p:cNvSpPr>
+          <p:nvPr>
+            <p:ph type="ftr" sz="quarter" idx="11"/>
+          </p:nvPr>
+        </p:nvSpPr>
+        <p:spPr/>
+        <p:txBody>
+          <a:bodyPr/>
+          <a:lstStyle/>
+          <a:p>
+            <a:r>
+              <a:rPr lang="en-US" smtClean="0"/>
+              <a:t>Sercan KÜLCÜ, Tanenbaum, Modern Operating Systems 3e kitabından faydalanılmıştır. Tüm hakları saklıdır.</a:t>
+            </a:r>
+            <a:endParaRPr lang="en-US" dirty="0"/>
+          </a:p>
+        </p:txBody>
+      </p:sp>
+      <p:sp>
+        <p:nvSpPr>
+          <p:cNvPr id="7" name="Slide Number Placeholder 6"/>
+          <p:cNvSpPr>
+            <a:spLocks noGrp="1"/>
+          </p:cNvSpPr>
+          <p:nvPr>
+            <p:ph type="sldNum" sz="quarter" idx="12"/>
+          </p:nvPr>
+        </p:nvSpPr>
+        <p:spPr/>
+        <p:txBody>
+          <a:bodyPr/>
+          <a:lstStyle/>
+          <a:p>
+            <a:fld id="{D57F1E4F-1CFF-5643-939E-217C01CDF565}" type="slidenum">
+              <a:rPr lang="en-US" smtClean="0"/>
+              <a:pPr/>
+              <a:t>102</a:t>
+            </a:fld>
+            <a:endParaRPr lang="en-US" dirty="0"/>
+          </a:p>
+        </p:txBody>
+      </p:sp>
     </p:spTree>
     <p:extLst>
       <p:ext uri="{BB962C8B-B14F-4D97-AF65-F5344CB8AC3E}">
@@ -4040,6 +4927,76 @@
           </a:p>
         </p:txBody>
       </p:sp>
+      <p:sp>
+        <p:nvSpPr>
+          <p:cNvPr id="4" name="Date Placeholder 3"/>
+          <p:cNvSpPr>
+            <a:spLocks noGrp="1"/>
+          </p:cNvSpPr>
+          <p:nvPr>
+            <p:ph type="dt" sz="half" idx="10"/>
+          </p:nvPr>
+        </p:nvSpPr>
+        <p:spPr/>
+        <p:txBody>
+          <a:bodyPr/>
+          <a:lstStyle/>
+          <a:p>
+            <a:r>
+              <a:rPr lang="en-US" smtClean="0"/>
+              <a:t>1/15/2023</a:t>
+            </a:r>
+            <a:endParaRPr lang="en-US" dirty="0"/>
+          </a:p>
+        </p:txBody>
+      </p:sp>
+      <p:sp>
+        <p:nvSpPr>
+          <p:cNvPr id="5" name="Footer Placeholder 4"/>
+          <p:cNvSpPr>
+            <a:spLocks noGrp="1"/>
+          </p:cNvSpPr>
+          <p:nvPr>
+            <p:ph type="ftr" sz="quarter" idx="11"/>
+          </p:nvPr>
+        </p:nvSpPr>
+        <p:spPr/>
+        <p:txBody>
+          <a:bodyPr/>
+          <a:lstStyle/>
+          <a:p>
+            <a:r>
+              <a:rPr lang="en-US" smtClean="0"/>
+              <a:t>Sercan KÜLCÜ, Tanenbaum, Modern Operating Systems 3e kitabından faydalanılmıştır. Tüm hakları saklıdır.</a:t>
+            </a:r>
+            <a:endParaRPr lang="en-US" dirty="0"/>
+          </a:p>
+        </p:txBody>
+      </p:sp>
+      <p:sp>
+        <p:nvSpPr>
+          <p:cNvPr id="6" name="Slide Number Placeholder 5"/>
+          <p:cNvSpPr>
+            <a:spLocks noGrp="1"/>
+          </p:cNvSpPr>
+          <p:nvPr>
+            <p:ph type="sldNum" sz="quarter" idx="12"/>
+          </p:nvPr>
+        </p:nvSpPr>
+        <p:spPr/>
+        <p:txBody>
+          <a:bodyPr/>
+          <a:lstStyle/>
+          <a:p>
+            <a:fld id="{D57F1E4F-1CFF-5643-939E-217C01CDF565}" type="slidenum">
+              <a:rPr lang="en-US" smtClean="0"/>
+              <a:pPr/>
+              <a:t>103</a:t>
+            </a:fld>
+            <a:endParaRPr lang="en-US" dirty="0"/>
+          </a:p>
+        </p:txBody>
+      </p:sp>
     </p:spTree>
     <p:extLst>
       <p:ext uri="{BB962C8B-B14F-4D97-AF65-F5344CB8AC3E}">
@@ -4221,6 +5178,76 @@
           </a:p>
         </p:txBody>
       </p:sp>
+      <p:sp>
+        <p:nvSpPr>
+          <p:cNvPr id="4" name="Date Placeholder 3"/>
+          <p:cNvSpPr>
+            <a:spLocks noGrp="1"/>
+          </p:cNvSpPr>
+          <p:nvPr>
+            <p:ph type="dt" sz="half" idx="10"/>
+          </p:nvPr>
+        </p:nvSpPr>
+        <p:spPr/>
+        <p:txBody>
+          <a:bodyPr/>
+          <a:lstStyle/>
+          <a:p>
+            <a:r>
+              <a:rPr lang="en-US" smtClean="0"/>
+              <a:t>1/15/2023</a:t>
+            </a:r>
+            <a:endParaRPr lang="en-US" dirty="0"/>
+          </a:p>
+        </p:txBody>
+      </p:sp>
+      <p:sp>
+        <p:nvSpPr>
+          <p:cNvPr id="5" name="Footer Placeholder 4"/>
+          <p:cNvSpPr>
+            <a:spLocks noGrp="1"/>
+          </p:cNvSpPr>
+          <p:nvPr>
+            <p:ph type="ftr" sz="quarter" idx="11"/>
+          </p:nvPr>
+        </p:nvSpPr>
+        <p:spPr/>
+        <p:txBody>
+          <a:bodyPr/>
+          <a:lstStyle/>
+          <a:p>
+            <a:r>
+              <a:rPr lang="en-US" smtClean="0"/>
+              <a:t>Sercan KÜLCÜ, Tanenbaum, Modern Operating Systems 3e kitabından faydalanılmıştır. Tüm hakları saklıdır.</a:t>
+            </a:r>
+            <a:endParaRPr lang="en-US" dirty="0"/>
+          </a:p>
+        </p:txBody>
+      </p:sp>
+      <p:sp>
+        <p:nvSpPr>
+          <p:cNvPr id="6" name="Slide Number Placeholder 5"/>
+          <p:cNvSpPr>
+            <a:spLocks noGrp="1"/>
+          </p:cNvSpPr>
+          <p:nvPr>
+            <p:ph type="sldNum" sz="quarter" idx="12"/>
+          </p:nvPr>
+        </p:nvSpPr>
+        <p:spPr/>
+        <p:txBody>
+          <a:bodyPr/>
+          <a:lstStyle/>
+          <a:p>
+            <a:fld id="{D57F1E4F-1CFF-5643-939E-217C01CDF565}" type="slidenum">
+              <a:rPr lang="en-US" smtClean="0"/>
+              <a:pPr/>
+              <a:t>104</a:t>
+            </a:fld>
+            <a:endParaRPr lang="en-US" dirty="0"/>
+          </a:p>
+        </p:txBody>
+      </p:sp>
     </p:spTree>
     <p:extLst>
       <p:ext uri="{BB962C8B-B14F-4D97-AF65-F5344CB8AC3E}">
@@ -4329,6 +5356,76 @@
           </a:p>
         </p:txBody>
       </p:sp>
+      <p:sp>
+        <p:nvSpPr>
+          <p:cNvPr id="4" name="Date Placeholder 3"/>
+          <p:cNvSpPr>
+            <a:spLocks noGrp="1"/>
+          </p:cNvSpPr>
+          <p:nvPr>
+            <p:ph type="dt" sz="half" idx="10"/>
+          </p:nvPr>
+        </p:nvSpPr>
+        <p:spPr/>
+        <p:txBody>
+          <a:bodyPr/>
+          <a:lstStyle/>
+          <a:p>
+            <a:r>
+              <a:rPr lang="en-US" smtClean="0"/>
+              <a:t>1/15/2023</a:t>
+            </a:r>
+            <a:endParaRPr lang="en-US" dirty="0"/>
+          </a:p>
+        </p:txBody>
+      </p:sp>
+      <p:sp>
+        <p:nvSpPr>
+          <p:cNvPr id="5" name="Footer Placeholder 4"/>
+          <p:cNvSpPr>
+            <a:spLocks noGrp="1"/>
+          </p:cNvSpPr>
+          <p:nvPr>
+            <p:ph type="ftr" sz="quarter" idx="11"/>
+          </p:nvPr>
+        </p:nvSpPr>
+        <p:spPr/>
+        <p:txBody>
+          <a:bodyPr/>
+          <a:lstStyle/>
+          <a:p>
+            <a:r>
+              <a:rPr lang="en-US" smtClean="0"/>
+              <a:t>Sercan KÜLCÜ, Tanenbaum, Modern Operating Systems 3e kitabından faydalanılmıştır. Tüm hakları saklıdır.</a:t>
+            </a:r>
+            <a:endParaRPr lang="en-US" dirty="0"/>
+          </a:p>
+        </p:txBody>
+      </p:sp>
+      <p:sp>
+        <p:nvSpPr>
+          <p:cNvPr id="6" name="Slide Number Placeholder 5"/>
+          <p:cNvSpPr>
+            <a:spLocks noGrp="1"/>
+          </p:cNvSpPr>
+          <p:nvPr>
+            <p:ph type="sldNum" sz="quarter" idx="12"/>
+          </p:nvPr>
+        </p:nvSpPr>
+        <p:spPr/>
+        <p:txBody>
+          <a:bodyPr/>
+          <a:lstStyle/>
+          <a:p>
+            <a:fld id="{D57F1E4F-1CFF-5643-939E-217C01CDF565}" type="slidenum">
+              <a:rPr lang="en-US" smtClean="0"/>
+              <a:pPr/>
+              <a:t>105</a:t>
+            </a:fld>
+            <a:endParaRPr lang="en-US" dirty="0"/>
+          </a:p>
+        </p:txBody>
+      </p:sp>
     </p:spTree>
     <p:extLst>
       <p:ext uri="{BB962C8B-B14F-4D97-AF65-F5344CB8AC3E}">
@@ -4468,7 +5565,7 @@
           <a:graphicData uri="http://schemas.openxmlformats.org/presentationml/2006/ole">
             <mc:AlternateContent xmlns:mc="http://schemas.openxmlformats.org/markup-compatibility/2006">
               <mc:Choice xmlns:v="urn:schemas-microsoft-com:vml" Requires="v">
-                <p:oleObj spid="_x0000_s5162" name="Visio" r:id="rId3" imgW="1477851" imgH="1117820" progId="Visio.Drawing.11">
+                <p:oleObj spid="_x0000_s5163" name="Visio" r:id="rId3" imgW="1477851" imgH="1117820" progId="Visio.Drawing.11">
                   <p:embed/>
                 </p:oleObj>
               </mc:Choice>
@@ -4545,6 +5642,76 @@
           </a:graphicData>
         </a:graphic>
       </p:graphicFrame>
+      <p:sp>
+        <p:nvSpPr>
+          <p:cNvPr id="5" name="Date Placeholder 4"/>
+          <p:cNvSpPr>
+            <a:spLocks noGrp="1"/>
+          </p:cNvSpPr>
+          <p:nvPr>
+            <p:ph type="dt" sz="half" idx="10"/>
+          </p:nvPr>
+        </p:nvSpPr>
+        <p:spPr/>
+        <p:txBody>
+          <a:bodyPr/>
+          <a:lstStyle/>
+          <a:p>
+            <a:r>
+              <a:rPr lang="en-US" smtClean="0"/>
+              <a:t>1/15/2023</a:t>
+            </a:r>
+            <a:endParaRPr lang="en-US" dirty="0"/>
+          </a:p>
+        </p:txBody>
+      </p:sp>
+      <p:sp>
+        <p:nvSpPr>
+          <p:cNvPr id="6" name="Footer Placeholder 5"/>
+          <p:cNvSpPr>
+            <a:spLocks noGrp="1"/>
+          </p:cNvSpPr>
+          <p:nvPr>
+            <p:ph type="ftr" sz="quarter" idx="11"/>
+          </p:nvPr>
+        </p:nvSpPr>
+        <p:spPr/>
+        <p:txBody>
+          <a:bodyPr/>
+          <a:lstStyle/>
+          <a:p>
+            <a:r>
+              <a:rPr lang="en-US" smtClean="0"/>
+              <a:t>Sercan KÜLCÜ, Tanenbaum, Modern Operating Systems 3e kitabından faydalanılmıştır. Tüm hakları saklıdır.</a:t>
+            </a:r>
+            <a:endParaRPr lang="en-US" dirty="0"/>
+          </a:p>
+        </p:txBody>
+      </p:sp>
+      <p:sp>
+        <p:nvSpPr>
+          <p:cNvPr id="7" name="Slide Number Placeholder 6"/>
+          <p:cNvSpPr>
+            <a:spLocks noGrp="1"/>
+          </p:cNvSpPr>
+          <p:nvPr>
+            <p:ph type="sldNum" sz="quarter" idx="12"/>
+          </p:nvPr>
+        </p:nvSpPr>
+        <p:spPr/>
+        <p:txBody>
+          <a:bodyPr/>
+          <a:lstStyle/>
+          <a:p>
+            <a:fld id="{D57F1E4F-1CFF-5643-939E-217C01CDF565}" type="slidenum">
+              <a:rPr lang="en-US" smtClean="0"/>
+              <a:pPr/>
+              <a:t>106</a:t>
+            </a:fld>
+            <a:endParaRPr lang="en-US" dirty="0"/>
+          </a:p>
+        </p:txBody>
+      </p:sp>
     </p:spTree>
     <p:extLst>
       <p:ext uri="{BB962C8B-B14F-4D97-AF65-F5344CB8AC3E}">
@@ -4661,6 +5828,76 @@
           </a:p>
         </p:txBody>
       </p:sp>
+      <p:sp>
+        <p:nvSpPr>
+          <p:cNvPr id="4" name="Date Placeholder 3"/>
+          <p:cNvSpPr>
+            <a:spLocks noGrp="1"/>
+          </p:cNvSpPr>
+          <p:nvPr>
+            <p:ph type="dt" sz="half" idx="10"/>
+          </p:nvPr>
+        </p:nvSpPr>
+        <p:spPr/>
+        <p:txBody>
+          <a:bodyPr/>
+          <a:lstStyle/>
+          <a:p>
+            <a:r>
+              <a:rPr lang="en-US" smtClean="0"/>
+              <a:t>1/15/2023</a:t>
+            </a:r>
+            <a:endParaRPr lang="en-US" dirty="0"/>
+          </a:p>
+        </p:txBody>
+      </p:sp>
+      <p:sp>
+        <p:nvSpPr>
+          <p:cNvPr id="5" name="Footer Placeholder 4"/>
+          <p:cNvSpPr>
+            <a:spLocks noGrp="1"/>
+          </p:cNvSpPr>
+          <p:nvPr>
+            <p:ph type="ftr" sz="quarter" idx="11"/>
+          </p:nvPr>
+        </p:nvSpPr>
+        <p:spPr/>
+        <p:txBody>
+          <a:bodyPr/>
+          <a:lstStyle/>
+          <a:p>
+            <a:r>
+              <a:rPr lang="en-US" smtClean="0"/>
+              <a:t>Sercan KÜLCÜ, Tanenbaum, Modern Operating Systems 3e kitabından faydalanılmıştır. Tüm hakları saklıdır.</a:t>
+            </a:r>
+            <a:endParaRPr lang="en-US" dirty="0"/>
+          </a:p>
+        </p:txBody>
+      </p:sp>
+      <p:sp>
+        <p:nvSpPr>
+          <p:cNvPr id="6" name="Slide Number Placeholder 5"/>
+          <p:cNvSpPr>
+            <a:spLocks noGrp="1"/>
+          </p:cNvSpPr>
+          <p:nvPr>
+            <p:ph type="sldNum" sz="quarter" idx="12"/>
+          </p:nvPr>
+        </p:nvSpPr>
+        <p:spPr/>
+        <p:txBody>
+          <a:bodyPr/>
+          <a:lstStyle/>
+          <a:p>
+            <a:fld id="{D57F1E4F-1CFF-5643-939E-217C01CDF565}" type="slidenum">
+              <a:rPr lang="en-US" smtClean="0"/>
+              <a:pPr/>
+              <a:t>107</a:t>
+            </a:fld>
+            <a:endParaRPr lang="en-US" dirty="0"/>
+          </a:p>
+        </p:txBody>
+      </p:sp>
     </p:spTree>
     <p:extLst>
       <p:ext uri="{BB962C8B-B14F-4D97-AF65-F5344CB8AC3E}">
@@ -4828,6 +6065,76 @@
           </a:p>
         </p:txBody>
       </p:sp>
+      <p:sp>
+        <p:nvSpPr>
+          <p:cNvPr id="4" name="Date Placeholder 3"/>
+          <p:cNvSpPr>
+            <a:spLocks noGrp="1"/>
+          </p:cNvSpPr>
+          <p:nvPr>
+            <p:ph type="dt" sz="half" idx="10"/>
+          </p:nvPr>
+        </p:nvSpPr>
+        <p:spPr/>
+        <p:txBody>
+          <a:bodyPr/>
+          <a:lstStyle/>
+          <a:p>
+            <a:r>
+              <a:rPr lang="en-US" smtClean="0"/>
+              <a:t>1/15/2023</a:t>
+            </a:r>
+            <a:endParaRPr lang="en-US" dirty="0"/>
+          </a:p>
+        </p:txBody>
+      </p:sp>
+      <p:sp>
+        <p:nvSpPr>
+          <p:cNvPr id="5" name="Footer Placeholder 4"/>
+          <p:cNvSpPr>
+            <a:spLocks noGrp="1"/>
+          </p:cNvSpPr>
+          <p:nvPr>
+            <p:ph type="ftr" sz="quarter" idx="11"/>
+          </p:nvPr>
+        </p:nvSpPr>
+        <p:spPr/>
+        <p:txBody>
+          <a:bodyPr/>
+          <a:lstStyle/>
+          <a:p>
+            <a:r>
+              <a:rPr lang="en-US" smtClean="0"/>
+              <a:t>Sercan KÜLCÜ, Tanenbaum, Modern Operating Systems 3e kitabından faydalanılmıştır. Tüm hakları saklıdır.</a:t>
+            </a:r>
+            <a:endParaRPr lang="en-US" dirty="0"/>
+          </a:p>
+        </p:txBody>
+      </p:sp>
+      <p:sp>
+        <p:nvSpPr>
+          <p:cNvPr id="6" name="Slide Number Placeholder 5"/>
+          <p:cNvSpPr>
+            <a:spLocks noGrp="1"/>
+          </p:cNvSpPr>
+          <p:nvPr>
+            <p:ph type="sldNum" sz="quarter" idx="12"/>
+          </p:nvPr>
+        </p:nvSpPr>
+        <p:spPr/>
+        <p:txBody>
+          <a:bodyPr/>
+          <a:lstStyle/>
+          <a:p>
+            <a:fld id="{D57F1E4F-1CFF-5643-939E-217C01CDF565}" type="slidenum">
+              <a:rPr lang="en-US" smtClean="0"/>
+              <a:pPr/>
+              <a:t>108</a:t>
+            </a:fld>
+            <a:endParaRPr lang="en-US" dirty="0"/>
+          </a:p>
+        </p:txBody>
+      </p:sp>
     </p:spTree>
     <p:extLst>
       <p:ext uri="{BB962C8B-B14F-4D97-AF65-F5344CB8AC3E}">
@@ -4932,6 +6239,76 @@
           </a:p>
           <a:p>
             <a:endParaRPr lang="tr-TR" dirty="0"/>
+          </a:p>
+        </p:txBody>
+      </p:sp>
+      <p:sp>
+        <p:nvSpPr>
+          <p:cNvPr id="4" name="Date Placeholder 3"/>
+          <p:cNvSpPr>
+            <a:spLocks noGrp="1"/>
+          </p:cNvSpPr>
+          <p:nvPr>
+            <p:ph type="dt" sz="half" idx="10"/>
+          </p:nvPr>
+        </p:nvSpPr>
+        <p:spPr/>
+        <p:txBody>
+          <a:bodyPr/>
+          <a:lstStyle/>
+          <a:p>
+            <a:r>
+              <a:rPr lang="en-US" smtClean="0"/>
+              <a:t>1/15/2023</a:t>
+            </a:r>
+            <a:endParaRPr lang="en-US" dirty="0"/>
+          </a:p>
+        </p:txBody>
+      </p:sp>
+      <p:sp>
+        <p:nvSpPr>
+          <p:cNvPr id="5" name="Footer Placeholder 4"/>
+          <p:cNvSpPr>
+            <a:spLocks noGrp="1"/>
+          </p:cNvSpPr>
+          <p:nvPr>
+            <p:ph type="ftr" sz="quarter" idx="11"/>
+          </p:nvPr>
+        </p:nvSpPr>
+        <p:spPr/>
+        <p:txBody>
+          <a:bodyPr/>
+          <a:lstStyle/>
+          <a:p>
+            <a:r>
+              <a:rPr lang="en-US" smtClean="0"/>
+              <a:t>Sercan KÜLCÜ, Tanenbaum, Modern Operating Systems 3e kitabından faydalanılmıştır. Tüm hakları saklıdır.</a:t>
+            </a:r>
+            <a:endParaRPr lang="en-US" dirty="0"/>
+          </a:p>
+        </p:txBody>
+      </p:sp>
+      <p:sp>
+        <p:nvSpPr>
+          <p:cNvPr id="6" name="Slide Number Placeholder 5"/>
+          <p:cNvSpPr>
+            <a:spLocks noGrp="1"/>
+          </p:cNvSpPr>
+          <p:nvPr>
+            <p:ph type="sldNum" sz="quarter" idx="12"/>
+          </p:nvPr>
+        </p:nvSpPr>
+        <p:spPr/>
+        <p:txBody>
+          <a:bodyPr/>
+          <a:lstStyle/>
+          <a:p>
+            <a:fld id="{D57F1E4F-1CFF-5643-939E-217C01CDF565}" type="slidenum">
+              <a:rPr lang="en-US" smtClean="0"/>
+              <a:pPr/>
+              <a:t>109</a:t>
+            </a:fld>
+            <a:endParaRPr lang="en-US" dirty="0"/>
           </a:p>
         </p:txBody>
       </p:sp>
@@ -5086,6 +6463,76 @@
           </a:extLst>
         </p:spPr>
       </p:pic>
+      <p:sp>
+        <p:nvSpPr>
+          <p:cNvPr id="4" name="Date Placeholder 3"/>
+          <p:cNvSpPr>
+            <a:spLocks noGrp="1"/>
+          </p:cNvSpPr>
+          <p:nvPr>
+            <p:ph type="dt" sz="half" idx="10"/>
+          </p:nvPr>
+        </p:nvSpPr>
+        <p:spPr/>
+        <p:txBody>
+          <a:bodyPr/>
+          <a:lstStyle/>
+          <a:p>
+            <a:r>
+              <a:rPr lang="en-US" smtClean="0"/>
+              <a:t>1/15/2023</a:t>
+            </a:r>
+            <a:endParaRPr lang="en-US" dirty="0"/>
+          </a:p>
+        </p:txBody>
+      </p:sp>
+      <p:sp>
+        <p:nvSpPr>
+          <p:cNvPr id="6" name="Footer Placeholder 5"/>
+          <p:cNvSpPr>
+            <a:spLocks noGrp="1"/>
+          </p:cNvSpPr>
+          <p:nvPr>
+            <p:ph type="ftr" sz="quarter" idx="11"/>
+          </p:nvPr>
+        </p:nvSpPr>
+        <p:spPr/>
+        <p:txBody>
+          <a:bodyPr/>
+          <a:lstStyle/>
+          <a:p>
+            <a:r>
+              <a:rPr lang="en-US" smtClean="0"/>
+              <a:t>Sercan KÜLCÜ, Tanenbaum, Modern Operating Systems 3e kitabından faydalanılmıştır. Tüm hakları saklıdır.</a:t>
+            </a:r>
+            <a:endParaRPr lang="en-US" dirty="0"/>
+          </a:p>
+        </p:txBody>
+      </p:sp>
+      <p:sp>
+        <p:nvSpPr>
+          <p:cNvPr id="7" name="Slide Number Placeholder 6"/>
+          <p:cNvSpPr>
+            <a:spLocks noGrp="1"/>
+          </p:cNvSpPr>
+          <p:nvPr>
+            <p:ph type="sldNum" sz="quarter" idx="12"/>
+          </p:nvPr>
+        </p:nvSpPr>
+        <p:spPr/>
+        <p:txBody>
+          <a:bodyPr/>
+          <a:lstStyle/>
+          <a:p>
+            <a:fld id="{D57F1E4F-1CFF-5643-939E-217C01CDF565}" type="slidenum">
+              <a:rPr lang="en-US" smtClean="0"/>
+              <a:pPr/>
+              <a:t>11</a:t>
+            </a:fld>
+            <a:endParaRPr lang="en-US" dirty="0"/>
+          </a:p>
+        </p:txBody>
+      </p:sp>
     </p:spTree>
     <p:extLst>
       <p:ext uri="{BB962C8B-B14F-4D97-AF65-F5344CB8AC3E}">
@@ -5253,6 +6700,76 @@
           </a:extLst>
         </p:spPr>
       </p:pic>
+      <p:sp>
+        <p:nvSpPr>
+          <p:cNvPr id="4" name="Date Placeholder 3"/>
+          <p:cNvSpPr>
+            <a:spLocks noGrp="1"/>
+          </p:cNvSpPr>
+          <p:nvPr>
+            <p:ph type="dt" sz="half" idx="10"/>
+          </p:nvPr>
+        </p:nvSpPr>
+        <p:spPr/>
+        <p:txBody>
+          <a:bodyPr/>
+          <a:lstStyle/>
+          <a:p>
+            <a:r>
+              <a:rPr lang="en-US" smtClean="0"/>
+              <a:t>1/15/2023</a:t>
+            </a:r>
+            <a:endParaRPr lang="en-US" dirty="0"/>
+          </a:p>
+        </p:txBody>
+      </p:sp>
+      <p:sp>
+        <p:nvSpPr>
+          <p:cNvPr id="5" name="Footer Placeholder 4"/>
+          <p:cNvSpPr>
+            <a:spLocks noGrp="1"/>
+          </p:cNvSpPr>
+          <p:nvPr>
+            <p:ph type="ftr" sz="quarter" idx="11"/>
+          </p:nvPr>
+        </p:nvSpPr>
+        <p:spPr/>
+        <p:txBody>
+          <a:bodyPr/>
+          <a:lstStyle/>
+          <a:p>
+            <a:r>
+              <a:rPr lang="en-US" smtClean="0"/>
+              <a:t>Sercan KÜLCÜ, Tanenbaum, Modern Operating Systems 3e kitabından faydalanılmıştır. Tüm hakları saklıdır.</a:t>
+            </a:r>
+            <a:endParaRPr lang="en-US" dirty="0"/>
+          </a:p>
+        </p:txBody>
+      </p:sp>
+      <p:sp>
+        <p:nvSpPr>
+          <p:cNvPr id="7" name="Slide Number Placeholder 6"/>
+          <p:cNvSpPr>
+            <a:spLocks noGrp="1"/>
+          </p:cNvSpPr>
+          <p:nvPr>
+            <p:ph type="sldNum" sz="quarter" idx="12"/>
+          </p:nvPr>
+        </p:nvSpPr>
+        <p:spPr/>
+        <p:txBody>
+          <a:bodyPr/>
+          <a:lstStyle/>
+          <a:p>
+            <a:fld id="{D57F1E4F-1CFF-5643-939E-217C01CDF565}" type="slidenum">
+              <a:rPr lang="en-US" smtClean="0"/>
+              <a:pPr/>
+              <a:t>12</a:t>
+            </a:fld>
+            <a:endParaRPr lang="en-US" dirty="0"/>
+          </a:p>
+        </p:txBody>
+      </p:sp>
     </p:spTree>
     <p:extLst>
       <p:ext uri="{BB962C8B-B14F-4D97-AF65-F5344CB8AC3E}">
@@ -5408,6 +6925,76 @@
           </a:extLst>
         </p:spPr>
       </p:pic>
+      <p:sp>
+        <p:nvSpPr>
+          <p:cNvPr id="5" name="Date Placeholder 4"/>
+          <p:cNvSpPr>
+            <a:spLocks noGrp="1"/>
+          </p:cNvSpPr>
+          <p:nvPr>
+            <p:ph type="dt" sz="half" idx="10"/>
+          </p:nvPr>
+        </p:nvSpPr>
+        <p:spPr/>
+        <p:txBody>
+          <a:bodyPr/>
+          <a:lstStyle/>
+          <a:p>
+            <a:r>
+              <a:rPr lang="en-US" smtClean="0"/>
+              <a:t>1/15/2023</a:t>
+            </a:r>
+            <a:endParaRPr lang="en-US" dirty="0"/>
+          </a:p>
+        </p:txBody>
+      </p:sp>
+      <p:sp>
+        <p:nvSpPr>
+          <p:cNvPr id="6" name="Footer Placeholder 5"/>
+          <p:cNvSpPr>
+            <a:spLocks noGrp="1"/>
+          </p:cNvSpPr>
+          <p:nvPr>
+            <p:ph type="ftr" sz="quarter" idx="11"/>
+          </p:nvPr>
+        </p:nvSpPr>
+        <p:spPr/>
+        <p:txBody>
+          <a:bodyPr/>
+          <a:lstStyle/>
+          <a:p>
+            <a:r>
+              <a:rPr lang="en-US" smtClean="0"/>
+              <a:t>Sercan KÜLCÜ, Tanenbaum, Modern Operating Systems 3e kitabından faydalanılmıştır. Tüm hakları saklıdır.</a:t>
+            </a:r>
+            <a:endParaRPr lang="en-US" dirty="0"/>
+          </a:p>
+        </p:txBody>
+      </p:sp>
+      <p:sp>
+        <p:nvSpPr>
+          <p:cNvPr id="7" name="Slide Number Placeholder 6"/>
+          <p:cNvSpPr>
+            <a:spLocks noGrp="1"/>
+          </p:cNvSpPr>
+          <p:nvPr>
+            <p:ph type="sldNum" sz="quarter" idx="12"/>
+          </p:nvPr>
+        </p:nvSpPr>
+        <p:spPr/>
+        <p:txBody>
+          <a:bodyPr/>
+          <a:lstStyle/>
+          <a:p>
+            <a:fld id="{D57F1E4F-1CFF-5643-939E-217C01CDF565}" type="slidenum">
+              <a:rPr lang="en-US" smtClean="0"/>
+              <a:pPr/>
+              <a:t>13</a:t>
+            </a:fld>
+            <a:endParaRPr lang="en-US" dirty="0"/>
+          </a:p>
+        </p:txBody>
+      </p:sp>
     </p:spTree>
     <p:extLst>
       <p:ext uri="{BB962C8B-B14F-4D97-AF65-F5344CB8AC3E}">
@@ -5555,6 +7142,76 @@
           </a:extLst>
         </p:spPr>
       </p:pic>
+      <p:sp>
+        <p:nvSpPr>
+          <p:cNvPr id="5" name="Date Placeholder 4"/>
+          <p:cNvSpPr>
+            <a:spLocks noGrp="1"/>
+          </p:cNvSpPr>
+          <p:nvPr>
+            <p:ph type="dt" sz="half" idx="10"/>
+          </p:nvPr>
+        </p:nvSpPr>
+        <p:spPr/>
+        <p:txBody>
+          <a:bodyPr/>
+          <a:lstStyle/>
+          <a:p>
+            <a:r>
+              <a:rPr lang="en-US" smtClean="0"/>
+              <a:t>1/15/2023</a:t>
+            </a:r>
+            <a:endParaRPr lang="en-US" dirty="0"/>
+          </a:p>
+        </p:txBody>
+      </p:sp>
+      <p:sp>
+        <p:nvSpPr>
+          <p:cNvPr id="6" name="Footer Placeholder 5"/>
+          <p:cNvSpPr>
+            <a:spLocks noGrp="1"/>
+          </p:cNvSpPr>
+          <p:nvPr>
+            <p:ph type="ftr" sz="quarter" idx="11"/>
+          </p:nvPr>
+        </p:nvSpPr>
+        <p:spPr/>
+        <p:txBody>
+          <a:bodyPr/>
+          <a:lstStyle/>
+          <a:p>
+            <a:r>
+              <a:rPr lang="en-US" smtClean="0"/>
+              <a:t>Sercan KÜLCÜ, Tanenbaum, Modern Operating Systems 3e kitabından faydalanılmıştır. Tüm hakları saklıdır.</a:t>
+            </a:r>
+            <a:endParaRPr lang="en-US" dirty="0"/>
+          </a:p>
+        </p:txBody>
+      </p:sp>
+      <p:sp>
+        <p:nvSpPr>
+          <p:cNvPr id="7" name="Slide Number Placeholder 6"/>
+          <p:cNvSpPr>
+            <a:spLocks noGrp="1"/>
+          </p:cNvSpPr>
+          <p:nvPr>
+            <p:ph type="sldNum" sz="quarter" idx="12"/>
+          </p:nvPr>
+        </p:nvSpPr>
+        <p:spPr/>
+        <p:txBody>
+          <a:bodyPr/>
+          <a:lstStyle/>
+          <a:p>
+            <a:fld id="{D57F1E4F-1CFF-5643-939E-217C01CDF565}" type="slidenum">
+              <a:rPr lang="en-US" smtClean="0"/>
+              <a:pPr/>
+              <a:t>14</a:t>
+            </a:fld>
+            <a:endParaRPr lang="en-US" dirty="0"/>
+          </a:p>
+        </p:txBody>
+      </p:sp>
     </p:spTree>
     <p:extLst>
       <p:ext uri="{BB962C8B-B14F-4D97-AF65-F5344CB8AC3E}">
@@ -5707,6 +7364,76 @@
           </a:extLst>
         </p:spPr>
       </p:pic>
+      <p:sp>
+        <p:nvSpPr>
+          <p:cNvPr id="4" name="Date Placeholder 3"/>
+          <p:cNvSpPr>
+            <a:spLocks noGrp="1"/>
+          </p:cNvSpPr>
+          <p:nvPr>
+            <p:ph type="dt" sz="half" idx="10"/>
+          </p:nvPr>
+        </p:nvSpPr>
+        <p:spPr/>
+        <p:txBody>
+          <a:bodyPr/>
+          <a:lstStyle/>
+          <a:p>
+            <a:r>
+              <a:rPr lang="en-US" smtClean="0"/>
+              <a:t>1/15/2023</a:t>
+            </a:r>
+            <a:endParaRPr lang="en-US" dirty="0"/>
+          </a:p>
+        </p:txBody>
+      </p:sp>
+      <p:sp>
+        <p:nvSpPr>
+          <p:cNvPr id="6" name="Footer Placeholder 5"/>
+          <p:cNvSpPr>
+            <a:spLocks noGrp="1"/>
+          </p:cNvSpPr>
+          <p:nvPr>
+            <p:ph type="ftr" sz="quarter" idx="11"/>
+          </p:nvPr>
+        </p:nvSpPr>
+        <p:spPr/>
+        <p:txBody>
+          <a:bodyPr/>
+          <a:lstStyle/>
+          <a:p>
+            <a:r>
+              <a:rPr lang="en-US" smtClean="0"/>
+              <a:t>Sercan KÜLCÜ, Tanenbaum, Modern Operating Systems 3e kitabından faydalanılmıştır. Tüm hakları saklıdır.</a:t>
+            </a:r>
+            <a:endParaRPr lang="en-US" dirty="0"/>
+          </a:p>
+        </p:txBody>
+      </p:sp>
+      <p:sp>
+        <p:nvSpPr>
+          <p:cNvPr id="7" name="Slide Number Placeholder 6"/>
+          <p:cNvSpPr>
+            <a:spLocks noGrp="1"/>
+          </p:cNvSpPr>
+          <p:nvPr>
+            <p:ph type="sldNum" sz="quarter" idx="12"/>
+          </p:nvPr>
+        </p:nvSpPr>
+        <p:spPr/>
+        <p:txBody>
+          <a:bodyPr/>
+          <a:lstStyle/>
+          <a:p>
+            <a:fld id="{D57F1E4F-1CFF-5643-939E-217C01CDF565}" type="slidenum">
+              <a:rPr lang="en-US" smtClean="0"/>
+              <a:pPr/>
+              <a:t>15</a:t>
+            </a:fld>
+            <a:endParaRPr lang="en-US" dirty="0"/>
+          </a:p>
+        </p:txBody>
+      </p:sp>
     </p:spTree>
     <p:extLst>
       <p:ext uri="{BB962C8B-B14F-4D97-AF65-F5344CB8AC3E}">
@@ -5890,6 +7617,76 @@
           </a:extLst>
         </p:spPr>
       </p:pic>
+      <p:sp>
+        <p:nvSpPr>
+          <p:cNvPr id="5" name="Date Placeholder 4"/>
+          <p:cNvSpPr>
+            <a:spLocks noGrp="1"/>
+          </p:cNvSpPr>
+          <p:nvPr>
+            <p:ph type="dt" sz="half" idx="10"/>
+          </p:nvPr>
+        </p:nvSpPr>
+        <p:spPr/>
+        <p:txBody>
+          <a:bodyPr/>
+          <a:lstStyle/>
+          <a:p>
+            <a:r>
+              <a:rPr lang="en-US" smtClean="0"/>
+              <a:t>1/15/2023</a:t>
+            </a:r>
+            <a:endParaRPr lang="en-US" dirty="0"/>
+          </a:p>
+        </p:txBody>
+      </p:sp>
+      <p:sp>
+        <p:nvSpPr>
+          <p:cNvPr id="6" name="Footer Placeholder 5"/>
+          <p:cNvSpPr>
+            <a:spLocks noGrp="1"/>
+          </p:cNvSpPr>
+          <p:nvPr>
+            <p:ph type="ftr" sz="quarter" idx="11"/>
+          </p:nvPr>
+        </p:nvSpPr>
+        <p:spPr/>
+        <p:txBody>
+          <a:bodyPr/>
+          <a:lstStyle/>
+          <a:p>
+            <a:r>
+              <a:rPr lang="en-US" smtClean="0"/>
+              <a:t>Sercan KÜLCÜ, Tanenbaum, Modern Operating Systems 3e kitabından faydalanılmıştır. Tüm hakları saklıdır.</a:t>
+            </a:r>
+            <a:endParaRPr lang="en-US" dirty="0"/>
+          </a:p>
+        </p:txBody>
+      </p:sp>
+      <p:sp>
+        <p:nvSpPr>
+          <p:cNvPr id="7" name="Slide Number Placeholder 6"/>
+          <p:cNvSpPr>
+            <a:spLocks noGrp="1"/>
+          </p:cNvSpPr>
+          <p:nvPr>
+            <p:ph type="sldNum" sz="quarter" idx="12"/>
+          </p:nvPr>
+        </p:nvSpPr>
+        <p:spPr/>
+        <p:txBody>
+          <a:bodyPr/>
+          <a:lstStyle/>
+          <a:p>
+            <a:fld id="{D57F1E4F-1CFF-5643-939E-217C01CDF565}" type="slidenum">
+              <a:rPr lang="en-US" smtClean="0"/>
+              <a:pPr/>
+              <a:t>16</a:t>
+            </a:fld>
+            <a:endParaRPr lang="en-US" dirty="0"/>
+          </a:p>
+        </p:txBody>
+      </p:sp>
     </p:spTree>
     <p:extLst>
       <p:ext uri="{BB962C8B-B14F-4D97-AF65-F5344CB8AC3E}">
@@ -6014,6 +7811,76 @@
           </a:p>
         </p:txBody>
       </p:sp>
+      <p:sp>
+        <p:nvSpPr>
+          <p:cNvPr id="4" name="Date Placeholder 3"/>
+          <p:cNvSpPr>
+            <a:spLocks noGrp="1"/>
+          </p:cNvSpPr>
+          <p:nvPr>
+            <p:ph type="dt" sz="half" idx="10"/>
+          </p:nvPr>
+        </p:nvSpPr>
+        <p:spPr/>
+        <p:txBody>
+          <a:bodyPr/>
+          <a:lstStyle/>
+          <a:p>
+            <a:r>
+              <a:rPr lang="en-US" smtClean="0"/>
+              <a:t>1/15/2023</a:t>
+            </a:r>
+            <a:endParaRPr lang="en-US" dirty="0"/>
+          </a:p>
+        </p:txBody>
+      </p:sp>
+      <p:sp>
+        <p:nvSpPr>
+          <p:cNvPr id="5" name="Footer Placeholder 4"/>
+          <p:cNvSpPr>
+            <a:spLocks noGrp="1"/>
+          </p:cNvSpPr>
+          <p:nvPr>
+            <p:ph type="ftr" sz="quarter" idx="11"/>
+          </p:nvPr>
+        </p:nvSpPr>
+        <p:spPr/>
+        <p:txBody>
+          <a:bodyPr/>
+          <a:lstStyle/>
+          <a:p>
+            <a:r>
+              <a:rPr lang="en-US" smtClean="0"/>
+              <a:t>Sercan KÜLCÜ, Tanenbaum, Modern Operating Systems 3e kitabından faydalanılmıştır. Tüm hakları saklıdır.</a:t>
+            </a:r>
+            <a:endParaRPr lang="en-US" dirty="0"/>
+          </a:p>
+        </p:txBody>
+      </p:sp>
+      <p:sp>
+        <p:nvSpPr>
+          <p:cNvPr id="6" name="Slide Number Placeholder 5"/>
+          <p:cNvSpPr>
+            <a:spLocks noGrp="1"/>
+          </p:cNvSpPr>
+          <p:nvPr>
+            <p:ph type="sldNum" sz="quarter" idx="12"/>
+          </p:nvPr>
+        </p:nvSpPr>
+        <p:spPr/>
+        <p:txBody>
+          <a:bodyPr/>
+          <a:lstStyle/>
+          <a:p>
+            <a:fld id="{D57F1E4F-1CFF-5643-939E-217C01CDF565}" type="slidenum">
+              <a:rPr lang="en-US" smtClean="0"/>
+              <a:pPr/>
+              <a:t>17</a:t>
+            </a:fld>
+            <a:endParaRPr lang="en-US" dirty="0"/>
+          </a:p>
+        </p:txBody>
+      </p:sp>
     </p:spTree>
     <p:extLst>
       <p:ext uri="{BB962C8B-B14F-4D97-AF65-F5344CB8AC3E}">
@@ -6152,6 +8019,76 @@
           </a:p>
         </p:txBody>
       </p:sp>
+      <p:sp>
+        <p:nvSpPr>
+          <p:cNvPr id="4" name="Date Placeholder 3"/>
+          <p:cNvSpPr>
+            <a:spLocks noGrp="1"/>
+          </p:cNvSpPr>
+          <p:nvPr>
+            <p:ph type="dt" sz="half" idx="10"/>
+          </p:nvPr>
+        </p:nvSpPr>
+        <p:spPr/>
+        <p:txBody>
+          <a:bodyPr/>
+          <a:lstStyle/>
+          <a:p>
+            <a:r>
+              <a:rPr lang="en-US" smtClean="0"/>
+              <a:t>1/15/2023</a:t>
+            </a:r>
+            <a:endParaRPr lang="en-US" dirty="0"/>
+          </a:p>
+        </p:txBody>
+      </p:sp>
+      <p:sp>
+        <p:nvSpPr>
+          <p:cNvPr id="5" name="Footer Placeholder 4"/>
+          <p:cNvSpPr>
+            <a:spLocks noGrp="1"/>
+          </p:cNvSpPr>
+          <p:nvPr>
+            <p:ph type="ftr" sz="quarter" idx="11"/>
+          </p:nvPr>
+        </p:nvSpPr>
+        <p:spPr/>
+        <p:txBody>
+          <a:bodyPr/>
+          <a:lstStyle/>
+          <a:p>
+            <a:r>
+              <a:rPr lang="en-US" smtClean="0"/>
+              <a:t>Sercan KÜLCÜ, Tanenbaum, Modern Operating Systems 3e kitabından faydalanılmıştır. Tüm hakları saklıdır.</a:t>
+            </a:r>
+            <a:endParaRPr lang="en-US" dirty="0"/>
+          </a:p>
+        </p:txBody>
+      </p:sp>
+      <p:sp>
+        <p:nvSpPr>
+          <p:cNvPr id="6" name="Slide Number Placeholder 5"/>
+          <p:cNvSpPr>
+            <a:spLocks noGrp="1"/>
+          </p:cNvSpPr>
+          <p:nvPr>
+            <p:ph type="sldNum" sz="quarter" idx="12"/>
+          </p:nvPr>
+        </p:nvSpPr>
+        <p:spPr/>
+        <p:txBody>
+          <a:bodyPr/>
+          <a:lstStyle/>
+          <a:p>
+            <a:fld id="{D57F1E4F-1CFF-5643-939E-217C01CDF565}" type="slidenum">
+              <a:rPr lang="en-US" smtClean="0"/>
+              <a:pPr/>
+              <a:t>18</a:t>
+            </a:fld>
+            <a:endParaRPr lang="en-US" dirty="0"/>
+          </a:p>
+        </p:txBody>
+      </p:sp>
     </p:spTree>
     <p:extLst>
       <p:ext uri="{BB962C8B-B14F-4D97-AF65-F5344CB8AC3E}">
@@ -6320,6 +8257,76 @@
           </a:p>
         </p:txBody>
       </p:sp>
+      <p:sp>
+        <p:nvSpPr>
+          <p:cNvPr id="4" name="Date Placeholder 3"/>
+          <p:cNvSpPr>
+            <a:spLocks noGrp="1"/>
+          </p:cNvSpPr>
+          <p:nvPr>
+            <p:ph type="dt" sz="half" idx="10"/>
+          </p:nvPr>
+        </p:nvSpPr>
+        <p:spPr/>
+        <p:txBody>
+          <a:bodyPr/>
+          <a:lstStyle/>
+          <a:p>
+            <a:r>
+              <a:rPr lang="en-US" smtClean="0"/>
+              <a:t>1/15/2023</a:t>
+            </a:r>
+            <a:endParaRPr lang="en-US" dirty="0"/>
+          </a:p>
+        </p:txBody>
+      </p:sp>
+      <p:sp>
+        <p:nvSpPr>
+          <p:cNvPr id="5" name="Footer Placeholder 4"/>
+          <p:cNvSpPr>
+            <a:spLocks noGrp="1"/>
+          </p:cNvSpPr>
+          <p:nvPr>
+            <p:ph type="ftr" sz="quarter" idx="11"/>
+          </p:nvPr>
+        </p:nvSpPr>
+        <p:spPr/>
+        <p:txBody>
+          <a:bodyPr/>
+          <a:lstStyle/>
+          <a:p>
+            <a:r>
+              <a:rPr lang="en-US" smtClean="0"/>
+              <a:t>Sercan KÜLCÜ, Tanenbaum, Modern Operating Systems 3e kitabından faydalanılmıştır. Tüm hakları saklıdır.</a:t>
+            </a:r>
+            <a:endParaRPr lang="en-US" dirty="0"/>
+          </a:p>
+        </p:txBody>
+      </p:sp>
+      <p:sp>
+        <p:nvSpPr>
+          <p:cNvPr id="6" name="Slide Number Placeholder 5"/>
+          <p:cNvSpPr>
+            <a:spLocks noGrp="1"/>
+          </p:cNvSpPr>
+          <p:nvPr>
+            <p:ph type="sldNum" sz="quarter" idx="12"/>
+          </p:nvPr>
+        </p:nvSpPr>
+        <p:spPr/>
+        <p:txBody>
+          <a:bodyPr/>
+          <a:lstStyle/>
+          <a:p>
+            <a:fld id="{D57F1E4F-1CFF-5643-939E-217C01CDF565}" type="slidenum">
+              <a:rPr lang="en-US" smtClean="0"/>
+              <a:pPr/>
+              <a:t>19</a:t>
+            </a:fld>
+            <a:endParaRPr lang="en-US" dirty="0"/>
+          </a:p>
+        </p:txBody>
+      </p:sp>
     </p:spTree>
     <p:extLst>
       <p:ext uri="{BB962C8B-B14F-4D97-AF65-F5344CB8AC3E}">
@@ -6461,6 +8468,76 @@
               <a:rPr lang="tr-TR" dirty="0"/>
               <a:t>bilgisayar aynı anda birçok hesaplamayı yönetir - bunu nasıl yaptığını açıklamak için bir soyutlamaya ihtiyaç duyar</a:t>
             </a:r>
+          </a:p>
+        </p:txBody>
+      </p:sp>
+      <p:sp>
+        <p:nvSpPr>
+          <p:cNvPr id="4" name="Date Placeholder 3"/>
+          <p:cNvSpPr>
+            <a:spLocks noGrp="1"/>
+          </p:cNvSpPr>
+          <p:nvPr>
+            <p:ph type="dt" sz="half" idx="10"/>
+          </p:nvPr>
+        </p:nvSpPr>
+        <p:spPr/>
+        <p:txBody>
+          <a:bodyPr/>
+          <a:lstStyle/>
+          <a:p>
+            <a:r>
+              <a:rPr lang="en-US" smtClean="0"/>
+              <a:t>1/15/2023</a:t>
+            </a:r>
+            <a:endParaRPr lang="en-US" dirty="0"/>
+          </a:p>
+        </p:txBody>
+      </p:sp>
+      <p:sp>
+        <p:nvSpPr>
+          <p:cNvPr id="5" name="Footer Placeholder 4"/>
+          <p:cNvSpPr>
+            <a:spLocks noGrp="1"/>
+          </p:cNvSpPr>
+          <p:nvPr>
+            <p:ph type="ftr" sz="quarter" idx="11"/>
+          </p:nvPr>
+        </p:nvSpPr>
+        <p:spPr/>
+        <p:txBody>
+          <a:bodyPr/>
+          <a:lstStyle/>
+          <a:p>
+            <a:r>
+              <a:rPr lang="en-US" smtClean="0"/>
+              <a:t>Sercan KÜLCÜ, Tanenbaum, Modern Operating Systems 3e kitabından faydalanılmıştır. Tüm hakları saklıdır.</a:t>
+            </a:r>
+            <a:endParaRPr lang="en-US" dirty="0"/>
+          </a:p>
+        </p:txBody>
+      </p:sp>
+      <p:sp>
+        <p:nvSpPr>
+          <p:cNvPr id="6" name="Slide Number Placeholder 5"/>
+          <p:cNvSpPr>
+            <a:spLocks noGrp="1"/>
+          </p:cNvSpPr>
+          <p:nvPr>
+            <p:ph type="sldNum" sz="quarter" idx="12"/>
+          </p:nvPr>
+        </p:nvSpPr>
+        <p:spPr/>
+        <p:txBody>
+          <a:bodyPr/>
+          <a:lstStyle/>
+          <a:p>
+            <a:fld id="{D57F1E4F-1CFF-5643-939E-217C01CDF565}" type="slidenum">
+              <a:rPr lang="en-US" smtClean="0"/>
+              <a:pPr/>
+              <a:t>2</a:t>
+            </a:fld>
+            <a:endParaRPr lang="en-US" dirty="0"/>
           </a:p>
         </p:txBody>
       </p:sp>
@@ -6614,6 +8691,76 @@
           </a:extLst>
         </p:spPr>
       </p:pic>
+      <p:sp>
+        <p:nvSpPr>
+          <p:cNvPr id="5" name="Date Placeholder 4"/>
+          <p:cNvSpPr>
+            <a:spLocks noGrp="1"/>
+          </p:cNvSpPr>
+          <p:nvPr>
+            <p:ph type="dt" sz="half" idx="10"/>
+          </p:nvPr>
+        </p:nvSpPr>
+        <p:spPr/>
+        <p:txBody>
+          <a:bodyPr/>
+          <a:lstStyle/>
+          <a:p>
+            <a:r>
+              <a:rPr lang="en-US" smtClean="0"/>
+              <a:t>1/15/2023</a:t>
+            </a:r>
+            <a:endParaRPr lang="en-US" dirty="0"/>
+          </a:p>
+        </p:txBody>
+      </p:sp>
+      <p:sp>
+        <p:nvSpPr>
+          <p:cNvPr id="6" name="Footer Placeholder 5"/>
+          <p:cNvSpPr>
+            <a:spLocks noGrp="1"/>
+          </p:cNvSpPr>
+          <p:nvPr>
+            <p:ph type="ftr" sz="quarter" idx="11"/>
+          </p:nvPr>
+        </p:nvSpPr>
+        <p:spPr/>
+        <p:txBody>
+          <a:bodyPr/>
+          <a:lstStyle/>
+          <a:p>
+            <a:r>
+              <a:rPr lang="en-US" smtClean="0"/>
+              <a:t>Sercan KÜLCÜ, Tanenbaum, Modern Operating Systems 3e kitabından faydalanılmıştır. Tüm hakları saklıdır.</a:t>
+            </a:r>
+            <a:endParaRPr lang="en-US" dirty="0"/>
+          </a:p>
+        </p:txBody>
+      </p:sp>
+      <p:sp>
+        <p:nvSpPr>
+          <p:cNvPr id="7" name="Slide Number Placeholder 6"/>
+          <p:cNvSpPr>
+            <a:spLocks noGrp="1"/>
+          </p:cNvSpPr>
+          <p:nvPr>
+            <p:ph type="sldNum" sz="quarter" idx="12"/>
+          </p:nvPr>
+        </p:nvSpPr>
+        <p:spPr/>
+        <p:txBody>
+          <a:bodyPr/>
+          <a:lstStyle/>
+          <a:p>
+            <a:fld id="{D57F1E4F-1CFF-5643-939E-217C01CDF565}" type="slidenum">
+              <a:rPr lang="en-US" smtClean="0"/>
+              <a:pPr/>
+              <a:t>20</a:t>
+            </a:fld>
+            <a:endParaRPr lang="en-US" dirty="0"/>
+          </a:p>
+        </p:txBody>
+      </p:sp>
     </p:spTree>
     <p:extLst>
       <p:ext uri="{BB962C8B-B14F-4D97-AF65-F5344CB8AC3E}">
@@ -6811,6 +8958,76 @@
           </a:p>
         </p:txBody>
       </p:sp>
+      <p:sp>
+        <p:nvSpPr>
+          <p:cNvPr id="4" name="Date Placeholder 3"/>
+          <p:cNvSpPr>
+            <a:spLocks noGrp="1"/>
+          </p:cNvSpPr>
+          <p:nvPr>
+            <p:ph type="dt" sz="half" idx="10"/>
+          </p:nvPr>
+        </p:nvSpPr>
+        <p:spPr/>
+        <p:txBody>
+          <a:bodyPr/>
+          <a:lstStyle/>
+          <a:p>
+            <a:r>
+              <a:rPr lang="en-US" smtClean="0"/>
+              <a:t>1/15/2023</a:t>
+            </a:r>
+            <a:endParaRPr lang="en-US" dirty="0"/>
+          </a:p>
+        </p:txBody>
+      </p:sp>
+      <p:sp>
+        <p:nvSpPr>
+          <p:cNvPr id="5" name="Footer Placeholder 4"/>
+          <p:cNvSpPr>
+            <a:spLocks noGrp="1"/>
+          </p:cNvSpPr>
+          <p:nvPr>
+            <p:ph type="ftr" sz="quarter" idx="11"/>
+          </p:nvPr>
+        </p:nvSpPr>
+        <p:spPr/>
+        <p:txBody>
+          <a:bodyPr/>
+          <a:lstStyle/>
+          <a:p>
+            <a:r>
+              <a:rPr lang="en-US" smtClean="0"/>
+              <a:t>Sercan KÜLCÜ, Tanenbaum, Modern Operating Systems 3e kitabından faydalanılmıştır. Tüm hakları saklıdır.</a:t>
+            </a:r>
+            <a:endParaRPr lang="en-US" dirty="0"/>
+          </a:p>
+        </p:txBody>
+      </p:sp>
+      <p:sp>
+        <p:nvSpPr>
+          <p:cNvPr id="6" name="Slide Number Placeholder 5"/>
+          <p:cNvSpPr>
+            <a:spLocks noGrp="1"/>
+          </p:cNvSpPr>
+          <p:nvPr>
+            <p:ph type="sldNum" sz="quarter" idx="12"/>
+          </p:nvPr>
+        </p:nvSpPr>
+        <p:spPr/>
+        <p:txBody>
+          <a:bodyPr/>
+          <a:lstStyle/>
+          <a:p>
+            <a:fld id="{D57F1E4F-1CFF-5643-939E-217C01CDF565}" type="slidenum">
+              <a:rPr lang="en-US" smtClean="0"/>
+              <a:pPr/>
+              <a:t>21</a:t>
+            </a:fld>
+            <a:endParaRPr lang="en-US" dirty="0"/>
+          </a:p>
+        </p:txBody>
+      </p:sp>
     </p:spTree>
     <p:extLst>
       <p:ext uri="{BB962C8B-B14F-4D97-AF65-F5344CB8AC3E}">
@@ -6968,6 +9185,76 @@
           </a:p>
         </p:txBody>
       </p:sp>
+      <p:sp>
+        <p:nvSpPr>
+          <p:cNvPr id="4" name="Date Placeholder 3"/>
+          <p:cNvSpPr>
+            <a:spLocks noGrp="1"/>
+          </p:cNvSpPr>
+          <p:nvPr>
+            <p:ph type="dt" sz="half" idx="10"/>
+          </p:nvPr>
+        </p:nvSpPr>
+        <p:spPr/>
+        <p:txBody>
+          <a:bodyPr/>
+          <a:lstStyle/>
+          <a:p>
+            <a:r>
+              <a:rPr lang="en-US" smtClean="0"/>
+              <a:t>1/15/2023</a:t>
+            </a:r>
+            <a:endParaRPr lang="en-US" dirty="0"/>
+          </a:p>
+        </p:txBody>
+      </p:sp>
+      <p:sp>
+        <p:nvSpPr>
+          <p:cNvPr id="5" name="Footer Placeholder 4"/>
+          <p:cNvSpPr>
+            <a:spLocks noGrp="1"/>
+          </p:cNvSpPr>
+          <p:nvPr>
+            <p:ph type="ftr" sz="quarter" idx="11"/>
+          </p:nvPr>
+        </p:nvSpPr>
+        <p:spPr/>
+        <p:txBody>
+          <a:bodyPr/>
+          <a:lstStyle/>
+          <a:p>
+            <a:r>
+              <a:rPr lang="en-US" smtClean="0"/>
+              <a:t>Sercan KÜLCÜ, Tanenbaum, Modern Operating Systems 3e kitabından faydalanılmıştır. Tüm hakları saklıdır.</a:t>
+            </a:r>
+            <a:endParaRPr lang="en-US" dirty="0"/>
+          </a:p>
+        </p:txBody>
+      </p:sp>
+      <p:sp>
+        <p:nvSpPr>
+          <p:cNvPr id="6" name="Slide Number Placeholder 5"/>
+          <p:cNvSpPr>
+            <a:spLocks noGrp="1"/>
+          </p:cNvSpPr>
+          <p:nvPr>
+            <p:ph type="sldNum" sz="quarter" idx="12"/>
+          </p:nvPr>
+        </p:nvSpPr>
+        <p:spPr/>
+        <p:txBody>
+          <a:bodyPr/>
+          <a:lstStyle/>
+          <a:p>
+            <a:fld id="{D57F1E4F-1CFF-5643-939E-217C01CDF565}" type="slidenum">
+              <a:rPr lang="en-US" smtClean="0"/>
+              <a:pPr/>
+              <a:t>22</a:t>
+            </a:fld>
+            <a:endParaRPr lang="en-US" dirty="0"/>
+          </a:p>
+        </p:txBody>
+      </p:sp>
     </p:spTree>
     <p:extLst>
       <p:ext uri="{BB962C8B-B14F-4D97-AF65-F5344CB8AC3E}">
@@ -7147,6 +9434,76 @@
               <a:t> diğer iş parçacıklarına çalışma şansı verir</a:t>
             </a:r>
             <a:endParaRPr lang="tr-TR" dirty="0"/>
+          </a:p>
+        </p:txBody>
+      </p:sp>
+      <p:sp>
+        <p:nvSpPr>
+          <p:cNvPr id="4" name="Date Placeholder 3"/>
+          <p:cNvSpPr>
+            <a:spLocks noGrp="1"/>
+          </p:cNvSpPr>
+          <p:nvPr>
+            <p:ph type="dt" sz="half" idx="10"/>
+          </p:nvPr>
+        </p:nvSpPr>
+        <p:spPr/>
+        <p:txBody>
+          <a:bodyPr/>
+          <a:lstStyle/>
+          <a:p>
+            <a:r>
+              <a:rPr lang="en-US" smtClean="0"/>
+              <a:t>1/15/2023</a:t>
+            </a:r>
+            <a:endParaRPr lang="en-US" dirty="0"/>
+          </a:p>
+        </p:txBody>
+      </p:sp>
+      <p:sp>
+        <p:nvSpPr>
+          <p:cNvPr id="5" name="Footer Placeholder 4"/>
+          <p:cNvSpPr>
+            <a:spLocks noGrp="1"/>
+          </p:cNvSpPr>
+          <p:nvPr>
+            <p:ph type="ftr" sz="quarter" idx="11"/>
+          </p:nvPr>
+        </p:nvSpPr>
+        <p:spPr/>
+        <p:txBody>
+          <a:bodyPr/>
+          <a:lstStyle/>
+          <a:p>
+            <a:r>
+              <a:rPr lang="en-US" smtClean="0"/>
+              <a:t>Sercan KÜLCÜ, Tanenbaum, Modern Operating Systems 3e kitabından faydalanılmıştır. Tüm hakları saklıdır.</a:t>
+            </a:r>
+            <a:endParaRPr lang="en-US" dirty="0"/>
+          </a:p>
+        </p:txBody>
+      </p:sp>
+      <p:sp>
+        <p:nvSpPr>
+          <p:cNvPr id="6" name="Slide Number Placeholder 5"/>
+          <p:cNvSpPr>
+            <a:spLocks noGrp="1"/>
+          </p:cNvSpPr>
+          <p:nvPr>
+            <p:ph type="sldNum" sz="quarter" idx="12"/>
+          </p:nvPr>
+        </p:nvSpPr>
+        <p:spPr/>
+        <p:txBody>
+          <a:bodyPr/>
+          <a:lstStyle/>
+          <a:p>
+            <a:fld id="{D57F1E4F-1CFF-5643-939E-217C01CDF565}" type="slidenum">
+              <a:rPr lang="en-US" smtClean="0"/>
+              <a:pPr/>
+              <a:t>23</a:t>
+            </a:fld>
+            <a:endParaRPr lang="en-US" dirty="0"/>
           </a:p>
         </p:txBody>
       </p:sp>
@@ -7302,6 +9659,76 @@
           </a:extLst>
         </p:spPr>
       </p:pic>
+      <p:sp>
+        <p:nvSpPr>
+          <p:cNvPr id="5" name="Date Placeholder 4"/>
+          <p:cNvSpPr>
+            <a:spLocks noGrp="1"/>
+          </p:cNvSpPr>
+          <p:nvPr>
+            <p:ph type="dt" sz="half" idx="10"/>
+          </p:nvPr>
+        </p:nvSpPr>
+        <p:spPr/>
+        <p:txBody>
+          <a:bodyPr/>
+          <a:lstStyle/>
+          <a:p>
+            <a:r>
+              <a:rPr lang="en-US" smtClean="0"/>
+              <a:t>1/15/2023</a:t>
+            </a:r>
+            <a:endParaRPr lang="en-US" dirty="0"/>
+          </a:p>
+        </p:txBody>
+      </p:sp>
+      <p:sp>
+        <p:nvSpPr>
+          <p:cNvPr id="6" name="Footer Placeholder 5"/>
+          <p:cNvSpPr>
+            <a:spLocks noGrp="1"/>
+          </p:cNvSpPr>
+          <p:nvPr>
+            <p:ph type="ftr" sz="quarter" idx="11"/>
+          </p:nvPr>
+        </p:nvSpPr>
+        <p:spPr/>
+        <p:txBody>
+          <a:bodyPr/>
+          <a:lstStyle/>
+          <a:p>
+            <a:r>
+              <a:rPr lang="en-US" smtClean="0"/>
+              <a:t>Sercan KÜLCÜ, Tanenbaum, Modern Operating Systems 3e kitabından faydalanılmıştır. Tüm hakları saklıdır.</a:t>
+            </a:r>
+            <a:endParaRPr lang="en-US" dirty="0"/>
+          </a:p>
+        </p:txBody>
+      </p:sp>
+      <p:sp>
+        <p:nvSpPr>
+          <p:cNvPr id="7" name="Slide Number Placeholder 6"/>
+          <p:cNvSpPr>
+            <a:spLocks noGrp="1"/>
+          </p:cNvSpPr>
+          <p:nvPr>
+            <p:ph type="sldNum" sz="quarter" idx="12"/>
+          </p:nvPr>
+        </p:nvSpPr>
+        <p:spPr/>
+        <p:txBody>
+          <a:bodyPr/>
+          <a:lstStyle/>
+          <a:p>
+            <a:fld id="{D57F1E4F-1CFF-5643-939E-217C01CDF565}" type="slidenum">
+              <a:rPr lang="en-US" smtClean="0"/>
+              <a:pPr/>
+              <a:t>24</a:t>
+            </a:fld>
+            <a:endParaRPr lang="en-US" dirty="0"/>
+          </a:p>
+        </p:txBody>
+      </p:sp>
     </p:spTree>
     <p:extLst>
       <p:ext uri="{BB962C8B-B14F-4D97-AF65-F5344CB8AC3E}">
@@ -7456,6 +9883,76 @@
           </a:extLst>
         </p:spPr>
       </p:pic>
+      <p:sp>
+        <p:nvSpPr>
+          <p:cNvPr id="4" name="Date Placeholder 3"/>
+          <p:cNvSpPr>
+            <a:spLocks noGrp="1"/>
+          </p:cNvSpPr>
+          <p:nvPr>
+            <p:ph type="dt" sz="half" idx="10"/>
+          </p:nvPr>
+        </p:nvSpPr>
+        <p:spPr/>
+        <p:txBody>
+          <a:bodyPr/>
+          <a:lstStyle/>
+          <a:p>
+            <a:r>
+              <a:rPr lang="en-US" smtClean="0"/>
+              <a:t>1/15/2023</a:t>
+            </a:r>
+            <a:endParaRPr lang="en-US" dirty="0"/>
+          </a:p>
+        </p:txBody>
+      </p:sp>
+      <p:sp>
+        <p:nvSpPr>
+          <p:cNvPr id="6" name="Footer Placeholder 5"/>
+          <p:cNvSpPr>
+            <a:spLocks noGrp="1"/>
+          </p:cNvSpPr>
+          <p:nvPr>
+            <p:ph type="ftr" sz="quarter" idx="11"/>
+          </p:nvPr>
+        </p:nvSpPr>
+        <p:spPr/>
+        <p:txBody>
+          <a:bodyPr/>
+          <a:lstStyle/>
+          <a:p>
+            <a:r>
+              <a:rPr lang="en-US" smtClean="0"/>
+              <a:t>Sercan KÜLCÜ, Tanenbaum, Modern Operating Systems 3e kitabından faydalanılmıştır. Tüm hakları saklıdır.</a:t>
+            </a:r>
+            <a:endParaRPr lang="en-US" dirty="0"/>
+          </a:p>
+        </p:txBody>
+      </p:sp>
+      <p:sp>
+        <p:nvSpPr>
+          <p:cNvPr id="7" name="Slide Number Placeholder 6"/>
+          <p:cNvSpPr>
+            <a:spLocks noGrp="1"/>
+          </p:cNvSpPr>
+          <p:nvPr>
+            <p:ph type="sldNum" sz="quarter" idx="12"/>
+          </p:nvPr>
+        </p:nvSpPr>
+        <p:spPr/>
+        <p:txBody>
+          <a:bodyPr/>
+          <a:lstStyle/>
+          <a:p>
+            <a:fld id="{D57F1E4F-1CFF-5643-939E-217C01CDF565}" type="slidenum">
+              <a:rPr lang="en-US" smtClean="0"/>
+              <a:pPr/>
+              <a:t>25</a:t>
+            </a:fld>
+            <a:endParaRPr lang="en-US" dirty="0"/>
+          </a:p>
+        </p:txBody>
+      </p:sp>
     </p:spTree>
     <p:extLst>
       <p:ext uri="{BB962C8B-B14F-4D97-AF65-F5344CB8AC3E}">
@@ -7616,6 +10113,76 @@
           </a:p>
         </p:txBody>
       </p:sp>
+      <p:sp>
+        <p:nvSpPr>
+          <p:cNvPr id="4" name="Date Placeholder 3"/>
+          <p:cNvSpPr>
+            <a:spLocks noGrp="1"/>
+          </p:cNvSpPr>
+          <p:nvPr>
+            <p:ph type="dt" sz="half" idx="10"/>
+          </p:nvPr>
+        </p:nvSpPr>
+        <p:spPr/>
+        <p:txBody>
+          <a:bodyPr/>
+          <a:lstStyle/>
+          <a:p>
+            <a:r>
+              <a:rPr lang="en-US" smtClean="0"/>
+              <a:t>1/15/2023</a:t>
+            </a:r>
+            <a:endParaRPr lang="en-US" dirty="0"/>
+          </a:p>
+        </p:txBody>
+      </p:sp>
+      <p:sp>
+        <p:nvSpPr>
+          <p:cNvPr id="5" name="Footer Placeholder 4"/>
+          <p:cNvSpPr>
+            <a:spLocks noGrp="1"/>
+          </p:cNvSpPr>
+          <p:nvPr>
+            <p:ph type="ftr" sz="quarter" idx="11"/>
+          </p:nvPr>
+        </p:nvSpPr>
+        <p:spPr/>
+        <p:txBody>
+          <a:bodyPr/>
+          <a:lstStyle/>
+          <a:p>
+            <a:r>
+              <a:rPr lang="en-US" smtClean="0"/>
+              <a:t>Sercan KÜLCÜ, Tanenbaum, Modern Operating Systems 3e kitabından faydalanılmıştır. Tüm hakları saklıdır.</a:t>
+            </a:r>
+            <a:endParaRPr lang="en-US" dirty="0"/>
+          </a:p>
+        </p:txBody>
+      </p:sp>
+      <p:sp>
+        <p:nvSpPr>
+          <p:cNvPr id="6" name="Slide Number Placeholder 5"/>
+          <p:cNvSpPr>
+            <a:spLocks noGrp="1"/>
+          </p:cNvSpPr>
+          <p:nvPr>
+            <p:ph type="sldNum" sz="quarter" idx="12"/>
+          </p:nvPr>
+        </p:nvSpPr>
+        <p:spPr/>
+        <p:txBody>
+          <a:bodyPr/>
+          <a:lstStyle/>
+          <a:p>
+            <a:fld id="{D57F1E4F-1CFF-5643-939E-217C01CDF565}" type="slidenum">
+              <a:rPr lang="en-US" smtClean="0"/>
+              <a:pPr/>
+              <a:t>26</a:t>
+            </a:fld>
+            <a:endParaRPr lang="en-US" dirty="0"/>
+          </a:p>
+        </p:txBody>
+      </p:sp>
     </p:spTree>
     <p:extLst>
       <p:ext uri="{BB962C8B-B14F-4D97-AF65-F5344CB8AC3E}">
@@ -7806,6 +10373,76 @@
           </a:p>
         </p:txBody>
       </p:sp>
+      <p:sp>
+        <p:nvSpPr>
+          <p:cNvPr id="4" name="Date Placeholder 3"/>
+          <p:cNvSpPr>
+            <a:spLocks noGrp="1"/>
+          </p:cNvSpPr>
+          <p:nvPr>
+            <p:ph type="dt" sz="half" idx="10"/>
+          </p:nvPr>
+        </p:nvSpPr>
+        <p:spPr/>
+        <p:txBody>
+          <a:bodyPr/>
+          <a:lstStyle/>
+          <a:p>
+            <a:r>
+              <a:rPr lang="en-US" smtClean="0"/>
+              <a:t>1/15/2023</a:t>
+            </a:r>
+            <a:endParaRPr lang="en-US" dirty="0"/>
+          </a:p>
+        </p:txBody>
+      </p:sp>
+      <p:sp>
+        <p:nvSpPr>
+          <p:cNvPr id="5" name="Footer Placeholder 4"/>
+          <p:cNvSpPr>
+            <a:spLocks noGrp="1"/>
+          </p:cNvSpPr>
+          <p:nvPr>
+            <p:ph type="ftr" sz="quarter" idx="11"/>
+          </p:nvPr>
+        </p:nvSpPr>
+        <p:spPr/>
+        <p:txBody>
+          <a:bodyPr/>
+          <a:lstStyle/>
+          <a:p>
+            <a:r>
+              <a:rPr lang="en-US" smtClean="0"/>
+              <a:t>Sercan KÜLCÜ, Tanenbaum, Modern Operating Systems 3e kitabından faydalanılmıştır. Tüm hakları saklıdır.</a:t>
+            </a:r>
+            <a:endParaRPr lang="en-US" dirty="0"/>
+          </a:p>
+        </p:txBody>
+      </p:sp>
+      <p:sp>
+        <p:nvSpPr>
+          <p:cNvPr id="6" name="Slide Number Placeholder 5"/>
+          <p:cNvSpPr>
+            <a:spLocks noGrp="1"/>
+          </p:cNvSpPr>
+          <p:nvPr>
+            <p:ph type="sldNum" sz="quarter" idx="12"/>
+          </p:nvPr>
+        </p:nvSpPr>
+        <p:spPr/>
+        <p:txBody>
+          <a:bodyPr/>
+          <a:lstStyle/>
+          <a:p>
+            <a:fld id="{D57F1E4F-1CFF-5643-939E-217C01CDF565}" type="slidenum">
+              <a:rPr lang="en-US" smtClean="0"/>
+              <a:pPr/>
+              <a:t>27</a:t>
+            </a:fld>
+            <a:endParaRPr lang="en-US" dirty="0"/>
+          </a:p>
+        </p:txBody>
+      </p:sp>
     </p:spTree>
     <p:extLst>
       <p:ext uri="{BB962C8B-B14F-4D97-AF65-F5344CB8AC3E}">
@@ -7964,6 +10601,76 @@
               <a:t>olan çekirdek alanında yer kaplar</a:t>
             </a:r>
             <a:endParaRPr lang="tr-TR" dirty="0"/>
+          </a:p>
+        </p:txBody>
+      </p:sp>
+      <p:sp>
+        <p:nvSpPr>
+          <p:cNvPr id="4" name="Date Placeholder 3"/>
+          <p:cNvSpPr>
+            <a:spLocks noGrp="1"/>
+          </p:cNvSpPr>
+          <p:nvPr>
+            <p:ph type="dt" sz="half" idx="10"/>
+          </p:nvPr>
+        </p:nvSpPr>
+        <p:spPr/>
+        <p:txBody>
+          <a:bodyPr/>
+          <a:lstStyle/>
+          <a:p>
+            <a:r>
+              <a:rPr lang="en-US" smtClean="0"/>
+              <a:t>1/15/2023</a:t>
+            </a:r>
+            <a:endParaRPr lang="en-US" dirty="0"/>
+          </a:p>
+        </p:txBody>
+      </p:sp>
+      <p:sp>
+        <p:nvSpPr>
+          <p:cNvPr id="5" name="Footer Placeholder 4"/>
+          <p:cNvSpPr>
+            <a:spLocks noGrp="1"/>
+          </p:cNvSpPr>
+          <p:nvPr>
+            <p:ph type="ftr" sz="quarter" idx="11"/>
+          </p:nvPr>
+        </p:nvSpPr>
+        <p:spPr/>
+        <p:txBody>
+          <a:bodyPr/>
+          <a:lstStyle/>
+          <a:p>
+            <a:r>
+              <a:rPr lang="en-US" smtClean="0"/>
+              <a:t>Sercan KÜLCÜ, Tanenbaum, Modern Operating Systems 3e kitabından faydalanılmıştır. Tüm hakları saklıdır.</a:t>
+            </a:r>
+            <a:endParaRPr lang="en-US" dirty="0"/>
+          </a:p>
+        </p:txBody>
+      </p:sp>
+      <p:sp>
+        <p:nvSpPr>
+          <p:cNvPr id="6" name="Slide Number Placeholder 5"/>
+          <p:cNvSpPr>
+            <a:spLocks noGrp="1"/>
+          </p:cNvSpPr>
+          <p:nvPr>
+            <p:ph type="sldNum" sz="quarter" idx="12"/>
+          </p:nvPr>
+        </p:nvSpPr>
+        <p:spPr/>
+        <p:txBody>
+          <a:bodyPr/>
+          <a:lstStyle/>
+          <a:p>
+            <a:fld id="{D57F1E4F-1CFF-5643-939E-217C01CDF565}" type="slidenum">
+              <a:rPr lang="en-US" smtClean="0"/>
+              <a:pPr/>
+              <a:t>28</a:t>
+            </a:fld>
+            <a:endParaRPr lang="en-US" dirty="0"/>
           </a:p>
         </p:txBody>
       </p:sp>
@@ -8122,6 +10829,76 @@
           </a:extLst>
         </p:spPr>
       </p:pic>
+      <p:sp>
+        <p:nvSpPr>
+          <p:cNvPr id="5" name="Date Placeholder 4"/>
+          <p:cNvSpPr>
+            <a:spLocks noGrp="1"/>
+          </p:cNvSpPr>
+          <p:nvPr>
+            <p:ph type="dt" sz="half" idx="10"/>
+          </p:nvPr>
+        </p:nvSpPr>
+        <p:spPr/>
+        <p:txBody>
+          <a:bodyPr/>
+          <a:lstStyle/>
+          <a:p>
+            <a:r>
+              <a:rPr lang="en-US" smtClean="0"/>
+              <a:t>1/15/2023</a:t>
+            </a:r>
+            <a:endParaRPr lang="en-US" dirty="0"/>
+          </a:p>
+        </p:txBody>
+      </p:sp>
+      <p:sp>
+        <p:nvSpPr>
+          <p:cNvPr id="6" name="Footer Placeholder 5"/>
+          <p:cNvSpPr>
+            <a:spLocks noGrp="1"/>
+          </p:cNvSpPr>
+          <p:nvPr>
+            <p:ph type="ftr" sz="quarter" idx="11"/>
+          </p:nvPr>
+        </p:nvSpPr>
+        <p:spPr/>
+        <p:txBody>
+          <a:bodyPr/>
+          <a:lstStyle/>
+          <a:p>
+            <a:r>
+              <a:rPr lang="en-US" smtClean="0"/>
+              <a:t>Sercan KÜLCÜ, Tanenbaum, Modern Operating Systems 3e kitabından faydalanılmıştır. Tüm hakları saklıdır.</a:t>
+            </a:r>
+            <a:endParaRPr lang="en-US" dirty="0"/>
+          </a:p>
+        </p:txBody>
+      </p:sp>
+      <p:sp>
+        <p:nvSpPr>
+          <p:cNvPr id="7" name="Slide Number Placeholder 6"/>
+          <p:cNvSpPr>
+            <a:spLocks noGrp="1"/>
+          </p:cNvSpPr>
+          <p:nvPr>
+            <p:ph type="sldNum" sz="quarter" idx="12"/>
+          </p:nvPr>
+        </p:nvSpPr>
+        <p:spPr/>
+        <p:txBody>
+          <a:bodyPr/>
+          <a:lstStyle/>
+          <a:p>
+            <a:fld id="{D57F1E4F-1CFF-5643-939E-217C01CDF565}" type="slidenum">
+              <a:rPr lang="en-US" smtClean="0"/>
+              <a:pPr/>
+              <a:t>29</a:t>
+            </a:fld>
+            <a:endParaRPr lang="en-US" dirty="0"/>
+          </a:p>
+        </p:txBody>
+      </p:sp>
     </p:spTree>
     <p:extLst>
       <p:ext uri="{BB962C8B-B14F-4D97-AF65-F5344CB8AC3E}">
@@ -8290,6 +11067,76 @@
           </a:p>
         </p:txBody>
       </p:sp>
+      <p:sp>
+        <p:nvSpPr>
+          <p:cNvPr id="4" name="Date Placeholder 3"/>
+          <p:cNvSpPr>
+            <a:spLocks noGrp="1"/>
+          </p:cNvSpPr>
+          <p:nvPr>
+            <p:ph type="dt" sz="half" idx="10"/>
+          </p:nvPr>
+        </p:nvSpPr>
+        <p:spPr/>
+        <p:txBody>
+          <a:bodyPr/>
+          <a:lstStyle/>
+          <a:p>
+            <a:r>
+              <a:rPr lang="en-US" smtClean="0"/>
+              <a:t>1/15/2023</a:t>
+            </a:r>
+            <a:endParaRPr lang="en-US" dirty="0"/>
+          </a:p>
+        </p:txBody>
+      </p:sp>
+      <p:sp>
+        <p:nvSpPr>
+          <p:cNvPr id="5" name="Footer Placeholder 4"/>
+          <p:cNvSpPr>
+            <a:spLocks noGrp="1"/>
+          </p:cNvSpPr>
+          <p:nvPr>
+            <p:ph type="ftr" sz="quarter" idx="11"/>
+          </p:nvPr>
+        </p:nvSpPr>
+        <p:spPr/>
+        <p:txBody>
+          <a:bodyPr/>
+          <a:lstStyle/>
+          <a:p>
+            <a:r>
+              <a:rPr lang="en-US" smtClean="0"/>
+              <a:t>Sercan KÜLCÜ, Tanenbaum, Modern Operating Systems 3e kitabından faydalanılmıştır. Tüm hakları saklıdır.</a:t>
+            </a:r>
+            <a:endParaRPr lang="en-US" dirty="0"/>
+          </a:p>
+        </p:txBody>
+      </p:sp>
+      <p:sp>
+        <p:nvSpPr>
+          <p:cNvPr id="6" name="Slide Number Placeholder 5"/>
+          <p:cNvSpPr>
+            <a:spLocks noGrp="1"/>
+          </p:cNvSpPr>
+          <p:nvPr>
+            <p:ph type="sldNum" sz="quarter" idx="12"/>
+          </p:nvPr>
+        </p:nvSpPr>
+        <p:spPr/>
+        <p:txBody>
+          <a:bodyPr/>
+          <a:lstStyle/>
+          <a:p>
+            <a:fld id="{D57F1E4F-1CFF-5643-939E-217C01CDF565}" type="slidenum">
+              <a:rPr lang="en-US" smtClean="0"/>
+              <a:pPr/>
+              <a:t>3</a:t>
+            </a:fld>
+            <a:endParaRPr lang="en-US" dirty="0"/>
+          </a:p>
+        </p:txBody>
+      </p:sp>
     </p:spTree>
     <p:extLst>
       <p:ext uri="{BB962C8B-B14F-4D97-AF65-F5344CB8AC3E}">
@@ -8443,6 +11290,76 @@
           </a:p>
         </p:txBody>
       </p:sp>
+      <p:sp>
+        <p:nvSpPr>
+          <p:cNvPr id="4" name="Date Placeholder 3"/>
+          <p:cNvSpPr>
+            <a:spLocks noGrp="1"/>
+          </p:cNvSpPr>
+          <p:nvPr>
+            <p:ph type="dt" sz="half" idx="10"/>
+          </p:nvPr>
+        </p:nvSpPr>
+        <p:spPr/>
+        <p:txBody>
+          <a:bodyPr/>
+          <a:lstStyle/>
+          <a:p>
+            <a:r>
+              <a:rPr lang="en-US" smtClean="0"/>
+              <a:t>1/15/2023</a:t>
+            </a:r>
+            <a:endParaRPr lang="en-US" dirty="0"/>
+          </a:p>
+        </p:txBody>
+      </p:sp>
+      <p:sp>
+        <p:nvSpPr>
+          <p:cNvPr id="5" name="Footer Placeholder 4"/>
+          <p:cNvSpPr>
+            <a:spLocks noGrp="1"/>
+          </p:cNvSpPr>
+          <p:nvPr>
+            <p:ph type="ftr" sz="quarter" idx="11"/>
+          </p:nvPr>
+        </p:nvSpPr>
+        <p:spPr/>
+        <p:txBody>
+          <a:bodyPr/>
+          <a:lstStyle/>
+          <a:p>
+            <a:r>
+              <a:rPr lang="en-US" smtClean="0"/>
+              <a:t>Sercan KÜLCÜ, Tanenbaum, Modern Operating Systems 3e kitabından faydalanılmıştır. Tüm hakları saklıdır.</a:t>
+            </a:r>
+            <a:endParaRPr lang="en-US" dirty="0"/>
+          </a:p>
+        </p:txBody>
+      </p:sp>
+      <p:sp>
+        <p:nvSpPr>
+          <p:cNvPr id="6" name="Slide Number Placeholder 5"/>
+          <p:cNvSpPr>
+            <a:spLocks noGrp="1"/>
+          </p:cNvSpPr>
+          <p:nvPr>
+            <p:ph type="sldNum" sz="quarter" idx="12"/>
+          </p:nvPr>
+        </p:nvSpPr>
+        <p:spPr/>
+        <p:txBody>
+          <a:bodyPr/>
+          <a:lstStyle/>
+          <a:p>
+            <a:fld id="{D57F1E4F-1CFF-5643-939E-217C01CDF565}" type="slidenum">
+              <a:rPr lang="en-US" smtClean="0"/>
+              <a:pPr/>
+              <a:t>30</a:t>
+            </a:fld>
+            <a:endParaRPr lang="en-US" dirty="0"/>
+          </a:p>
+        </p:txBody>
+      </p:sp>
     </p:spTree>
     <p:extLst>
       <p:ext uri="{BB962C8B-B14F-4D97-AF65-F5344CB8AC3E}">
@@ -8619,6 +11536,76 @@
               <a:t>çizelgeler</a:t>
             </a:r>
             <a:endParaRPr lang="tr-TR" dirty="0"/>
+          </a:p>
+        </p:txBody>
+      </p:sp>
+      <p:sp>
+        <p:nvSpPr>
+          <p:cNvPr id="4" name="Date Placeholder 3"/>
+          <p:cNvSpPr>
+            <a:spLocks noGrp="1"/>
+          </p:cNvSpPr>
+          <p:nvPr>
+            <p:ph type="dt" sz="half" idx="10"/>
+          </p:nvPr>
+        </p:nvSpPr>
+        <p:spPr/>
+        <p:txBody>
+          <a:bodyPr/>
+          <a:lstStyle/>
+          <a:p>
+            <a:r>
+              <a:rPr lang="en-US" smtClean="0"/>
+              <a:t>1/15/2023</a:t>
+            </a:r>
+            <a:endParaRPr lang="en-US" dirty="0"/>
+          </a:p>
+        </p:txBody>
+      </p:sp>
+      <p:sp>
+        <p:nvSpPr>
+          <p:cNvPr id="5" name="Footer Placeholder 4"/>
+          <p:cNvSpPr>
+            <a:spLocks noGrp="1"/>
+          </p:cNvSpPr>
+          <p:nvPr>
+            <p:ph type="ftr" sz="quarter" idx="11"/>
+          </p:nvPr>
+        </p:nvSpPr>
+        <p:spPr/>
+        <p:txBody>
+          <a:bodyPr/>
+          <a:lstStyle/>
+          <a:p>
+            <a:r>
+              <a:rPr lang="en-US" smtClean="0"/>
+              <a:t>Sercan KÜLCÜ, Tanenbaum, Modern Operating Systems 3e kitabından faydalanılmıştır. Tüm hakları saklıdır.</a:t>
+            </a:r>
+            <a:endParaRPr lang="en-US" dirty="0"/>
+          </a:p>
+        </p:txBody>
+      </p:sp>
+      <p:sp>
+        <p:nvSpPr>
+          <p:cNvPr id="6" name="Slide Number Placeholder 5"/>
+          <p:cNvSpPr>
+            <a:spLocks noGrp="1"/>
+          </p:cNvSpPr>
+          <p:nvPr>
+            <p:ph type="sldNum" sz="quarter" idx="12"/>
+          </p:nvPr>
+        </p:nvSpPr>
+        <p:spPr/>
+        <p:txBody>
+          <a:bodyPr/>
+          <a:lstStyle/>
+          <a:p>
+            <a:fld id="{D57F1E4F-1CFF-5643-939E-217C01CDF565}" type="slidenum">
+              <a:rPr lang="en-US" smtClean="0"/>
+              <a:pPr/>
+              <a:t>31</a:t>
+            </a:fld>
+            <a:endParaRPr lang="en-US" dirty="0"/>
           </a:p>
         </p:txBody>
       </p:sp>
@@ -8780,6 +11767,76 @@
           </a:extLst>
         </p:spPr>
       </p:pic>
+      <p:sp>
+        <p:nvSpPr>
+          <p:cNvPr id="5" name="Date Placeholder 4"/>
+          <p:cNvSpPr>
+            <a:spLocks noGrp="1"/>
+          </p:cNvSpPr>
+          <p:nvPr>
+            <p:ph type="dt" sz="half" idx="10"/>
+          </p:nvPr>
+        </p:nvSpPr>
+        <p:spPr/>
+        <p:txBody>
+          <a:bodyPr/>
+          <a:lstStyle/>
+          <a:p>
+            <a:r>
+              <a:rPr lang="en-US" smtClean="0"/>
+              <a:t>1/15/2023</a:t>
+            </a:r>
+            <a:endParaRPr lang="en-US" dirty="0"/>
+          </a:p>
+        </p:txBody>
+      </p:sp>
+      <p:sp>
+        <p:nvSpPr>
+          <p:cNvPr id="6" name="Footer Placeholder 5"/>
+          <p:cNvSpPr>
+            <a:spLocks noGrp="1"/>
+          </p:cNvSpPr>
+          <p:nvPr>
+            <p:ph type="ftr" sz="quarter" idx="11"/>
+          </p:nvPr>
+        </p:nvSpPr>
+        <p:spPr/>
+        <p:txBody>
+          <a:bodyPr/>
+          <a:lstStyle/>
+          <a:p>
+            <a:r>
+              <a:rPr lang="en-US" smtClean="0"/>
+              <a:t>Sercan KÜLCÜ, Tanenbaum, Modern Operating Systems 3e kitabından faydalanılmıştır. Tüm hakları saklıdır.</a:t>
+            </a:r>
+            <a:endParaRPr lang="en-US" dirty="0"/>
+          </a:p>
+        </p:txBody>
+      </p:sp>
+      <p:sp>
+        <p:nvSpPr>
+          <p:cNvPr id="7" name="Slide Number Placeholder 6"/>
+          <p:cNvSpPr>
+            <a:spLocks noGrp="1"/>
+          </p:cNvSpPr>
+          <p:nvPr>
+            <p:ph type="sldNum" sz="quarter" idx="12"/>
+          </p:nvPr>
+        </p:nvSpPr>
+        <p:spPr/>
+        <p:txBody>
+          <a:bodyPr/>
+          <a:lstStyle/>
+          <a:p>
+            <a:fld id="{D57F1E4F-1CFF-5643-939E-217C01CDF565}" type="slidenum">
+              <a:rPr lang="en-US" smtClean="0"/>
+              <a:pPr/>
+              <a:t>32</a:t>
+            </a:fld>
+            <a:endParaRPr lang="en-US" dirty="0"/>
+          </a:p>
+        </p:txBody>
+      </p:sp>
     </p:spTree>
     <p:extLst>
       <p:ext uri="{BB962C8B-B14F-4D97-AF65-F5344CB8AC3E}">
@@ -8925,6 +11982,76 @@
               <a:t>Bu nedenle daha hızlıdırlar</a:t>
             </a:r>
             <a:endParaRPr lang="tr-TR" dirty="0"/>
+          </a:p>
+        </p:txBody>
+      </p:sp>
+      <p:sp>
+        <p:nvSpPr>
+          <p:cNvPr id="4" name="Date Placeholder 3"/>
+          <p:cNvSpPr>
+            <a:spLocks noGrp="1"/>
+          </p:cNvSpPr>
+          <p:nvPr>
+            <p:ph type="dt" sz="half" idx="10"/>
+          </p:nvPr>
+        </p:nvSpPr>
+        <p:spPr/>
+        <p:txBody>
+          <a:bodyPr/>
+          <a:lstStyle/>
+          <a:p>
+            <a:r>
+              <a:rPr lang="en-US" smtClean="0"/>
+              <a:t>1/15/2023</a:t>
+            </a:r>
+            <a:endParaRPr lang="en-US" dirty="0"/>
+          </a:p>
+        </p:txBody>
+      </p:sp>
+      <p:sp>
+        <p:nvSpPr>
+          <p:cNvPr id="5" name="Footer Placeholder 4"/>
+          <p:cNvSpPr>
+            <a:spLocks noGrp="1"/>
+          </p:cNvSpPr>
+          <p:nvPr>
+            <p:ph type="ftr" sz="quarter" idx="11"/>
+          </p:nvPr>
+        </p:nvSpPr>
+        <p:spPr/>
+        <p:txBody>
+          <a:bodyPr/>
+          <a:lstStyle/>
+          <a:p>
+            <a:r>
+              <a:rPr lang="en-US" smtClean="0"/>
+              <a:t>Sercan KÜLCÜ, Tanenbaum, Modern Operating Systems 3e kitabından faydalanılmıştır. Tüm hakları saklıdır.</a:t>
+            </a:r>
+            <a:endParaRPr lang="en-US" dirty="0"/>
+          </a:p>
+        </p:txBody>
+      </p:sp>
+      <p:sp>
+        <p:nvSpPr>
+          <p:cNvPr id="6" name="Slide Number Placeholder 5"/>
+          <p:cNvSpPr>
+            <a:spLocks noGrp="1"/>
+          </p:cNvSpPr>
+          <p:nvPr>
+            <p:ph type="sldNum" sz="quarter" idx="12"/>
+          </p:nvPr>
+        </p:nvSpPr>
+        <p:spPr/>
+        <p:txBody>
+          <a:bodyPr/>
+          <a:lstStyle/>
+          <a:p>
+            <a:fld id="{D57F1E4F-1CFF-5643-939E-217C01CDF565}" type="slidenum">
+              <a:rPr lang="en-US" smtClean="0"/>
+              <a:pPr/>
+              <a:t>33</a:t>
+            </a:fld>
+            <a:endParaRPr lang="en-US" dirty="0"/>
           </a:p>
         </p:txBody>
       </p:sp>
@@ -9083,6 +12210,76 @@
           </a:extLst>
         </p:spPr>
       </p:pic>
+      <p:sp>
+        <p:nvSpPr>
+          <p:cNvPr id="5" name="Date Placeholder 4"/>
+          <p:cNvSpPr>
+            <a:spLocks noGrp="1"/>
+          </p:cNvSpPr>
+          <p:nvPr>
+            <p:ph type="dt" sz="half" idx="10"/>
+          </p:nvPr>
+        </p:nvSpPr>
+        <p:spPr/>
+        <p:txBody>
+          <a:bodyPr/>
+          <a:lstStyle/>
+          <a:p>
+            <a:r>
+              <a:rPr lang="en-US" smtClean="0"/>
+              <a:t>1/15/2023</a:t>
+            </a:r>
+            <a:endParaRPr lang="en-US" dirty="0"/>
+          </a:p>
+        </p:txBody>
+      </p:sp>
+      <p:sp>
+        <p:nvSpPr>
+          <p:cNvPr id="6" name="Footer Placeholder 5"/>
+          <p:cNvSpPr>
+            <a:spLocks noGrp="1"/>
+          </p:cNvSpPr>
+          <p:nvPr>
+            <p:ph type="ftr" sz="quarter" idx="11"/>
+          </p:nvPr>
+        </p:nvSpPr>
+        <p:spPr/>
+        <p:txBody>
+          <a:bodyPr/>
+          <a:lstStyle/>
+          <a:p>
+            <a:r>
+              <a:rPr lang="en-US" smtClean="0"/>
+              <a:t>Sercan KÜLCÜ, Tanenbaum, Modern Operating Systems 3e kitabından faydalanılmıştır. Tüm hakları saklıdır.</a:t>
+            </a:r>
+            <a:endParaRPr lang="en-US" dirty="0"/>
+          </a:p>
+        </p:txBody>
+      </p:sp>
+      <p:sp>
+        <p:nvSpPr>
+          <p:cNvPr id="7" name="Slide Number Placeholder 6"/>
+          <p:cNvSpPr>
+            <a:spLocks noGrp="1"/>
+          </p:cNvSpPr>
+          <p:nvPr>
+            <p:ph type="sldNum" sz="quarter" idx="12"/>
+          </p:nvPr>
+        </p:nvSpPr>
+        <p:spPr/>
+        <p:txBody>
+          <a:bodyPr/>
+          <a:lstStyle/>
+          <a:p>
+            <a:fld id="{D57F1E4F-1CFF-5643-939E-217C01CDF565}" type="slidenum">
+              <a:rPr lang="en-US" smtClean="0"/>
+              <a:pPr/>
+              <a:t>34</a:t>
+            </a:fld>
+            <a:endParaRPr lang="en-US" dirty="0"/>
+          </a:p>
+        </p:txBody>
+      </p:sp>
     </p:spTree>
     <p:extLst>
       <p:ext uri="{BB962C8B-B14F-4D97-AF65-F5344CB8AC3E}">
@@ -9233,6 +12430,76 @@
           </a:extLst>
         </p:spPr>
       </p:pic>
+      <p:sp>
+        <p:nvSpPr>
+          <p:cNvPr id="5" name="Date Placeholder 4"/>
+          <p:cNvSpPr>
+            <a:spLocks noGrp="1"/>
+          </p:cNvSpPr>
+          <p:nvPr>
+            <p:ph type="dt" sz="half" idx="10"/>
+          </p:nvPr>
+        </p:nvSpPr>
+        <p:spPr/>
+        <p:txBody>
+          <a:bodyPr/>
+          <a:lstStyle/>
+          <a:p>
+            <a:r>
+              <a:rPr lang="en-US" smtClean="0"/>
+              <a:t>1/15/2023</a:t>
+            </a:r>
+            <a:endParaRPr lang="en-US" dirty="0"/>
+          </a:p>
+        </p:txBody>
+      </p:sp>
+      <p:sp>
+        <p:nvSpPr>
+          <p:cNvPr id="6" name="Footer Placeholder 5"/>
+          <p:cNvSpPr>
+            <a:spLocks noGrp="1"/>
+          </p:cNvSpPr>
+          <p:nvPr>
+            <p:ph type="ftr" sz="quarter" idx="11"/>
+          </p:nvPr>
+        </p:nvSpPr>
+        <p:spPr/>
+        <p:txBody>
+          <a:bodyPr/>
+          <a:lstStyle/>
+          <a:p>
+            <a:r>
+              <a:rPr lang="en-US" smtClean="0"/>
+              <a:t>Sercan KÜLCÜ, Tanenbaum, Modern Operating Systems 3e kitabından faydalanılmıştır. Tüm hakları saklıdır.</a:t>
+            </a:r>
+            <a:endParaRPr lang="en-US" dirty="0"/>
+          </a:p>
+        </p:txBody>
+      </p:sp>
+      <p:sp>
+        <p:nvSpPr>
+          <p:cNvPr id="7" name="Slide Number Placeholder 6"/>
+          <p:cNvSpPr>
+            <a:spLocks noGrp="1"/>
+          </p:cNvSpPr>
+          <p:nvPr>
+            <p:ph type="sldNum" sz="quarter" idx="12"/>
+          </p:nvPr>
+        </p:nvSpPr>
+        <p:spPr/>
+        <p:txBody>
+          <a:bodyPr/>
+          <a:lstStyle/>
+          <a:p>
+            <a:fld id="{D57F1E4F-1CFF-5643-939E-217C01CDF565}" type="slidenum">
+              <a:rPr lang="en-US" smtClean="0"/>
+              <a:pPr/>
+              <a:t>35</a:t>
+            </a:fld>
+            <a:endParaRPr lang="en-US" dirty="0"/>
+          </a:p>
+        </p:txBody>
+      </p:sp>
     </p:spTree>
     <p:extLst>
       <p:ext uri="{BB962C8B-B14F-4D97-AF65-F5344CB8AC3E}">
@@ -9415,6 +12682,76 @@
           </a:p>
         </p:txBody>
       </p:sp>
+      <p:sp>
+        <p:nvSpPr>
+          <p:cNvPr id="4" name="Date Placeholder 3"/>
+          <p:cNvSpPr>
+            <a:spLocks noGrp="1"/>
+          </p:cNvSpPr>
+          <p:nvPr>
+            <p:ph type="dt" sz="half" idx="10"/>
+          </p:nvPr>
+        </p:nvSpPr>
+        <p:spPr/>
+        <p:txBody>
+          <a:bodyPr/>
+          <a:lstStyle/>
+          <a:p>
+            <a:r>
+              <a:rPr lang="en-US" smtClean="0"/>
+              <a:t>1/15/2023</a:t>
+            </a:r>
+            <a:endParaRPr lang="en-US" dirty="0"/>
+          </a:p>
+        </p:txBody>
+      </p:sp>
+      <p:sp>
+        <p:nvSpPr>
+          <p:cNvPr id="5" name="Footer Placeholder 4"/>
+          <p:cNvSpPr>
+            <a:spLocks noGrp="1"/>
+          </p:cNvSpPr>
+          <p:nvPr>
+            <p:ph type="ftr" sz="quarter" idx="11"/>
+          </p:nvPr>
+        </p:nvSpPr>
+        <p:spPr/>
+        <p:txBody>
+          <a:bodyPr/>
+          <a:lstStyle/>
+          <a:p>
+            <a:r>
+              <a:rPr lang="en-US" smtClean="0"/>
+              <a:t>Sercan KÜLCÜ, Tanenbaum, Modern Operating Systems 3e kitabından faydalanılmıştır. Tüm hakları saklıdır.</a:t>
+            </a:r>
+            <a:endParaRPr lang="en-US" dirty="0"/>
+          </a:p>
+        </p:txBody>
+      </p:sp>
+      <p:sp>
+        <p:nvSpPr>
+          <p:cNvPr id="6" name="Slide Number Placeholder 5"/>
+          <p:cNvSpPr>
+            <a:spLocks noGrp="1"/>
+          </p:cNvSpPr>
+          <p:nvPr>
+            <p:ph type="sldNum" sz="quarter" idx="12"/>
+          </p:nvPr>
+        </p:nvSpPr>
+        <p:spPr/>
+        <p:txBody>
+          <a:bodyPr/>
+          <a:lstStyle/>
+          <a:p>
+            <a:fld id="{D57F1E4F-1CFF-5643-939E-217C01CDF565}" type="slidenum">
+              <a:rPr lang="en-US" smtClean="0"/>
+              <a:pPr/>
+              <a:t>36</a:t>
+            </a:fld>
+            <a:endParaRPr lang="en-US" dirty="0"/>
+          </a:p>
+        </p:txBody>
+      </p:sp>
     </p:spTree>
     <p:extLst>
       <p:ext uri="{BB962C8B-B14F-4D97-AF65-F5344CB8AC3E}">
@@ -9558,6 +12895,76 @@
           </a:p>
         </p:txBody>
       </p:sp>
+      <p:sp>
+        <p:nvSpPr>
+          <p:cNvPr id="4" name="Date Placeholder 3"/>
+          <p:cNvSpPr>
+            <a:spLocks noGrp="1"/>
+          </p:cNvSpPr>
+          <p:nvPr>
+            <p:ph type="dt" sz="half" idx="10"/>
+          </p:nvPr>
+        </p:nvSpPr>
+        <p:spPr/>
+        <p:txBody>
+          <a:bodyPr/>
+          <a:lstStyle/>
+          <a:p>
+            <a:r>
+              <a:rPr lang="en-US" smtClean="0"/>
+              <a:t>1/15/2023</a:t>
+            </a:r>
+            <a:endParaRPr lang="en-US" dirty="0"/>
+          </a:p>
+        </p:txBody>
+      </p:sp>
+      <p:sp>
+        <p:nvSpPr>
+          <p:cNvPr id="5" name="Footer Placeholder 4"/>
+          <p:cNvSpPr>
+            <a:spLocks noGrp="1"/>
+          </p:cNvSpPr>
+          <p:nvPr>
+            <p:ph type="ftr" sz="quarter" idx="11"/>
+          </p:nvPr>
+        </p:nvSpPr>
+        <p:spPr/>
+        <p:txBody>
+          <a:bodyPr/>
+          <a:lstStyle/>
+          <a:p>
+            <a:r>
+              <a:rPr lang="en-US" smtClean="0"/>
+              <a:t>Sercan KÜLCÜ, Tanenbaum, Modern Operating Systems 3e kitabından faydalanılmıştır. Tüm hakları saklıdır.</a:t>
+            </a:r>
+            <a:endParaRPr lang="en-US" dirty="0"/>
+          </a:p>
+        </p:txBody>
+      </p:sp>
+      <p:sp>
+        <p:nvSpPr>
+          <p:cNvPr id="6" name="Slide Number Placeholder 5"/>
+          <p:cNvSpPr>
+            <a:spLocks noGrp="1"/>
+          </p:cNvSpPr>
+          <p:nvPr>
+            <p:ph type="sldNum" sz="quarter" idx="12"/>
+          </p:nvPr>
+        </p:nvSpPr>
+        <p:spPr/>
+        <p:txBody>
+          <a:bodyPr/>
+          <a:lstStyle/>
+          <a:p>
+            <a:fld id="{D57F1E4F-1CFF-5643-939E-217C01CDF565}" type="slidenum">
+              <a:rPr lang="en-US" smtClean="0"/>
+              <a:pPr/>
+              <a:t>37</a:t>
+            </a:fld>
+            <a:endParaRPr lang="en-US" dirty="0"/>
+          </a:p>
+        </p:txBody>
+      </p:sp>
     </p:spTree>
     <p:extLst>
       <p:ext uri="{BB962C8B-B14F-4D97-AF65-F5344CB8AC3E}">
@@ -9762,6 +13169,76 @@
           </a:p>
         </p:txBody>
       </p:sp>
+      <p:sp>
+        <p:nvSpPr>
+          <p:cNvPr id="4" name="Date Placeholder 3"/>
+          <p:cNvSpPr>
+            <a:spLocks noGrp="1"/>
+          </p:cNvSpPr>
+          <p:nvPr>
+            <p:ph type="dt" sz="half" idx="10"/>
+          </p:nvPr>
+        </p:nvSpPr>
+        <p:spPr/>
+        <p:txBody>
+          <a:bodyPr/>
+          <a:lstStyle/>
+          <a:p>
+            <a:r>
+              <a:rPr lang="en-US" smtClean="0"/>
+              <a:t>1/15/2023</a:t>
+            </a:r>
+            <a:endParaRPr lang="en-US" dirty="0"/>
+          </a:p>
+        </p:txBody>
+      </p:sp>
+      <p:sp>
+        <p:nvSpPr>
+          <p:cNvPr id="5" name="Footer Placeholder 4"/>
+          <p:cNvSpPr>
+            <a:spLocks noGrp="1"/>
+          </p:cNvSpPr>
+          <p:nvPr>
+            <p:ph type="ftr" sz="quarter" idx="11"/>
+          </p:nvPr>
+        </p:nvSpPr>
+        <p:spPr/>
+        <p:txBody>
+          <a:bodyPr/>
+          <a:lstStyle/>
+          <a:p>
+            <a:r>
+              <a:rPr lang="en-US" smtClean="0"/>
+              <a:t>Sercan KÜLCÜ, Tanenbaum, Modern Operating Systems 3e kitabından faydalanılmıştır. Tüm hakları saklıdır.</a:t>
+            </a:r>
+            <a:endParaRPr lang="en-US" dirty="0"/>
+          </a:p>
+        </p:txBody>
+      </p:sp>
+      <p:sp>
+        <p:nvSpPr>
+          <p:cNvPr id="6" name="Slide Number Placeholder 5"/>
+          <p:cNvSpPr>
+            <a:spLocks noGrp="1"/>
+          </p:cNvSpPr>
+          <p:nvPr>
+            <p:ph type="sldNum" sz="quarter" idx="12"/>
+          </p:nvPr>
+        </p:nvSpPr>
+        <p:spPr/>
+        <p:txBody>
+          <a:bodyPr/>
+          <a:lstStyle/>
+          <a:p>
+            <a:fld id="{D57F1E4F-1CFF-5643-939E-217C01CDF565}" type="slidenum">
+              <a:rPr lang="en-US" smtClean="0"/>
+              <a:pPr/>
+              <a:t>38</a:t>
+            </a:fld>
+            <a:endParaRPr lang="en-US" dirty="0"/>
+          </a:p>
+        </p:txBody>
+      </p:sp>
     </p:spTree>
     <p:extLst>
       <p:ext uri="{BB962C8B-B14F-4D97-AF65-F5344CB8AC3E}">
@@ -9978,6 +13455,76 @@
               <a:t>yazma yapılabilir.</a:t>
             </a:r>
             <a:endParaRPr lang="tr-TR" dirty="0"/>
+          </a:p>
+        </p:txBody>
+      </p:sp>
+      <p:sp>
+        <p:nvSpPr>
+          <p:cNvPr id="4" name="Date Placeholder 3"/>
+          <p:cNvSpPr>
+            <a:spLocks noGrp="1"/>
+          </p:cNvSpPr>
+          <p:nvPr>
+            <p:ph type="dt" sz="half" idx="10"/>
+          </p:nvPr>
+        </p:nvSpPr>
+        <p:spPr/>
+        <p:txBody>
+          <a:bodyPr/>
+          <a:lstStyle/>
+          <a:p>
+            <a:r>
+              <a:rPr lang="en-US" smtClean="0"/>
+              <a:t>1/15/2023</a:t>
+            </a:r>
+            <a:endParaRPr lang="en-US" dirty="0"/>
+          </a:p>
+        </p:txBody>
+      </p:sp>
+      <p:sp>
+        <p:nvSpPr>
+          <p:cNvPr id="5" name="Footer Placeholder 4"/>
+          <p:cNvSpPr>
+            <a:spLocks noGrp="1"/>
+          </p:cNvSpPr>
+          <p:nvPr>
+            <p:ph type="ftr" sz="quarter" idx="11"/>
+          </p:nvPr>
+        </p:nvSpPr>
+        <p:spPr/>
+        <p:txBody>
+          <a:bodyPr/>
+          <a:lstStyle/>
+          <a:p>
+            <a:r>
+              <a:rPr lang="en-US" smtClean="0"/>
+              <a:t>Sercan KÜLCÜ, Tanenbaum, Modern Operating Systems 3e kitabından faydalanılmıştır. Tüm hakları saklıdır.</a:t>
+            </a:r>
+            <a:endParaRPr lang="en-US" dirty="0"/>
+          </a:p>
+        </p:txBody>
+      </p:sp>
+      <p:sp>
+        <p:nvSpPr>
+          <p:cNvPr id="6" name="Slide Number Placeholder 5"/>
+          <p:cNvSpPr>
+            <a:spLocks noGrp="1"/>
+          </p:cNvSpPr>
+          <p:nvPr>
+            <p:ph type="sldNum" sz="quarter" idx="12"/>
+          </p:nvPr>
+        </p:nvSpPr>
+        <p:spPr/>
+        <p:txBody>
+          <a:bodyPr/>
+          <a:lstStyle/>
+          <a:p>
+            <a:fld id="{D57F1E4F-1CFF-5643-939E-217C01CDF565}" type="slidenum">
+              <a:rPr lang="en-US" smtClean="0"/>
+              <a:pPr/>
+              <a:t>39</a:t>
+            </a:fld>
+            <a:endParaRPr lang="en-US" dirty="0"/>
           </a:p>
         </p:txBody>
       </p:sp>
@@ -10135,6 +13682,76 @@
           </a:extLst>
         </p:spPr>
       </p:pic>
+      <p:sp>
+        <p:nvSpPr>
+          <p:cNvPr id="5" name="Date Placeholder 4"/>
+          <p:cNvSpPr>
+            <a:spLocks noGrp="1"/>
+          </p:cNvSpPr>
+          <p:nvPr>
+            <p:ph type="dt" sz="half" idx="10"/>
+          </p:nvPr>
+        </p:nvSpPr>
+        <p:spPr/>
+        <p:txBody>
+          <a:bodyPr/>
+          <a:lstStyle/>
+          <a:p>
+            <a:r>
+              <a:rPr lang="en-US" smtClean="0"/>
+              <a:t>1/15/2023</a:t>
+            </a:r>
+            <a:endParaRPr lang="en-US" dirty="0"/>
+          </a:p>
+        </p:txBody>
+      </p:sp>
+      <p:sp>
+        <p:nvSpPr>
+          <p:cNvPr id="6" name="Footer Placeholder 5"/>
+          <p:cNvSpPr>
+            <a:spLocks noGrp="1"/>
+          </p:cNvSpPr>
+          <p:nvPr>
+            <p:ph type="ftr" sz="quarter" idx="11"/>
+          </p:nvPr>
+        </p:nvSpPr>
+        <p:spPr/>
+        <p:txBody>
+          <a:bodyPr/>
+          <a:lstStyle/>
+          <a:p>
+            <a:r>
+              <a:rPr lang="en-US" smtClean="0"/>
+              <a:t>Sercan KÜLCÜ, Tanenbaum, Modern Operating Systems 3e kitabından faydalanılmıştır. Tüm hakları saklıdır.</a:t>
+            </a:r>
+            <a:endParaRPr lang="en-US" dirty="0"/>
+          </a:p>
+        </p:txBody>
+      </p:sp>
+      <p:sp>
+        <p:nvSpPr>
+          <p:cNvPr id="7" name="Slide Number Placeholder 6"/>
+          <p:cNvSpPr>
+            <a:spLocks noGrp="1"/>
+          </p:cNvSpPr>
+          <p:nvPr>
+            <p:ph type="sldNum" sz="quarter" idx="12"/>
+          </p:nvPr>
+        </p:nvSpPr>
+        <p:spPr/>
+        <p:txBody>
+          <a:bodyPr/>
+          <a:lstStyle/>
+          <a:p>
+            <a:fld id="{D57F1E4F-1CFF-5643-939E-217C01CDF565}" type="slidenum">
+              <a:rPr lang="en-US" smtClean="0"/>
+              <a:pPr/>
+              <a:t>4</a:t>
+            </a:fld>
+            <a:endParaRPr lang="en-US" dirty="0"/>
+          </a:p>
+        </p:txBody>
+      </p:sp>
     </p:spTree>
     <p:extLst>
       <p:ext uri="{BB962C8B-B14F-4D97-AF65-F5344CB8AC3E}">
@@ -10271,6 +13888,76 @@
               <a:t>alınması</a:t>
             </a:r>
             <a:endParaRPr lang="tr-TR" dirty="0"/>
+          </a:p>
+        </p:txBody>
+      </p:sp>
+      <p:sp>
+        <p:nvSpPr>
+          <p:cNvPr id="4" name="Date Placeholder 3"/>
+          <p:cNvSpPr>
+            <a:spLocks noGrp="1"/>
+          </p:cNvSpPr>
+          <p:nvPr>
+            <p:ph type="dt" sz="half" idx="10"/>
+          </p:nvPr>
+        </p:nvSpPr>
+        <p:spPr/>
+        <p:txBody>
+          <a:bodyPr/>
+          <a:lstStyle/>
+          <a:p>
+            <a:r>
+              <a:rPr lang="en-US" smtClean="0"/>
+              <a:t>1/15/2023</a:t>
+            </a:r>
+            <a:endParaRPr lang="en-US" dirty="0"/>
+          </a:p>
+        </p:txBody>
+      </p:sp>
+      <p:sp>
+        <p:nvSpPr>
+          <p:cNvPr id="5" name="Footer Placeholder 4"/>
+          <p:cNvSpPr>
+            <a:spLocks noGrp="1"/>
+          </p:cNvSpPr>
+          <p:nvPr>
+            <p:ph type="ftr" sz="quarter" idx="11"/>
+          </p:nvPr>
+        </p:nvSpPr>
+        <p:spPr/>
+        <p:txBody>
+          <a:bodyPr/>
+          <a:lstStyle/>
+          <a:p>
+            <a:r>
+              <a:rPr lang="en-US" smtClean="0"/>
+              <a:t>Sercan KÜLCÜ, Tanenbaum, Modern Operating Systems 3e kitabından faydalanılmıştır. Tüm hakları saklıdır.</a:t>
+            </a:r>
+            <a:endParaRPr lang="en-US" dirty="0"/>
+          </a:p>
+        </p:txBody>
+      </p:sp>
+      <p:sp>
+        <p:nvSpPr>
+          <p:cNvPr id="6" name="Slide Number Placeholder 5"/>
+          <p:cNvSpPr>
+            <a:spLocks noGrp="1"/>
+          </p:cNvSpPr>
+          <p:nvPr>
+            <p:ph type="sldNum" sz="quarter" idx="12"/>
+          </p:nvPr>
+        </p:nvSpPr>
+        <p:spPr/>
+        <p:txBody>
+          <a:bodyPr/>
+          <a:lstStyle/>
+          <a:p>
+            <a:fld id="{D57F1E4F-1CFF-5643-939E-217C01CDF565}" type="slidenum">
+              <a:rPr lang="en-US" smtClean="0"/>
+              <a:pPr/>
+              <a:t>40</a:t>
+            </a:fld>
+            <a:endParaRPr lang="en-US" dirty="0"/>
           </a:p>
         </p:txBody>
       </p:sp>
@@ -10418,6 +14105,76 @@
           </a:extLst>
         </p:spPr>
       </p:pic>
+      <p:sp>
+        <p:nvSpPr>
+          <p:cNvPr id="5" name="Date Placeholder 4"/>
+          <p:cNvSpPr>
+            <a:spLocks noGrp="1"/>
+          </p:cNvSpPr>
+          <p:nvPr>
+            <p:ph type="dt" sz="half" idx="10"/>
+          </p:nvPr>
+        </p:nvSpPr>
+        <p:spPr/>
+        <p:txBody>
+          <a:bodyPr/>
+          <a:lstStyle/>
+          <a:p>
+            <a:r>
+              <a:rPr lang="en-US" smtClean="0"/>
+              <a:t>1/15/2023</a:t>
+            </a:r>
+            <a:endParaRPr lang="en-US" dirty="0"/>
+          </a:p>
+        </p:txBody>
+      </p:sp>
+      <p:sp>
+        <p:nvSpPr>
+          <p:cNvPr id="6" name="Footer Placeholder 5"/>
+          <p:cNvSpPr>
+            <a:spLocks noGrp="1"/>
+          </p:cNvSpPr>
+          <p:nvPr>
+            <p:ph type="ftr" sz="quarter" idx="11"/>
+          </p:nvPr>
+        </p:nvSpPr>
+        <p:spPr/>
+        <p:txBody>
+          <a:bodyPr/>
+          <a:lstStyle/>
+          <a:p>
+            <a:r>
+              <a:rPr lang="en-US" smtClean="0"/>
+              <a:t>Sercan KÜLCÜ, Tanenbaum, Modern Operating Systems 3e kitabından faydalanılmıştır. Tüm hakları saklıdır.</a:t>
+            </a:r>
+            <a:endParaRPr lang="en-US" dirty="0"/>
+          </a:p>
+        </p:txBody>
+      </p:sp>
+      <p:sp>
+        <p:nvSpPr>
+          <p:cNvPr id="7" name="Slide Number Placeholder 6"/>
+          <p:cNvSpPr>
+            <a:spLocks noGrp="1"/>
+          </p:cNvSpPr>
+          <p:nvPr>
+            <p:ph type="sldNum" sz="quarter" idx="12"/>
+          </p:nvPr>
+        </p:nvSpPr>
+        <p:spPr/>
+        <p:txBody>
+          <a:bodyPr/>
+          <a:lstStyle/>
+          <a:p>
+            <a:fld id="{D57F1E4F-1CFF-5643-939E-217C01CDF565}" type="slidenum">
+              <a:rPr lang="en-US" smtClean="0"/>
+              <a:pPr/>
+              <a:t>41</a:t>
+            </a:fld>
+            <a:endParaRPr lang="en-US" dirty="0"/>
+          </a:p>
+        </p:txBody>
+      </p:sp>
     </p:spTree>
     <p:extLst>
       <p:ext uri="{BB962C8B-B14F-4D97-AF65-F5344CB8AC3E}">
@@ -10608,6 +14365,76 @@
           </a:p>
         </p:txBody>
       </p:sp>
+      <p:sp>
+        <p:nvSpPr>
+          <p:cNvPr id="4" name="Date Placeholder 3"/>
+          <p:cNvSpPr>
+            <a:spLocks noGrp="1"/>
+          </p:cNvSpPr>
+          <p:nvPr>
+            <p:ph type="dt" sz="half" idx="10"/>
+          </p:nvPr>
+        </p:nvSpPr>
+        <p:spPr/>
+        <p:txBody>
+          <a:bodyPr/>
+          <a:lstStyle/>
+          <a:p>
+            <a:r>
+              <a:rPr lang="en-US" smtClean="0"/>
+              <a:t>1/15/2023</a:t>
+            </a:r>
+            <a:endParaRPr lang="en-US" dirty="0"/>
+          </a:p>
+        </p:txBody>
+      </p:sp>
+      <p:sp>
+        <p:nvSpPr>
+          <p:cNvPr id="5" name="Footer Placeholder 4"/>
+          <p:cNvSpPr>
+            <a:spLocks noGrp="1"/>
+          </p:cNvSpPr>
+          <p:nvPr>
+            <p:ph type="ftr" sz="quarter" idx="11"/>
+          </p:nvPr>
+        </p:nvSpPr>
+        <p:spPr/>
+        <p:txBody>
+          <a:bodyPr/>
+          <a:lstStyle/>
+          <a:p>
+            <a:r>
+              <a:rPr lang="en-US" smtClean="0"/>
+              <a:t>Sercan KÜLCÜ, Tanenbaum, Modern Operating Systems 3e kitabından faydalanılmıştır. Tüm hakları saklıdır.</a:t>
+            </a:r>
+            <a:endParaRPr lang="en-US" dirty="0"/>
+          </a:p>
+        </p:txBody>
+      </p:sp>
+      <p:sp>
+        <p:nvSpPr>
+          <p:cNvPr id="6" name="Slide Number Placeholder 5"/>
+          <p:cNvSpPr>
+            <a:spLocks noGrp="1"/>
+          </p:cNvSpPr>
+          <p:nvPr>
+            <p:ph type="sldNum" sz="quarter" idx="12"/>
+          </p:nvPr>
+        </p:nvSpPr>
+        <p:spPr/>
+        <p:txBody>
+          <a:bodyPr/>
+          <a:lstStyle/>
+          <a:p>
+            <a:fld id="{D57F1E4F-1CFF-5643-939E-217C01CDF565}" type="slidenum">
+              <a:rPr lang="en-US" smtClean="0"/>
+              <a:pPr/>
+              <a:t>42</a:t>
+            </a:fld>
+            <a:endParaRPr lang="en-US" dirty="0"/>
+          </a:p>
+        </p:txBody>
+      </p:sp>
     </p:spTree>
     <p:extLst>
       <p:ext uri="{BB962C8B-B14F-4D97-AF65-F5344CB8AC3E}">
@@ -10767,6 +14594,76 @@
           </a:p>
         </p:txBody>
       </p:sp>
+      <p:sp>
+        <p:nvSpPr>
+          <p:cNvPr id="4" name="Date Placeholder 3"/>
+          <p:cNvSpPr>
+            <a:spLocks noGrp="1"/>
+          </p:cNvSpPr>
+          <p:nvPr>
+            <p:ph type="dt" sz="half" idx="10"/>
+          </p:nvPr>
+        </p:nvSpPr>
+        <p:spPr/>
+        <p:txBody>
+          <a:bodyPr/>
+          <a:lstStyle/>
+          <a:p>
+            <a:r>
+              <a:rPr lang="en-US" smtClean="0"/>
+              <a:t>1/15/2023</a:t>
+            </a:r>
+            <a:endParaRPr lang="en-US" dirty="0"/>
+          </a:p>
+        </p:txBody>
+      </p:sp>
+      <p:sp>
+        <p:nvSpPr>
+          <p:cNvPr id="5" name="Footer Placeholder 4"/>
+          <p:cNvSpPr>
+            <a:spLocks noGrp="1"/>
+          </p:cNvSpPr>
+          <p:nvPr>
+            <p:ph type="ftr" sz="quarter" idx="11"/>
+          </p:nvPr>
+        </p:nvSpPr>
+        <p:spPr/>
+        <p:txBody>
+          <a:bodyPr/>
+          <a:lstStyle/>
+          <a:p>
+            <a:r>
+              <a:rPr lang="en-US" smtClean="0"/>
+              <a:t>Sercan KÜLCÜ, Tanenbaum, Modern Operating Systems 3e kitabından faydalanılmıştır. Tüm hakları saklıdır.</a:t>
+            </a:r>
+            <a:endParaRPr lang="en-US" dirty="0"/>
+          </a:p>
+        </p:txBody>
+      </p:sp>
+      <p:sp>
+        <p:nvSpPr>
+          <p:cNvPr id="6" name="Slide Number Placeholder 5"/>
+          <p:cNvSpPr>
+            <a:spLocks noGrp="1"/>
+          </p:cNvSpPr>
+          <p:nvPr>
+            <p:ph type="sldNum" sz="quarter" idx="12"/>
+          </p:nvPr>
+        </p:nvSpPr>
+        <p:spPr/>
+        <p:txBody>
+          <a:bodyPr/>
+          <a:lstStyle/>
+          <a:p>
+            <a:fld id="{D57F1E4F-1CFF-5643-939E-217C01CDF565}" type="slidenum">
+              <a:rPr lang="en-US" smtClean="0"/>
+              <a:pPr/>
+              <a:t>43</a:t>
+            </a:fld>
+            <a:endParaRPr lang="en-US" dirty="0"/>
+          </a:p>
+        </p:txBody>
+      </p:sp>
     </p:spTree>
     <p:extLst>
       <p:ext uri="{BB962C8B-B14F-4D97-AF65-F5344CB8AC3E}">
@@ -10879,6 +14776,76 @@
           </a:p>
         </p:txBody>
       </p:sp>
+      <p:sp>
+        <p:nvSpPr>
+          <p:cNvPr id="4" name="Date Placeholder 3"/>
+          <p:cNvSpPr>
+            <a:spLocks noGrp="1"/>
+          </p:cNvSpPr>
+          <p:nvPr>
+            <p:ph type="dt" sz="half" idx="10"/>
+          </p:nvPr>
+        </p:nvSpPr>
+        <p:spPr/>
+        <p:txBody>
+          <a:bodyPr/>
+          <a:lstStyle/>
+          <a:p>
+            <a:r>
+              <a:rPr lang="en-US" smtClean="0"/>
+              <a:t>1/15/2023</a:t>
+            </a:r>
+            <a:endParaRPr lang="en-US" dirty="0"/>
+          </a:p>
+        </p:txBody>
+      </p:sp>
+      <p:sp>
+        <p:nvSpPr>
+          <p:cNvPr id="5" name="Footer Placeholder 4"/>
+          <p:cNvSpPr>
+            <a:spLocks noGrp="1"/>
+          </p:cNvSpPr>
+          <p:nvPr>
+            <p:ph type="ftr" sz="quarter" idx="11"/>
+          </p:nvPr>
+        </p:nvSpPr>
+        <p:spPr/>
+        <p:txBody>
+          <a:bodyPr/>
+          <a:lstStyle/>
+          <a:p>
+            <a:r>
+              <a:rPr lang="en-US" smtClean="0"/>
+              <a:t>Sercan KÜLCÜ, Tanenbaum, Modern Operating Systems 3e kitabından faydalanılmıştır. Tüm hakları saklıdır.</a:t>
+            </a:r>
+            <a:endParaRPr lang="en-US" dirty="0"/>
+          </a:p>
+        </p:txBody>
+      </p:sp>
+      <p:sp>
+        <p:nvSpPr>
+          <p:cNvPr id="6" name="Slide Number Placeholder 5"/>
+          <p:cNvSpPr>
+            <a:spLocks noGrp="1"/>
+          </p:cNvSpPr>
+          <p:nvPr>
+            <p:ph type="sldNum" sz="quarter" idx="12"/>
+          </p:nvPr>
+        </p:nvSpPr>
+        <p:spPr/>
+        <p:txBody>
+          <a:bodyPr/>
+          <a:lstStyle/>
+          <a:p>
+            <a:fld id="{D57F1E4F-1CFF-5643-939E-217C01CDF565}" type="slidenum">
+              <a:rPr lang="en-US" smtClean="0"/>
+              <a:pPr/>
+              <a:t>44</a:t>
+            </a:fld>
+            <a:endParaRPr lang="en-US" dirty="0"/>
+          </a:p>
+        </p:txBody>
+      </p:sp>
     </p:spTree>
     <p:extLst>
       <p:ext uri="{BB962C8B-B14F-4D97-AF65-F5344CB8AC3E}">
@@ -11042,6 +15009,76 @@
           </a:p>
         </p:txBody>
       </p:sp>
+      <p:sp>
+        <p:nvSpPr>
+          <p:cNvPr id="4" name="Date Placeholder 3"/>
+          <p:cNvSpPr>
+            <a:spLocks noGrp="1"/>
+          </p:cNvSpPr>
+          <p:nvPr>
+            <p:ph type="dt" sz="half" idx="10"/>
+          </p:nvPr>
+        </p:nvSpPr>
+        <p:spPr/>
+        <p:txBody>
+          <a:bodyPr/>
+          <a:lstStyle/>
+          <a:p>
+            <a:r>
+              <a:rPr lang="en-US" smtClean="0"/>
+              <a:t>1/15/2023</a:t>
+            </a:r>
+            <a:endParaRPr lang="en-US" dirty="0"/>
+          </a:p>
+        </p:txBody>
+      </p:sp>
+      <p:sp>
+        <p:nvSpPr>
+          <p:cNvPr id="5" name="Footer Placeholder 4"/>
+          <p:cNvSpPr>
+            <a:spLocks noGrp="1"/>
+          </p:cNvSpPr>
+          <p:nvPr>
+            <p:ph type="ftr" sz="quarter" idx="11"/>
+          </p:nvPr>
+        </p:nvSpPr>
+        <p:spPr/>
+        <p:txBody>
+          <a:bodyPr/>
+          <a:lstStyle/>
+          <a:p>
+            <a:r>
+              <a:rPr lang="en-US" smtClean="0"/>
+              <a:t>Sercan KÜLCÜ, Tanenbaum, Modern Operating Systems 3e kitabından faydalanılmıştır. Tüm hakları saklıdır.</a:t>
+            </a:r>
+            <a:endParaRPr lang="en-US" dirty="0"/>
+          </a:p>
+        </p:txBody>
+      </p:sp>
+      <p:sp>
+        <p:nvSpPr>
+          <p:cNvPr id="6" name="Slide Number Placeholder 5"/>
+          <p:cNvSpPr>
+            <a:spLocks noGrp="1"/>
+          </p:cNvSpPr>
+          <p:nvPr>
+            <p:ph type="sldNum" sz="quarter" idx="12"/>
+          </p:nvPr>
+        </p:nvSpPr>
+        <p:spPr/>
+        <p:txBody>
+          <a:bodyPr/>
+          <a:lstStyle/>
+          <a:p>
+            <a:fld id="{D57F1E4F-1CFF-5643-939E-217C01CDF565}" type="slidenum">
+              <a:rPr lang="en-US" smtClean="0"/>
+              <a:pPr/>
+              <a:t>45</a:t>
+            </a:fld>
+            <a:endParaRPr lang="en-US" dirty="0"/>
+          </a:p>
+        </p:txBody>
+      </p:sp>
     </p:spTree>
     <p:extLst>
       <p:ext uri="{BB962C8B-B14F-4D97-AF65-F5344CB8AC3E}">
@@ -11203,6 +15240,76 @@
           </a:p>
         </p:txBody>
       </p:sp>
+      <p:sp>
+        <p:nvSpPr>
+          <p:cNvPr id="4" name="Date Placeholder 3"/>
+          <p:cNvSpPr>
+            <a:spLocks noGrp="1"/>
+          </p:cNvSpPr>
+          <p:nvPr>
+            <p:ph type="dt" sz="half" idx="10"/>
+          </p:nvPr>
+        </p:nvSpPr>
+        <p:spPr/>
+        <p:txBody>
+          <a:bodyPr/>
+          <a:lstStyle/>
+          <a:p>
+            <a:r>
+              <a:rPr lang="en-US" smtClean="0"/>
+              <a:t>1/15/2023</a:t>
+            </a:r>
+            <a:endParaRPr lang="en-US" dirty="0"/>
+          </a:p>
+        </p:txBody>
+      </p:sp>
+      <p:sp>
+        <p:nvSpPr>
+          <p:cNvPr id="5" name="Footer Placeholder 4"/>
+          <p:cNvSpPr>
+            <a:spLocks noGrp="1"/>
+          </p:cNvSpPr>
+          <p:nvPr>
+            <p:ph type="ftr" sz="quarter" idx="11"/>
+          </p:nvPr>
+        </p:nvSpPr>
+        <p:spPr/>
+        <p:txBody>
+          <a:bodyPr/>
+          <a:lstStyle/>
+          <a:p>
+            <a:r>
+              <a:rPr lang="en-US" smtClean="0"/>
+              <a:t>Sercan KÜLCÜ, Tanenbaum, Modern Operating Systems 3e kitabından faydalanılmıştır. Tüm hakları saklıdır.</a:t>
+            </a:r>
+            <a:endParaRPr lang="en-US" dirty="0"/>
+          </a:p>
+        </p:txBody>
+      </p:sp>
+      <p:sp>
+        <p:nvSpPr>
+          <p:cNvPr id="6" name="Slide Number Placeholder 5"/>
+          <p:cNvSpPr>
+            <a:spLocks noGrp="1"/>
+          </p:cNvSpPr>
+          <p:nvPr>
+            <p:ph type="sldNum" sz="quarter" idx="12"/>
+          </p:nvPr>
+        </p:nvSpPr>
+        <p:spPr/>
+        <p:txBody>
+          <a:bodyPr/>
+          <a:lstStyle/>
+          <a:p>
+            <a:fld id="{D57F1E4F-1CFF-5643-939E-217C01CDF565}" type="slidenum">
+              <a:rPr lang="en-US" smtClean="0"/>
+              <a:pPr/>
+              <a:t>46</a:t>
+            </a:fld>
+            <a:endParaRPr lang="en-US" dirty="0"/>
+          </a:p>
+        </p:txBody>
+      </p:sp>
     </p:spTree>
     <p:extLst>
       <p:ext uri="{BB962C8B-B14F-4D97-AF65-F5344CB8AC3E}">
@@ -11289,6 +15396,76 @@
           </a:prstGeom>
         </p:spPr>
       </p:pic>
+      <p:sp>
+        <p:nvSpPr>
+          <p:cNvPr id="3" name="Date Placeholder 2"/>
+          <p:cNvSpPr>
+            <a:spLocks noGrp="1"/>
+          </p:cNvSpPr>
+          <p:nvPr>
+            <p:ph type="dt" sz="half" idx="10"/>
+          </p:nvPr>
+        </p:nvSpPr>
+        <p:spPr/>
+        <p:txBody>
+          <a:bodyPr/>
+          <a:lstStyle/>
+          <a:p>
+            <a:r>
+              <a:rPr lang="en-US" smtClean="0"/>
+              <a:t>1/15/2023</a:t>
+            </a:r>
+            <a:endParaRPr lang="en-US" dirty="0"/>
+          </a:p>
+        </p:txBody>
+      </p:sp>
+      <p:sp>
+        <p:nvSpPr>
+          <p:cNvPr id="5" name="Footer Placeholder 4"/>
+          <p:cNvSpPr>
+            <a:spLocks noGrp="1"/>
+          </p:cNvSpPr>
+          <p:nvPr>
+            <p:ph type="ftr" sz="quarter" idx="11"/>
+          </p:nvPr>
+        </p:nvSpPr>
+        <p:spPr/>
+        <p:txBody>
+          <a:bodyPr/>
+          <a:lstStyle/>
+          <a:p>
+            <a:r>
+              <a:rPr lang="en-US" smtClean="0"/>
+              <a:t>Sercan KÜLCÜ, Tanenbaum, Modern Operating Systems 3e kitabından faydalanılmıştır. Tüm hakları saklıdır.</a:t>
+            </a:r>
+            <a:endParaRPr lang="en-US" dirty="0"/>
+          </a:p>
+        </p:txBody>
+      </p:sp>
+      <p:sp>
+        <p:nvSpPr>
+          <p:cNvPr id="6" name="Slide Number Placeholder 5"/>
+          <p:cNvSpPr>
+            <a:spLocks noGrp="1"/>
+          </p:cNvSpPr>
+          <p:nvPr>
+            <p:ph type="sldNum" sz="quarter" idx="12"/>
+          </p:nvPr>
+        </p:nvSpPr>
+        <p:spPr/>
+        <p:txBody>
+          <a:bodyPr/>
+          <a:lstStyle/>
+          <a:p>
+            <a:fld id="{D57F1E4F-1CFF-5643-939E-217C01CDF565}" type="slidenum">
+              <a:rPr lang="en-US" smtClean="0"/>
+              <a:pPr/>
+              <a:t>47</a:t>
+            </a:fld>
+            <a:endParaRPr lang="en-US" dirty="0"/>
+          </a:p>
+        </p:txBody>
+      </p:sp>
     </p:spTree>
     <p:extLst>
       <p:ext uri="{BB962C8B-B14F-4D97-AF65-F5344CB8AC3E}">
@@ -11429,6 +15606,76 @@
           </a:extLst>
         </p:spPr>
       </p:pic>
+      <p:sp>
+        <p:nvSpPr>
+          <p:cNvPr id="5" name="Date Placeholder 4"/>
+          <p:cNvSpPr>
+            <a:spLocks noGrp="1"/>
+          </p:cNvSpPr>
+          <p:nvPr>
+            <p:ph type="dt" sz="half" idx="10"/>
+          </p:nvPr>
+        </p:nvSpPr>
+        <p:spPr/>
+        <p:txBody>
+          <a:bodyPr/>
+          <a:lstStyle/>
+          <a:p>
+            <a:r>
+              <a:rPr lang="en-US" smtClean="0"/>
+              <a:t>1/15/2023</a:t>
+            </a:r>
+            <a:endParaRPr lang="en-US" dirty="0"/>
+          </a:p>
+        </p:txBody>
+      </p:sp>
+      <p:sp>
+        <p:nvSpPr>
+          <p:cNvPr id="6" name="Footer Placeholder 5"/>
+          <p:cNvSpPr>
+            <a:spLocks noGrp="1"/>
+          </p:cNvSpPr>
+          <p:nvPr>
+            <p:ph type="ftr" sz="quarter" idx="11"/>
+          </p:nvPr>
+        </p:nvSpPr>
+        <p:spPr/>
+        <p:txBody>
+          <a:bodyPr/>
+          <a:lstStyle/>
+          <a:p>
+            <a:r>
+              <a:rPr lang="en-US" smtClean="0"/>
+              <a:t>Sercan KÜLCÜ, Tanenbaum, Modern Operating Systems 3e kitabından faydalanılmıştır. Tüm hakları saklıdır.</a:t>
+            </a:r>
+            <a:endParaRPr lang="en-US" dirty="0"/>
+          </a:p>
+        </p:txBody>
+      </p:sp>
+      <p:sp>
+        <p:nvSpPr>
+          <p:cNvPr id="7" name="Slide Number Placeholder 6"/>
+          <p:cNvSpPr>
+            <a:spLocks noGrp="1"/>
+          </p:cNvSpPr>
+          <p:nvPr>
+            <p:ph type="sldNum" sz="quarter" idx="12"/>
+          </p:nvPr>
+        </p:nvSpPr>
+        <p:spPr/>
+        <p:txBody>
+          <a:bodyPr/>
+          <a:lstStyle/>
+          <a:p>
+            <a:fld id="{D57F1E4F-1CFF-5643-939E-217C01CDF565}" type="slidenum">
+              <a:rPr lang="en-US" smtClean="0"/>
+              <a:pPr/>
+              <a:t>48</a:t>
+            </a:fld>
+            <a:endParaRPr lang="en-US" dirty="0"/>
+          </a:p>
+        </p:txBody>
+      </p:sp>
     </p:spTree>
     <p:extLst>
       <p:ext uri="{BB962C8B-B14F-4D97-AF65-F5344CB8AC3E}">
@@ -11590,6 +15837,76 @@
           </a:extLst>
         </p:spPr>
       </p:pic>
+      <p:sp>
+        <p:nvSpPr>
+          <p:cNvPr id="4" name="Date Placeholder 3"/>
+          <p:cNvSpPr>
+            <a:spLocks noGrp="1"/>
+          </p:cNvSpPr>
+          <p:nvPr>
+            <p:ph type="dt" sz="half" idx="10"/>
+          </p:nvPr>
+        </p:nvSpPr>
+        <p:spPr/>
+        <p:txBody>
+          <a:bodyPr/>
+          <a:lstStyle/>
+          <a:p>
+            <a:r>
+              <a:rPr lang="en-US" smtClean="0"/>
+              <a:t>1/15/2023</a:t>
+            </a:r>
+            <a:endParaRPr lang="en-US" dirty="0"/>
+          </a:p>
+        </p:txBody>
+      </p:sp>
+      <p:sp>
+        <p:nvSpPr>
+          <p:cNvPr id="6" name="Footer Placeholder 5"/>
+          <p:cNvSpPr>
+            <a:spLocks noGrp="1"/>
+          </p:cNvSpPr>
+          <p:nvPr>
+            <p:ph type="ftr" sz="quarter" idx="11"/>
+          </p:nvPr>
+        </p:nvSpPr>
+        <p:spPr/>
+        <p:txBody>
+          <a:bodyPr/>
+          <a:lstStyle/>
+          <a:p>
+            <a:r>
+              <a:rPr lang="en-US" smtClean="0"/>
+              <a:t>Sercan KÜLCÜ, Tanenbaum, Modern Operating Systems 3e kitabından faydalanılmıştır. Tüm hakları saklıdır.</a:t>
+            </a:r>
+            <a:endParaRPr lang="en-US" dirty="0"/>
+          </a:p>
+        </p:txBody>
+      </p:sp>
+      <p:sp>
+        <p:nvSpPr>
+          <p:cNvPr id="7" name="Slide Number Placeholder 6"/>
+          <p:cNvSpPr>
+            <a:spLocks noGrp="1"/>
+          </p:cNvSpPr>
+          <p:nvPr>
+            <p:ph type="sldNum" sz="quarter" idx="12"/>
+          </p:nvPr>
+        </p:nvSpPr>
+        <p:spPr/>
+        <p:txBody>
+          <a:bodyPr/>
+          <a:lstStyle/>
+          <a:p>
+            <a:fld id="{D57F1E4F-1CFF-5643-939E-217C01CDF565}" type="slidenum">
+              <a:rPr lang="en-US" smtClean="0"/>
+              <a:pPr/>
+              <a:t>49</a:t>
+            </a:fld>
+            <a:endParaRPr lang="en-US" dirty="0"/>
+          </a:p>
+        </p:txBody>
+      </p:sp>
     </p:spTree>
     <p:extLst>
       <p:ext uri="{BB962C8B-B14F-4D97-AF65-F5344CB8AC3E}">
@@ -11796,6 +16113,76 @@
           </a:p>
         </p:txBody>
       </p:sp>
+      <p:sp>
+        <p:nvSpPr>
+          <p:cNvPr id="4" name="Date Placeholder 3"/>
+          <p:cNvSpPr>
+            <a:spLocks noGrp="1"/>
+          </p:cNvSpPr>
+          <p:nvPr>
+            <p:ph type="dt" sz="half" idx="10"/>
+          </p:nvPr>
+        </p:nvSpPr>
+        <p:spPr/>
+        <p:txBody>
+          <a:bodyPr/>
+          <a:lstStyle/>
+          <a:p>
+            <a:r>
+              <a:rPr lang="en-US" smtClean="0"/>
+              <a:t>1/15/2023</a:t>
+            </a:r>
+            <a:endParaRPr lang="en-US" dirty="0"/>
+          </a:p>
+        </p:txBody>
+      </p:sp>
+      <p:sp>
+        <p:nvSpPr>
+          <p:cNvPr id="5" name="Footer Placeholder 4"/>
+          <p:cNvSpPr>
+            <a:spLocks noGrp="1"/>
+          </p:cNvSpPr>
+          <p:nvPr>
+            <p:ph type="ftr" sz="quarter" idx="11"/>
+          </p:nvPr>
+        </p:nvSpPr>
+        <p:spPr/>
+        <p:txBody>
+          <a:bodyPr/>
+          <a:lstStyle/>
+          <a:p>
+            <a:r>
+              <a:rPr lang="en-US" smtClean="0"/>
+              <a:t>Sercan KÜLCÜ, Tanenbaum, Modern Operating Systems 3e kitabından faydalanılmıştır. Tüm hakları saklıdır.</a:t>
+            </a:r>
+            <a:endParaRPr lang="en-US" dirty="0"/>
+          </a:p>
+        </p:txBody>
+      </p:sp>
+      <p:sp>
+        <p:nvSpPr>
+          <p:cNvPr id="6" name="Slide Number Placeholder 5"/>
+          <p:cNvSpPr>
+            <a:spLocks noGrp="1"/>
+          </p:cNvSpPr>
+          <p:nvPr>
+            <p:ph type="sldNum" sz="quarter" idx="12"/>
+          </p:nvPr>
+        </p:nvSpPr>
+        <p:spPr/>
+        <p:txBody>
+          <a:bodyPr/>
+          <a:lstStyle/>
+          <a:p>
+            <a:fld id="{D57F1E4F-1CFF-5643-939E-217C01CDF565}" type="slidenum">
+              <a:rPr lang="en-US" smtClean="0"/>
+              <a:pPr/>
+              <a:t>5</a:t>
+            </a:fld>
+            <a:endParaRPr lang="en-US" dirty="0"/>
+          </a:p>
+        </p:txBody>
+      </p:sp>
     </p:spTree>
     <p:extLst>
       <p:ext uri="{BB962C8B-B14F-4D97-AF65-F5344CB8AC3E}">
@@ -12036,6 +16423,76 @@
               <a:t>adlandırılır</a:t>
             </a:r>
             <a:endParaRPr lang="tr-TR" dirty="0"/>
+          </a:p>
+        </p:txBody>
+      </p:sp>
+      <p:sp>
+        <p:nvSpPr>
+          <p:cNvPr id="4" name="Date Placeholder 3"/>
+          <p:cNvSpPr>
+            <a:spLocks noGrp="1"/>
+          </p:cNvSpPr>
+          <p:nvPr>
+            <p:ph type="dt" sz="half" idx="10"/>
+          </p:nvPr>
+        </p:nvSpPr>
+        <p:spPr/>
+        <p:txBody>
+          <a:bodyPr/>
+          <a:lstStyle/>
+          <a:p>
+            <a:r>
+              <a:rPr lang="en-US" smtClean="0"/>
+              <a:t>1/15/2023</a:t>
+            </a:r>
+            <a:endParaRPr lang="en-US" dirty="0"/>
+          </a:p>
+        </p:txBody>
+      </p:sp>
+      <p:sp>
+        <p:nvSpPr>
+          <p:cNvPr id="5" name="Footer Placeholder 4"/>
+          <p:cNvSpPr>
+            <a:spLocks noGrp="1"/>
+          </p:cNvSpPr>
+          <p:nvPr>
+            <p:ph type="ftr" sz="quarter" idx="11"/>
+          </p:nvPr>
+        </p:nvSpPr>
+        <p:spPr/>
+        <p:txBody>
+          <a:bodyPr/>
+          <a:lstStyle/>
+          <a:p>
+            <a:r>
+              <a:rPr lang="en-US" smtClean="0"/>
+              <a:t>Sercan KÜLCÜ, Tanenbaum, Modern Operating Systems 3e kitabından faydalanılmıştır. Tüm hakları saklıdır.</a:t>
+            </a:r>
+            <a:endParaRPr lang="en-US" dirty="0"/>
+          </a:p>
+        </p:txBody>
+      </p:sp>
+      <p:sp>
+        <p:nvSpPr>
+          <p:cNvPr id="6" name="Slide Number Placeholder 5"/>
+          <p:cNvSpPr>
+            <a:spLocks noGrp="1"/>
+          </p:cNvSpPr>
+          <p:nvPr>
+            <p:ph type="sldNum" sz="quarter" idx="12"/>
+          </p:nvPr>
+        </p:nvSpPr>
+        <p:spPr/>
+        <p:txBody>
+          <a:bodyPr/>
+          <a:lstStyle/>
+          <a:p>
+            <a:fld id="{D57F1E4F-1CFF-5643-939E-217C01CDF565}" type="slidenum">
+              <a:rPr lang="en-US" smtClean="0"/>
+              <a:pPr/>
+              <a:t>50</a:t>
+            </a:fld>
+            <a:endParaRPr lang="en-US" dirty="0"/>
           </a:p>
         </p:txBody>
       </p:sp>
@@ -12186,6 +16643,76 @@
           </a:extLst>
         </p:spPr>
       </p:pic>
+      <p:sp>
+        <p:nvSpPr>
+          <p:cNvPr id="5" name="Date Placeholder 4"/>
+          <p:cNvSpPr>
+            <a:spLocks noGrp="1"/>
+          </p:cNvSpPr>
+          <p:nvPr>
+            <p:ph type="dt" sz="half" idx="10"/>
+          </p:nvPr>
+        </p:nvSpPr>
+        <p:spPr/>
+        <p:txBody>
+          <a:bodyPr/>
+          <a:lstStyle/>
+          <a:p>
+            <a:r>
+              <a:rPr lang="en-US" smtClean="0"/>
+              <a:t>1/15/2023</a:t>
+            </a:r>
+            <a:endParaRPr lang="en-US" dirty="0"/>
+          </a:p>
+        </p:txBody>
+      </p:sp>
+      <p:sp>
+        <p:nvSpPr>
+          <p:cNvPr id="6" name="Footer Placeholder 5"/>
+          <p:cNvSpPr>
+            <a:spLocks noGrp="1"/>
+          </p:cNvSpPr>
+          <p:nvPr>
+            <p:ph type="ftr" sz="quarter" idx="11"/>
+          </p:nvPr>
+        </p:nvSpPr>
+        <p:spPr/>
+        <p:txBody>
+          <a:bodyPr/>
+          <a:lstStyle/>
+          <a:p>
+            <a:r>
+              <a:rPr lang="en-US" smtClean="0"/>
+              <a:t>Sercan KÜLCÜ, Tanenbaum, Modern Operating Systems 3e kitabından faydalanılmıştır. Tüm hakları saklıdır.</a:t>
+            </a:r>
+            <a:endParaRPr lang="en-US" dirty="0"/>
+          </a:p>
+        </p:txBody>
+      </p:sp>
+      <p:sp>
+        <p:nvSpPr>
+          <p:cNvPr id="7" name="Slide Number Placeholder 6"/>
+          <p:cNvSpPr>
+            <a:spLocks noGrp="1"/>
+          </p:cNvSpPr>
+          <p:nvPr>
+            <p:ph type="sldNum" sz="quarter" idx="12"/>
+          </p:nvPr>
+        </p:nvSpPr>
+        <p:spPr/>
+        <p:txBody>
+          <a:bodyPr/>
+          <a:lstStyle/>
+          <a:p>
+            <a:fld id="{D57F1E4F-1CFF-5643-939E-217C01CDF565}" type="slidenum">
+              <a:rPr lang="en-US" smtClean="0"/>
+              <a:pPr/>
+              <a:t>51</a:t>
+            </a:fld>
+            <a:endParaRPr lang="en-US" dirty="0"/>
+          </a:p>
+        </p:txBody>
+      </p:sp>
     </p:spTree>
     <p:extLst>
       <p:ext uri="{BB962C8B-B14F-4D97-AF65-F5344CB8AC3E}">
@@ -12329,6 +16856,76 @@
           </a:extLst>
         </p:spPr>
       </p:pic>
+      <p:sp>
+        <p:nvSpPr>
+          <p:cNvPr id="5" name="Date Placeholder 4"/>
+          <p:cNvSpPr>
+            <a:spLocks noGrp="1"/>
+          </p:cNvSpPr>
+          <p:nvPr>
+            <p:ph type="dt" sz="half" idx="10"/>
+          </p:nvPr>
+        </p:nvSpPr>
+        <p:spPr/>
+        <p:txBody>
+          <a:bodyPr/>
+          <a:lstStyle/>
+          <a:p>
+            <a:r>
+              <a:rPr lang="en-US" smtClean="0"/>
+              <a:t>1/15/2023</a:t>
+            </a:r>
+            <a:endParaRPr lang="en-US" dirty="0"/>
+          </a:p>
+        </p:txBody>
+      </p:sp>
+      <p:sp>
+        <p:nvSpPr>
+          <p:cNvPr id="6" name="Footer Placeholder 5"/>
+          <p:cNvSpPr>
+            <a:spLocks noGrp="1"/>
+          </p:cNvSpPr>
+          <p:nvPr>
+            <p:ph type="ftr" sz="quarter" idx="11"/>
+          </p:nvPr>
+        </p:nvSpPr>
+        <p:spPr/>
+        <p:txBody>
+          <a:bodyPr/>
+          <a:lstStyle/>
+          <a:p>
+            <a:r>
+              <a:rPr lang="en-US" smtClean="0"/>
+              <a:t>Sercan KÜLCÜ, Tanenbaum, Modern Operating Systems 3e kitabından faydalanılmıştır. Tüm hakları saklıdır.</a:t>
+            </a:r>
+            <a:endParaRPr lang="en-US" dirty="0"/>
+          </a:p>
+        </p:txBody>
+      </p:sp>
+      <p:sp>
+        <p:nvSpPr>
+          <p:cNvPr id="7" name="Slide Number Placeholder 6"/>
+          <p:cNvSpPr>
+            <a:spLocks noGrp="1"/>
+          </p:cNvSpPr>
+          <p:nvPr>
+            <p:ph type="sldNum" sz="quarter" idx="12"/>
+          </p:nvPr>
+        </p:nvSpPr>
+        <p:spPr/>
+        <p:txBody>
+          <a:bodyPr/>
+          <a:lstStyle/>
+          <a:p>
+            <a:fld id="{D57F1E4F-1CFF-5643-939E-217C01CDF565}" type="slidenum">
+              <a:rPr lang="en-US" smtClean="0"/>
+              <a:pPr/>
+              <a:t>52</a:t>
+            </a:fld>
+            <a:endParaRPr lang="en-US" dirty="0"/>
+          </a:p>
+        </p:txBody>
+      </p:sp>
     </p:spTree>
     <p:extLst>
       <p:ext uri="{BB962C8B-B14F-4D97-AF65-F5344CB8AC3E}">
@@ -12479,6 +17076,76 @@
           </a:extLst>
         </p:spPr>
       </p:pic>
+      <p:sp>
+        <p:nvSpPr>
+          <p:cNvPr id="4" name="Date Placeholder 3"/>
+          <p:cNvSpPr>
+            <a:spLocks noGrp="1"/>
+          </p:cNvSpPr>
+          <p:nvPr>
+            <p:ph type="dt" sz="half" idx="10"/>
+          </p:nvPr>
+        </p:nvSpPr>
+        <p:spPr/>
+        <p:txBody>
+          <a:bodyPr/>
+          <a:lstStyle/>
+          <a:p>
+            <a:r>
+              <a:rPr lang="en-US" smtClean="0"/>
+              <a:t>1/15/2023</a:t>
+            </a:r>
+            <a:endParaRPr lang="en-US" dirty="0"/>
+          </a:p>
+        </p:txBody>
+      </p:sp>
+      <p:sp>
+        <p:nvSpPr>
+          <p:cNvPr id="6" name="Footer Placeholder 5"/>
+          <p:cNvSpPr>
+            <a:spLocks noGrp="1"/>
+          </p:cNvSpPr>
+          <p:nvPr>
+            <p:ph type="ftr" sz="quarter" idx="11"/>
+          </p:nvPr>
+        </p:nvSpPr>
+        <p:spPr/>
+        <p:txBody>
+          <a:bodyPr/>
+          <a:lstStyle/>
+          <a:p>
+            <a:r>
+              <a:rPr lang="en-US" smtClean="0"/>
+              <a:t>Sercan KÜLCÜ, Tanenbaum, Modern Operating Systems 3e kitabından faydalanılmıştır. Tüm hakları saklıdır.</a:t>
+            </a:r>
+            <a:endParaRPr lang="en-US" dirty="0"/>
+          </a:p>
+        </p:txBody>
+      </p:sp>
+      <p:sp>
+        <p:nvSpPr>
+          <p:cNvPr id="7" name="Slide Number Placeholder 6"/>
+          <p:cNvSpPr>
+            <a:spLocks noGrp="1"/>
+          </p:cNvSpPr>
+          <p:nvPr>
+            <p:ph type="sldNum" sz="quarter" idx="12"/>
+          </p:nvPr>
+        </p:nvSpPr>
+        <p:spPr/>
+        <p:txBody>
+          <a:bodyPr/>
+          <a:lstStyle/>
+          <a:p>
+            <a:fld id="{D57F1E4F-1CFF-5643-939E-217C01CDF565}" type="slidenum">
+              <a:rPr lang="en-US" smtClean="0"/>
+              <a:pPr/>
+              <a:t>53</a:t>
+            </a:fld>
+            <a:endParaRPr lang="en-US" dirty="0"/>
+          </a:p>
+        </p:txBody>
+      </p:sp>
     </p:spTree>
     <p:extLst>
       <p:ext uri="{BB962C8B-B14F-4D97-AF65-F5344CB8AC3E}">
@@ -12703,6 +17370,76 @@
           </a:p>
         </p:txBody>
       </p:sp>
+      <p:sp>
+        <p:nvSpPr>
+          <p:cNvPr id="4" name="Date Placeholder 3"/>
+          <p:cNvSpPr>
+            <a:spLocks noGrp="1"/>
+          </p:cNvSpPr>
+          <p:nvPr>
+            <p:ph type="dt" sz="half" idx="10"/>
+          </p:nvPr>
+        </p:nvSpPr>
+        <p:spPr/>
+        <p:txBody>
+          <a:bodyPr/>
+          <a:lstStyle/>
+          <a:p>
+            <a:r>
+              <a:rPr lang="en-US" smtClean="0"/>
+              <a:t>1/15/2023</a:t>
+            </a:r>
+            <a:endParaRPr lang="en-US" dirty="0"/>
+          </a:p>
+        </p:txBody>
+      </p:sp>
+      <p:sp>
+        <p:nvSpPr>
+          <p:cNvPr id="5" name="Footer Placeholder 4"/>
+          <p:cNvSpPr>
+            <a:spLocks noGrp="1"/>
+          </p:cNvSpPr>
+          <p:nvPr>
+            <p:ph type="ftr" sz="quarter" idx="11"/>
+          </p:nvPr>
+        </p:nvSpPr>
+        <p:spPr/>
+        <p:txBody>
+          <a:bodyPr/>
+          <a:lstStyle/>
+          <a:p>
+            <a:r>
+              <a:rPr lang="en-US" smtClean="0"/>
+              <a:t>Sercan KÜLCÜ, Tanenbaum, Modern Operating Systems 3e kitabından faydalanılmıştır. Tüm hakları saklıdır.</a:t>
+            </a:r>
+            <a:endParaRPr lang="en-US" dirty="0"/>
+          </a:p>
+        </p:txBody>
+      </p:sp>
+      <p:sp>
+        <p:nvSpPr>
+          <p:cNvPr id="6" name="Slide Number Placeholder 5"/>
+          <p:cNvSpPr>
+            <a:spLocks noGrp="1"/>
+          </p:cNvSpPr>
+          <p:nvPr>
+            <p:ph type="sldNum" sz="quarter" idx="12"/>
+          </p:nvPr>
+        </p:nvSpPr>
+        <p:spPr/>
+        <p:txBody>
+          <a:bodyPr/>
+          <a:lstStyle/>
+          <a:p>
+            <a:fld id="{D57F1E4F-1CFF-5643-939E-217C01CDF565}" type="slidenum">
+              <a:rPr lang="en-US" smtClean="0"/>
+              <a:pPr/>
+              <a:t>54</a:t>
+            </a:fld>
+            <a:endParaRPr lang="en-US" dirty="0"/>
+          </a:p>
+        </p:txBody>
+      </p:sp>
     </p:spTree>
     <p:extLst>
       <p:ext uri="{BB962C8B-B14F-4D97-AF65-F5344CB8AC3E}">
@@ -12834,6 +17571,76 @@
               <a:rPr lang="tr-TR" dirty="0"/>
               <a:t>bir çözüm</a:t>
             </a:r>
+          </a:p>
+        </p:txBody>
+      </p:sp>
+      <p:sp>
+        <p:nvSpPr>
+          <p:cNvPr id="4" name="Date Placeholder 3"/>
+          <p:cNvSpPr>
+            <a:spLocks noGrp="1"/>
+          </p:cNvSpPr>
+          <p:nvPr>
+            <p:ph type="dt" sz="half" idx="10"/>
+          </p:nvPr>
+        </p:nvSpPr>
+        <p:spPr/>
+        <p:txBody>
+          <a:bodyPr/>
+          <a:lstStyle/>
+          <a:p>
+            <a:r>
+              <a:rPr lang="en-US" smtClean="0"/>
+              <a:t>1/15/2023</a:t>
+            </a:r>
+            <a:endParaRPr lang="en-US" dirty="0"/>
+          </a:p>
+        </p:txBody>
+      </p:sp>
+      <p:sp>
+        <p:nvSpPr>
+          <p:cNvPr id="5" name="Footer Placeholder 4"/>
+          <p:cNvSpPr>
+            <a:spLocks noGrp="1"/>
+          </p:cNvSpPr>
+          <p:nvPr>
+            <p:ph type="ftr" sz="quarter" idx="11"/>
+          </p:nvPr>
+        </p:nvSpPr>
+        <p:spPr/>
+        <p:txBody>
+          <a:bodyPr/>
+          <a:lstStyle/>
+          <a:p>
+            <a:r>
+              <a:rPr lang="en-US" smtClean="0"/>
+              <a:t>Sercan KÜLCÜ, Tanenbaum, Modern Operating Systems 3e kitabından faydalanılmıştır. Tüm hakları saklıdır.</a:t>
+            </a:r>
+            <a:endParaRPr lang="en-US" dirty="0"/>
+          </a:p>
+        </p:txBody>
+      </p:sp>
+      <p:sp>
+        <p:nvSpPr>
+          <p:cNvPr id="6" name="Slide Number Placeholder 5"/>
+          <p:cNvSpPr>
+            <a:spLocks noGrp="1"/>
+          </p:cNvSpPr>
+          <p:nvPr>
+            <p:ph type="sldNum" sz="quarter" idx="12"/>
+          </p:nvPr>
+        </p:nvSpPr>
+        <p:spPr/>
+        <p:txBody>
+          <a:bodyPr/>
+          <a:lstStyle/>
+          <a:p>
+            <a:fld id="{D57F1E4F-1CFF-5643-939E-217C01CDF565}" type="slidenum">
+              <a:rPr lang="en-US" smtClean="0"/>
+              <a:pPr/>
+              <a:t>55</a:t>
+            </a:fld>
+            <a:endParaRPr lang="en-US" dirty="0"/>
           </a:p>
         </p:txBody>
       </p:sp>
@@ -12980,6 +17787,76 @@
           </a:extLst>
         </p:spPr>
       </p:pic>
+      <p:sp>
+        <p:nvSpPr>
+          <p:cNvPr id="5" name="Date Placeholder 4"/>
+          <p:cNvSpPr>
+            <a:spLocks noGrp="1"/>
+          </p:cNvSpPr>
+          <p:nvPr>
+            <p:ph type="dt" sz="half" idx="10"/>
+          </p:nvPr>
+        </p:nvSpPr>
+        <p:spPr/>
+        <p:txBody>
+          <a:bodyPr/>
+          <a:lstStyle/>
+          <a:p>
+            <a:r>
+              <a:rPr lang="en-US" smtClean="0"/>
+              <a:t>1/15/2023</a:t>
+            </a:r>
+            <a:endParaRPr lang="en-US" dirty="0"/>
+          </a:p>
+        </p:txBody>
+      </p:sp>
+      <p:sp>
+        <p:nvSpPr>
+          <p:cNvPr id="6" name="Footer Placeholder 5"/>
+          <p:cNvSpPr>
+            <a:spLocks noGrp="1"/>
+          </p:cNvSpPr>
+          <p:nvPr>
+            <p:ph type="ftr" sz="quarter" idx="11"/>
+          </p:nvPr>
+        </p:nvSpPr>
+        <p:spPr/>
+        <p:txBody>
+          <a:bodyPr/>
+          <a:lstStyle/>
+          <a:p>
+            <a:r>
+              <a:rPr lang="en-US" smtClean="0"/>
+              <a:t>Sercan KÜLCÜ, Tanenbaum, Modern Operating Systems 3e kitabından faydalanılmıştır. Tüm hakları saklıdır.</a:t>
+            </a:r>
+            <a:endParaRPr lang="en-US" dirty="0"/>
+          </a:p>
+        </p:txBody>
+      </p:sp>
+      <p:sp>
+        <p:nvSpPr>
+          <p:cNvPr id="7" name="Slide Number Placeholder 6"/>
+          <p:cNvSpPr>
+            <a:spLocks noGrp="1"/>
+          </p:cNvSpPr>
+          <p:nvPr>
+            <p:ph type="sldNum" sz="quarter" idx="12"/>
+          </p:nvPr>
+        </p:nvSpPr>
+        <p:spPr/>
+        <p:txBody>
+          <a:bodyPr/>
+          <a:lstStyle/>
+          <a:p>
+            <a:fld id="{D57F1E4F-1CFF-5643-939E-217C01CDF565}" type="slidenum">
+              <a:rPr lang="en-US" smtClean="0"/>
+              <a:pPr/>
+              <a:t>56</a:t>
+            </a:fld>
+            <a:endParaRPr lang="en-US" dirty="0"/>
+          </a:p>
+        </p:txBody>
+      </p:sp>
     </p:spTree>
     <p:extLst>
       <p:ext uri="{BB962C8B-B14F-4D97-AF65-F5344CB8AC3E}">
@@ -13113,6 +17990,76 @@
           </a:p>
         </p:txBody>
       </p:sp>
+      <p:sp>
+        <p:nvSpPr>
+          <p:cNvPr id="4" name="Date Placeholder 3"/>
+          <p:cNvSpPr>
+            <a:spLocks noGrp="1"/>
+          </p:cNvSpPr>
+          <p:nvPr>
+            <p:ph type="dt" sz="half" idx="10"/>
+          </p:nvPr>
+        </p:nvSpPr>
+        <p:spPr/>
+        <p:txBody>
+          <a:bodyPr/>
+          <a:lstStyle/>
+          <a:p>
+            <a:r>
+              <a:rPr lang="en-US" smtClean="0"/>
+              <a:t>1/15/2023</a:t>
+            </a:r>
+            <a:endParaRPr lang="en-US" dirty="0"/>
+          </a:p>
+        </p:txBody>
+      </p:sp>
+      <p:sp>
+        <p:nvSpPr>
+          <p:cNvPr id="5" name="Footer Placeholder 4"/>
+          <p:cNvSpPr>
+            <a:spLocks noGrp="1"/>
+          </p:cNvSpPr>
+          <p:nvPr>
+            <p:ph type="ftr" sz="quarter" idx="11"/>
+          </p:nvPr>
+        </p:nvSpPr>
+        <p:spPr/>
+        <p:txBody>
+          <a:bodyPr/>
+          <a:lstStyle/>
+          <a:p>
+            <a:r>
+              <a:rPr lang="en-US" smtClean="0"/>
+              <a:t>Sercan KÜLCÜ, Tanenbaum, Modern Operating Systems 3e kitabından faydalanılmıştır. Tüm hakları saklıdır.</a:t>
+            </a:r>
+            <a:endParaRPr lang="en-US" dirty="0"/>
+          </a:p>
+        </p:txBody>
+      </p:sp>
+      <p:sp>
+        <p:nvSpPr>
+          <p:cNvPr id="6" name="Slide Number Placeholder 5"/>
+          <p:cNvSpPr>
+            <a:spLocks noGrp="1"/>
+          </p:cNvSpPr>
+          <p:nvPr>
+            <p:ph type="sldNum" sz="quarter" idx="12"/>
+          </p:nvPr>
+        </p:nvSpPr>
+        <p:spPr/>
+        <p:txBody>
+          <a:bodyPr/>
+          <a:lstStyle/>
+          <a:p>
+            <a:fld id="{D57F1E4F-1CFF-5643-939E-217C01CDF565}" type="slidenum">
+              <a:rPr lang="en-US" smtClean="0"/>
+              <a:pPr/>
+              <a:t>57</a:t>
+            </a:fld>
+            <a:endParaRPr lang="en-US" dirty="0"/>
+          </a:p>
+        </p:txBody>
+      </p:sp>
     </p:spTree>
     <p:extLst>
       <p:ext uri="{BB962C8B-B14F-4D97-AF65-F5344CB8AC3E}">
@@ -13338,6 +18285,76 @@
           </a:p>
         </p:txBody>
       </p:sp>
+      <p:sp>
+        <p:nvSpPr>
+          <p:cNvPr id="4" name="Date Placeholder 3"/>
+          <p:cNvSpPr>
+            <a:spLocks noGrp="1"/>
+          </p:cNvSpPr>
+          <p:nvPr>
+            <p:ph type="dt" sz="half" idx="10"/>
+          </p:nvPr>
+        </p:nvSpPr>
+        <p:spPr/>
+        <p:txBody>
+          <a:bodyPr/>
+          <a:lstStyle/>
+          <a:p>
+            <a:r>
+              <a:rPr lang="en-US" smtClean="0"/>
+              <a:t>1/15/2023</a:t>
+            </a:r>
+            <a:endParaRPr lang="en-US" dirty="0"/>
+          </a:p>
+        </p:txBody>
+      </p:sp>
+      <p:sp>
+        <p:nvSpPr>
+          <p:cNvPr id="5" name="Footer Placeholder 4"/>
+          <p:cNvSpPr>
+            <a:spLocks noGrp="1"/>
+          </p:cNvSpPr>
+          <p:nvPr>
+            <p:ph type="ftr" sz="quarter" idx="11"/>
+          </p:nvPr>
+        </p:nvSpPr>
+        <p:spPr/>
+        <p:txBody>
+          <a:bodyPr/>
+          <a:lstStyle/>
+          <a:p>
+            <a:r>
+              <a:rPr lang="en-US" smtClean="0"/>
+              <a:t>Sercan KÜLCÜ, Tanenbaum, Modern Operating Systems 3e kitabından faydalanılmıştır. Tüm hakları saklıdır.</a:t>
+            </a:r>
+            <a:endParaRPr lang="en-US" dirty="0"/>
+          </a:p>
+        </p:txBody>
+      </p:sp>
+      <p:sp>
+        <p:nvSpPr>
+          <p:cNvPr id="6" name="Slide Number Placeholder 5"/>
+          <p:cNvSpPr>
+            <a:spLocks noGrp="1"/>
+          </p:cNvSpPr>
+          <p:nvPr>
+            <p:ph type="sldNum" sz="quarter" idx="12"/>
+          </p:nvPr>
+        </p:nvSpPr>
+        <p:spPr/>
+        <p:txBody>
+          <a:bodyPr/>
+          <a:lstStyle/>
+          <a:p>
+            <a:fld id="{D57F1E4F-1CFF-5643-939E-217C01CDF565}" type="slidenum">
+              <a:rPr lang="en-US" smtClean="0"/>
+              <a:pPr/>
+              <a:t>58</a:t>
+            </a:fld>
+            <a:endParaRPr lang="en-US" dirty="0"/>
+          </a:p>
+        </p:txBody>
+      </p:sp>
     </p:spTree>
     <p:extLst>
       <p:ext uri="{BB962C8B-B14F-4D97-AF65-F5344CB8AC3E}">
@@ -13528,6 +18545,76 @@
           </a:p>
         </p:txBody>
       </p:sp>
+      <p:sp>
+        <p:nvSpPr>
+          <p:cNvPr id="4" name="Date Placeholder 3"/>
+          <p:cNvSpPr>
+            <a:spLocks noGrp="1"/>
+          </p:cNvSpPr>
+          <p:nvPr>
+            <p:ph type="dt" sz="half" idx="10"/>
+          </p:nvPr>
+        </p:nvSpPr>
+        <p:spPr/>
+        <p:txBody>
+          <a:bodyPr/>
+          <a:lstStyle/>
+          <a:p>
+            <a:r>
+              <a:rPr lang="en-US" smtClean="0"/>
+              <a:t>1/15/2023</a:t>
+            </a:r>
+            <a:endParaRPr lang="en-US" dirty="0"/>
+          </a:p>
+        </p:txBody>
+      </p:sp>
+      <p:sp>
+        <p:nvSpPr>
+          <p:cNvPr id="5" name="Footer Placeholder 4"/>
+          <p:cNvSpPr>
+            <a:spLocks noGrp="1"/>
+          </p:cNvSpPr>
+          <p:nvPr>
+            <p:ph type="ftr" sz="quarter" idx="11"/>
+          </p:nvPr>
+        </p:nvSpPr>
+        <p:spPr/>
+        <p:txBody>
+          <a:bodyPr/>
+          <a:lstStyle/>
+          <a:p>
+            <a:r>
+              <a:rPr lang="en-US" smtClean="0"/>
+              <a:t>Sercan KÜLCÜ, Tanenbaum, Modern Operating Systems 3e kitabından faydalanılmıştır. Tüm hakları saklıdır.</a:t>
+            </a:r>
+            <a:endParaRPr lang="en-US" dirty="0"/>
+          </a:p>
+        </p:txBody>
+      </p:sp>
+      <p:sp>
+        <p:nvSpPr>
+          <p:cNvPr id="6" name="Slide Number Placeholder 5"/>
+          <p:cNvSpPr>
+            <a:spLocks noGrp="1"/>
+          </p:cNvSpPr>
+          <p:nvPr>
+            <p:ph type="sldNum" sz="quarter" idx="12"/>
+          </p:nvPr>
+        </p:nvSpPr>
+        <p:spPr/>
+        <p:txBody>
+          <a:bodyPr/>
+          <a:lstStyle/>
+          <a:p>
+            <a:fld id="{D57F1E4F-1CFF-5643-939E-217C01CDF565}" type="slidenum">
+              <a:rPr lang="en-US" smtClean="0"/>
+              <a:pPr/>
+              <a:t>59</a:t>
+            </a:fld>
+            <a:endParaRPr lang="en-US" dirty="0"/>
+          </a:p>
+        </p:txBody>
+      </p:sp>
     </p:spTree>
     <p:extLst>
       <p:ext uri="{BB962C8B-B14F-4D97-AF65-F5344CB8AC3E}">
@@ -13714,6 +18801,76 @@
           </a:p>
         </p:txBody>
       </p:sp>
+      <p:sp>
+        <p:nvSpPr>
+          <p:cNvPr id="4" name="Date Placeholder 3"/>
+          <p:cNvSpPr>
+            <a:spLocks noGrp="1"/>
+          </p:cNvSpPr>
+          <p:nvPr>
+            <p:ph type="dt" sz="half" idx="10"/>
+          </p:nvPr>
+        </p:nvSpPr>
+        <p:spPr/>
+        <p:txBody>
+          <a:bodyPr/>
+          <a:lstStyle/>
+          <a:p>
+            <a:r>
+              <a:rPr lang="en-US" smtClean="0"/>
+              <a:t>1/15/2023</a:t>
+            </a:r>
+            <a:endParaRPr lang="en-US" dirty="0"/>
+          </a:p>
+        </p:txBody>
+      </p:sp>
+      <p:sp>
+        <p:nvSpPr>
+          <p:cNvPr id="5" name="Footer Placeholder 4"/>
+          <p:cNvSpPr>
+            <a:spLocks noGrp="1"/>
+          </p:cNvSpPr>
+          <p:nvPr>
+            <p:ph type="ftr" sz="quarter" idx="11"/>
+          </p:nvPr>
+        </p:nvSpPr>
+        <p:spPr/>
+        <p:txBody>
+          <a:bodyPr/>
+          <a:lstStyle/>
+          <a:p>
+            <a:r>
+              <a:rPr lang="en-US" smtClean="0"/>
+              <a:t>Sercan KÜLCÜ, Tanenbaum, Modern Operating Systems 3e kitabından faydalanılmıştır. Tüm hakları saklıdır.</a:t>
+            </a:r>
+            <a:endParaRPr lang="en-US" dirty="0"/>
+          </a:p>
+        </p:txBody>
+      </p:sp>
+      <p:sp>
+        <p:nvSpPr>
+          <p:cNvPr id="6" name="Slide Number Placeholder 5"/>
+          <p:cNvSpPr>
+            <a:spLocks noGrp="1"/>
+          </p:cNvSpPr>
+          <p:nvPr>
+            <p:ph type="sldNum" sz="quarter" idx="12"/>
+          </p:nvPr>
+        </p:nvSpPr>
+        <p:spPr/>
+        <p:txBody>
+          <a:bodyPr/>
+          <a:lstStyle/>
+          <a:p>
+            <a:fld id="{D57F1E4F-1CFF-5643-939E-217C01CDF565}" type="slidenum">
+              <a:rPr lang="en-US" smtClean="0"/>
+              <a:pPr/>
+              <a:t>6</a:t>
+            </a:fld>
+            <a:endParaRPr lang="en-US" dirty="0"/>
+          </a:p>
+        </p:txBody>
+      </p:sp>
     </p:spTree>
     <p:extLst>
       <p:ext uri="{BB962C8B-B14F-4D97-AF65-F5344CB8AC3E}">
@@ -13827,6 +18984,76 @@
           </a:prstGeom>
         </p:spPr>
       </p:pic>
+      <p:sp>
+        <p:nvSpPr>
+          <p:cNvPr id="4" name="Date Placeholder 3"/>
+          <p:cNvSpPr>
+            <a:spLocks noGrp="1"/>
+          </p:cNvSpPr>
+          <p:nvPr>
+            <p:ph type="dt" sz="half" idx="10"/>
+          </p:nvPr>
+        </p:nvSpPr>
+        <p:spPr/>
+        <p:txBody>
+          <a:bodyPr/>
+          <a:lstStyle/>
+          <a:p>
+            <a:r>
+              <a:rPr lang="en-US" smtClean="0"/>
+              <a:t>1/15/2023</a:t>
+            </a:r>
+            <a:endParaRPr lang="en-US" dirty="0"/>
+          </a:p>
+        </p:txBody>
+      </p:sp>
+      <p:sp>
+        <p:nvSpPr>
+          <p:cNvPr id="6" name="Footer Placeholder 5"/>
+          <p:cNvSpPr>
+            <a:spLocks noGrp="1"/>
+          </p:cNvSpPr>
+          <p:nvPr>
+            <p:ph type="ftr" sz="quarter" idx="11"/>
+          </p:nvPr>
+        </p:nvSpPr>
+        <p:spPr/>
+        <p:txBody>
+          <a:bodyPr/>
+          <a:lstStyle/>
+          <a:p>
+            <a:r>
+              <a:rPr lang="en-US" smtClean="0"/>
+              <a:t>Sercan KÜLCÜ, Tanenbaum, Modern Operating Systems 3e kitabından faydalanılmıştır. Tüm hakları saklıdır.</a:t>
+            </a:r>
+            <a:endParaRPr lang="en-US" dirty="0"/>
+          </a:p>
+        </p:txBody>
+      </p:sp>
+      <p:sp>
+        <p:nvSpPr>
+          <p:cNvPr id="7" name="Slide Number Placeholder 6"/>
+          <p:cNvSpPr>
+            <a:spLocks noGrp="1"/>
+          </p:cNvSpPr>
+          <p:nvPr>
+            <p:ph type="sldNum" sz="quarter" idx="12"/>
+          </p:nvPr>
+        </p:nvSpPr>
+        <p:spPr/>
+        <p:txBody>
+          <a:bodyPr/>
+          <a:lstStyle/>
+          <a:p>
+            <a:fld id="{D57F1E4F-1CFF-5643-939E-217C01CDF565}" type="slidenum">
+              <a:rPr lang="en-US" smtClean="0"/>
+              <a:pPr/>
+              <a:t>60</a:t>
+            </a:fld>
+            <a:endParaRPr lang="en-US" dirty="0"/>
+          </a:p>
+        </p:txBody>
+      </p:sp>
     </p:spTree>
     <p:extLst>
       <p:ext uri="{BB962C8B-B14F-4D97-AF65-F5344CB8AC3E}">
@@ -13982,6 +19209,76 @@
           </a:extLst>
         </p:spPr>
       </p:pic>
+      <p:sp>
+        <p:nvSpPr>
+          <p:cNvPr id="5" name="Date Placeholder 4"/>
+          <p:cNvSpPr>
+            <a:spLocks noGrp="1"/>
+          </p:cNvSpPr>
+          <p:nvPr>
+            <p:ph type="dt" sz="half" idx="10"/>
+          </p:nvPr>
+        </p:nvSpPr>
+        <p:spPr/>
+        <p:txBody>
+          <a:bodyPr/>
+          <a:lstStyle/>
+          <a:p>
+            <a:r>
+              <a:rPr lang="en-US" smtClean="0"/>
+              <a:t>1/15/2023</a:t>
+            </a:r>
+            <a:endParaRPr lang="en-US" dirty="0"/>
+          </a:p>
+        </p:txBody>
+      </p:sp>
+      <p:sp>
+        <p:nvSpPr>
+          <p:cNvPr id="6" name="Footer Placeholder 5"/>
+          <p:cNvSpPr>
+            <a:spLocks noGrp="1"/>
+          </p:cNvSpPr>
+          <p:nvPr>
+            <p:ph type="ftr" sz="quarter" idx="11"/>
+          </p:nvPr>
+        </p:nvSpPr>
+        <p:spPr/>
+        <p:txBody>
+          <a:bodyPr/>
+          <a:lstStyle/>
+          <a:p>
+            <a:r>
+              <a:rPr lang="en-US" smtClean="0"/>
+              <a:t>Sercan KÜLCÜ, Tanenbaum, Modern Operating Systems 3e kitabından faydalanılmıştır. Tüm hakları saklıdır.</a:t>
+            </a:r>
+            <a:endParaRPr lang="en-US" dirty="0"/>
+          </a:p>
+        </p:txBody>
+      </p:sp>
+      <p:sp>
+        <p:nvSpPr>
+          <p:cNvPr id="7" name="Slide Number Placeholder 6"/>
+          <p:cNvSpPr>
+            <a:spLocks noGrp="1"/>
+          </p:cNvSpPr>
+          <p:nvPr>
+            <p:ph type="sldNum" sz="quarter" idx="12"/>
+          </p:nvPr>
+        </p:nvSpPr>
+        <p:spPr/>
+        <p:txBody>
+          <a:bodyPr/>
+          <a:lstStyle/>
+          <a:p>
+            <a:fld id="{D57F1E4F-1CFF-5643-939E-217C01CDF565}" type="slidenum">
+              <a:rPr lang="en-US" smtClean="0"/>
+              <a:pPr/>
+              <a:t>61</a:t>
+            </a:fld>
+            <a:endParaRPr lang="en-US" dirty="0"/>
+          </a:p>
+        </p:txBody>
+      </p:sp>
     </p:spTree>
     <p:extLst>
       <p:ext uri="{BB962C8B-B14F-4D97-AF65-F5344CB8AC3E}">
@@ -14133,6 +19430,76 @@
           </a:extLst>
         </p:spPr>
       </p:pic>
+      <p:sp>
+        <p:nvSpPr>
+          <p:cNvPr id="5" name="Date Placeholder 4"/>
+          <p:cNvSpPr>
+            <a:spLocks noGrp="1"/>
+          </p:cNvSpPr>
+          <p:nvPr>
+            <p:ph type="dt" sz="half" idx="10"/>
+          </p:nvPr>
+        </p:nvSpPr>
+        <p:spPr/>
+        <p:txBody>
+          <a:bodyPr/>
+          <a:lstStyle/>
+          <a:p>
+            <a:r>
+              <a:rPr lang="en-US" smtClean="0"/>
+              <a:t>1/15/2023</a:t>
+            </a:r>
+            <a:endParaRPr lang="en-US" dirty="0"/>
+          </a:p>
+        </p:txBody>
+      </p:sp>
+      <p:sp>
+        <p:nvSpPr>
+          <p:cNvPr id="6" name="Footer Placeholder 5"/>
+          <p:cNvSpPr>
+            <a:spLocks noGrp="1"/>
+          </p:cNvSpPr>
+          <p:nvPr>
+            <p:ph type="ftr" sz="quarter" idx="11"/>
+          </p:nvPr>
+        </p:nvSpPr>
+        <p:spPr/>
+        <p:txBody>
+          <a:bodyPr/>
+          <a:lstStyle/>
+          <a:p>
+            <a:r>
+              <a:rPr lang="en-US" smtClean="0"/>
+              <a:t>Sercan KÜLCÜ, Tanenbaum, Modern Operating Systems 3e kitabından faydalanılmıştır. Tüm hakları saklıdır.</a:t>
+            </a:r>
+            <a:endParaRPr lang="en-US" dirty="0"/>
+          </a:p>
+        </p:txBody>
+      </p:sp>
+      <p:sp>
+        <p:nvSpPr>
+          <p:cNvPr id="7" name="Slide Number Placeholder 6"/>
+          <p:cNvSpPr>
+            <a:spLocks noGrp="1"/>
+          </p:cNvSpPr>
+          <p:nvPr>
+            <p:ph type="sldNum" sz="quarter" idx="12"/>
+          </p:nvPr>
+        </p:nvSpPr>
+        <p:spPr/>
+        <p:txBody>
+          <a:bodyPr/>
+          <a:lstStyle/>
+          <a:p>
+            <a:fld id="{D57F1E4F-1CFF-5643-939E-217C01CDF565}" type="slidenum">
+              <a:rPr lang="en-US" smtClean="0"/>
+              <a:pPr/>
+              <a:t>62</a:t>
+            </a:fld>
+            <a:endParaRPr lang="en-US" dirty="0"/>
+          </a:p>
+        </p:txBody>
+      </p:sp>
     </p:spTree>
     <p:extLst>
       <p:ext uri="{BB962C8B-B14F-4D97-AF65-F5344CB8AC3E}">
@@ -14283,6 +19650,76 @@
           </a:extLst>
         </p:spPr>
       </p:pic>
+      <p:sp>
+        <p:nvSpPr>
+          <p:cNvPr id="5" name="Date Placeholder 4"/>
+          <p:cNvSpPr>
+            <a:spLocks noGrp="1"/>
+          </p:cNvSpPr>
+          <p:nvPr>
+            <p:ph type="dt" sz="half" idx="10"/>
+          </p:nvPr>
+        </p:nvSpPr>
+        <p:spPr/>
+        <p:txBody>
+          <a:bodyPr/>
+          <a:lstStyle/>
+          <a:p>
+            <a:r>
+              <a:rPr lang="en-US" smtClean="0"/>
+              <a:t>1/15/2023</a:t>
+            </a:r>
+            <a:endParaRPr lang="en-US" dirty="0"/>
+          </a:p>
+        </p:txBody>
+      </p:sp>
+      <p:sp>
+        <p:nvSpPr>
+          <p:cNvPr id="6" name="Footer Placeholder 5"/>
+          <p:cNvSpPr>
+            <a:spLocks noGrp="1"/>
+          </p:cNvSpPr>
+          <p:nvPr>
+            <p:ph type="ftr" sz="quarter" idx="11"/>
+          </p:nvPr>
+        </p:nvSpPr>
+        <p:spPr/>
+        <p:txBody>
+          <a:bodyPr/>
+          <a:lstStyle/>
+          <a:p>
+            <a:r>
+              <a:rPr lang="en-US" smtClean="0"/>
+              <a:t>Sercan KÜLCÜ, Tanenbaum, Modern Operating Systems 3e kitabından faydalanılmıştır. Tüm hakları saklıdır.</a:t>
+            </a:r>
+            <a:endParaRPr lang="en-US" dirty="0"/>
+          </a:p>
+        </p:txBody>
+      </p:sp>
+      <p:sp>
+        <p:nvSpPr>
+          <p:cNvPr id="7" name="Slide Number Placeholder 6"/>
+          <p:cNvSpPr>
+            <a:spLocks noGrp="1"/>
+          </p:cNvSpPr>
+          <p:nvPr>
+            <p:ph type="sldNum" sz="quarter" idx="12"/>
+          </p:nvPr>
+        </p:nvSpPr>
+        <p:spPr/>
+        <p:txBody>
+          <a:bodyPr/>
+          <a:lstStyle/>
+          <a:p>
+            <a:fld id="{D57F1E4F-1CFF-5643-939E-217C01CDF565}" type="slidenum">
+              <a:rPr lang="en-US" smtClean="0"/>
+              <a:pPr/>
+              <a:t>63</a:t>
+            </a:fld>
+            <a:endParaRPr lang="en-US" dirty="0"/>
+          </a:p>
+        </p:txBody>
+      </p:sp>
     </p:spTree>
     <p:extLst>
       <p:ext uri="{BB962C8B-B14F-4D97-AF65-F5344CB8AC3E}">
@@ -14434,6 +19871,76 @@
           </a:extLst>
         </p:spPr>
       </p:pic>
+      <p:sp>
+        <p:nvSpPr>
+          <p:cNvPr id="5" name="Date Placeholder 4"/>
+          <p:cNvSpPr>
+            <a:spLocks noGrp="1"/>
+          </p:cNvSpPr>
+          <p:nvPr>
+            <p:ph type="dt" sz="half" idx="10"/>
+          </p:nvPr>
+        </p:nvSpPr>
+        <p:spPr/>
+        <p:txBody>
+          <a:bodyPr/>
+          <a:lstStyle/>
+          <a:p>
+            <a:r>
+              <a:rPr lang="en-US" smtClean="0"/>
+              <a:t>1/15/2023</a:t>
+            </a:r>
+            <a:endParaRPr lang="en-US" dirty="0"/>
+          </a:p>
+        </p:txBody>
+      </p:sp>
+      <p:sp>
+        <p:nvSpPr>
+          <p:cNvPr id="6" name="Footer Placeholder 5"/>
+          <p:cNvSpPr>
+            <a:spLocks noGrp="1"/>
+          </p:cNvSpPr>
+          <p:nvPr>
+            <p:ph type="ftr" sz="quarter" idx="11"/>
+          </p:nvPr>
+        </p:nvSpPr>
+        <p:spPr/>
+        <p:txBody>
+          <a:bodyPr/>
+          <a:lstStyle/>
+          <a:p>
+            <a:r>
+              <a:rPr lang="en-US" smtClean="0"/>
+              <a:t>Sercan KÜLCÜ, Tanenbaum, Modern Operating Systems 3e kitabından faydalanılmıştır. Tüm hakları saklıdır.</a:t>
+            </a:r>
+            <a:endParaRPr lang="en-US" dirty="0"/>
+          </a:p>
+        </p:txBody>
+      </p:sp>
+      <p:sp>
+        <p:nvSpPr>
+          <p:cNvPr id="7" name="Slide Number Placeholder 6"/>
+          <p:cNvSpPr>
+            <a:spLocks noGrp="1"/>
+          </p:cNvSpPr>
+          <p:nvPr>
+            <p:ph type="sldNum" sz="quarter" idx="12"/>
+          </p:nvPr>
+        </p:nvSpPr>
+        <p:spPr/>
+        <p:txBody>
+          <a:bodyPr/>
+          <a:lstStyle/>
+          <a:p>
+            <a:fld id="{D57F1E4F-1CFF-5643-939E-217C01CDF565}" type="slidenum">
+              <a:rPr lang="en-US" smtClean="0"/>
+              <a:pPr/>
+              <a:t>64</a:t>
+            </a:fld>
+            <a:endParaRPr lang="en-US" dirty="0"/>
+          </a:p>
+        </p:txBody>
+      </p:sp>
     </p:spTree>
     <p:extLst>
       <p:ext uri="{BB962C8B-B14F-4D97-AF65-F5344CB8AC3E}">
@@ -14640,6 +20147,76 @@
               <a:rPr lang="tr-TR" dirty="0"/>
               <a:t>öğelere doğrudan erişemez.</a:t>
             </a:r>
+          </a:p>
+        </p:txBody>
+      </p:sp>
+      <p:sp>
+        <p:nvSpPr>
+          <p:cNvPr id="4" name="Date Placeholder 3"/>
+          <p:cNvSpPr>
+            <a:spLocks noGrp="1"/>
+          </p:cNvSpPr>
+          <p:nvPr>
+            <p:ph type="dt" sz="half" idx="10"/>
+          </p:nvPr>
+        </p:nvSpPr>
+        <p:spPr/>
+        <p:txBody>
+          <a:bodyPr/>
+          <a:lstStyle/>
+          <a:p>
+            <a:r>
+              <a:rPr lang="en-US" smtClean="0"/>
+              <a:t>1/15/2023</a:t>
+            </a:r>
+            <a:endParaRPr lang="en-US" dirty="0"/>
+          </a:p>
+        </p:txBody>
+      </p:sp>
+      <p:sp>
+        <p:nvSpPr>
+          <p:cNvPr id="5" name="Footer Placeholder 4"/>
+          <p:cNvSpPr>
+            <a:spLocks noGrp="1"/>
+          </p:cNvSpPr>
+          <p:nvPr>
+            <p:ph type="ftr" sz="quarter" idx="11"/>
+          </p:nvPr>
+        </p:nvSpPr>
+        <p:spPr/>
+        <p:txBody>
+          <a:bodyPr/>
+          <a:lstStyle/>
+          <a:p>
+            <a:r>
+              <a:rPr lang="en-US" smtClean="0"/>
+              <a:t>Sercan KÜLCÜ, Tanenbaum, Modern Operating Systems 3e kitabından faydalanılmıştır. Tüm hakları saklıdır.</a:t>
+            </a:r>
+            <a:endParaRPr lang="en-US" dirty="0"/>
+          </a:p>
+        </p:txBody>
+      </p:sp>
+      <p:sp>
+        <p:nvSpPr>
+          <p:cNvPr id="6" name="Slide Number Placeholder 5"/>
+          <p:cNvSpPr>
+            <a:spLocks noGrp="1"/>
+          </p:cNvSpPr>
+          <p:nvPr>
+            <p:ph type="sldNum" sz="quarter" idx="12"/>
+          </p:nvPr>
+        </p:nvSpPr>
+        <p:spPr/>
+        <p:txBody>
+          <a:bodyPr/>
+          <a:lstStyle/>
+          <a:p>
+            <a:fld id="{D57F1E4F-1CFF-5643-939E-217C01CDF565}" type="slidenum">
+              <a:rPr lang="en-US" smtClean="0"/>
+              <a:pPr/>
+              <a:t>65</a:t>
+            </a:fld>
+            <a:endParaRPr lang="en-US" dirty="0"/>
           </a:p>
         </p:txBody>
       </p:sp>
@@ -14786,6 +20363,76 @@
           </a:extLst>
         </p:spPr>
       </p:pic>
+      <p:sp>
+        <p:nvSpPr>
+          <p:cNvPr id="4" name="Date Placeholder 3"/>
+          <p:cNvSpPr>
+            <a:spLocks noGrp="1"/>
+          </p:cNvSpPr>
+          <p:nvPr>
+            <p:ph type="dt" sz="half" idx="10"/>
+          </p:nvPr>
+        </p:nvSpPr>
+        <p:spPr/>
+        <p:txBody>
+          <a:bodyPr/>
+          <a:lstStyle/>
+          <a:p>
+            <a:r>
+              <a:rPr lang="en-US" smtClean="0"/>
+              <a:t>1/15/2023</a:t>
+            </a:r>
+            <a:endParaRPr lang="en-US" dirty="0"/>
+          </a:p>
+        </p:txBody>
+      </p:sp>
+      <p:sp>
+        <p:nvSpPr>
+          <p:cNvPr id="6" name="Footer Placeholder 5"/>
+          <p:cNvSpPr>
+            <a:spLocks noGrp="1"/>
+          </p:cNvSpPr>
+          <p:nvPr>
+            <p:ph type="ftr" sz="quarter" idx="11"/>
+          </p:nvPr>
+        </p:nvSpPr>
+        <p:spPr/>
+        <p:txBody>
+          <a:bodyPr/>
+          <a:lstStyle/>
+          <a:p>
+            <a:r>
+              <a:rPr lang="en-US" smtClean="0"/>
+              <a:t>Sercan KÜLCÜ, Tanenbaum, Modern Operating Systems 3e kitabından faydalanılmıştır. Tüm hakları saklıdır.</a:t>
+            </a:r>
+            <a:endParaRPr lang="en-US" dirty="0"/>
+          </a:p>
+        </p:txBody>
+      </p:sp>
+      <p:sp>
+        <p:nvSpPr>
+          <p:cNvPr id="7" name="Slide Number Placeholder 6"/>
+          <p:cNvSpPr>
+            <a:spLocks noGrp="1"/>
+          </p:cNvSpPr>
+          <p:nvPr>
+            <p:ph type="sldNum" sz="quarter" idx="12"/>
+          </p:nvPr>
+        </p:nvSpPr>
+        <p:spPr/>
+        <p:txBody>
+          <a:bodyPr/>
+          <a:lstStyle/>
+          <a:p>
+            <a:fld id="{D57F1E4F-1CFF-5643-939E-217C01CDF565}" type="slidenum">
+              <a:rPr lang="en-US" smtClean="0"/>
+              <a:pPr/>
+              <a:t>66</a:t>
+            </a:fld>
+            <a:endParaRPr lang="en-US" dirty="0"/>
+          </a:p>
+        </p:txBody>
+      </p:sp>
     </p:spTree>
     <p:extLst>
       <p:ext uri="{BB962C8B-B14F-4D97-AF65-F5344CB8AC3E}">
@@ -14975,6 +20622,76 @@
           </a:p>
         </p:txBody>
       </p:sp>
+      <p:sp>
+        <p:nvSpPr>
+          <p:cNvPr id="4" name="Date Placeholder 3"/>
+          <p:cNvSpPr>
+            <a:spLocks noGrp="1"/>
+          </p:cNvSpPr>
+          <p:nvPr>
+            <p:ph type="dt" sz="half" idx="10"/>
+          </p:nvPr>
+        </p:nvSpPr>
+        <p:spPr/>
+        <p:txBody>
+          <a:bodyPr/>
+          <a:lstStyle/>
+          <a:p>
+            <a:r>
+              <a:rPr lang="en-US" smtClean="0"/>
+              <a:t>1/15/2023</a:t>
+            </a:r>
+            <a:endParaRPr lang="en-US" dirty="0"/>
+          </a:p>
+        </p:txBody>
+      </p:sp>
+      <p:sp>
+        <p:nvSpPr>
+          <p:cNvPr id="5" name="Footer Placeholder 4"/>
+          <p:cNvSpPr>
+            <a:spLocks noGrp="1"/>
+          </p:cNvSpPr>
+          <p:nvPr>
+            <p:ph type="ftr" sz="quarter" idx="11"/>
+          </p:nvPr>
+        </p:nvSpPr>
+        <p:spPr/>
+        <p:txBody>
+          <a:bodyPr/>
+          <a:lstStyle/>
+          <a:p>
+            <a:r>
+              <a:rPr lang="en-US" smtClean="0"/>
+              <a:t>Sercan KÜLCÜ, Tanenbaum, Modern Operating Systems 3e kitabından faydalanılmıştır. Tüm hakları saklıdır.</a:t>
+            </a:r>
+            <a:endParaRPr lang="en-US" dirty="0"/>
+          </a:p>
+        </p:txBody>
+      </p:sp>
+      <p:sp>
+        <p:nvSpPr>
+          <p:cNvPr id="6" name="Slide Number Placeholder 5"/>
+          <p:cNvSpPr>
+            <a:spLocks noGrp="1"/>
+          </p:cNvSpPr>
+          <p:nvPr>
+            <p:ph type="sldNum" sz="quarter" idx="12"/>
+          </p:nvPr>
+        </p:nvSpPr>
+        <p:spPr/>
+        <p:txBody>
+          <a:bodyPr/>
+          <a:lstStyle/>
+          <a:p>
+            <a:fld id="{D57F1E4F-1CFF-5643-939E-217C01CDF565}" type="slidenum">
+              <a:rPr lang="en-US" smtClean="0"/>
+              <a:pPr/>
+              <a:t>67</a:t>
+            </a:fld>
+            <a:endParaRPr lang="en-US" dirty="0"/>
+          </a:p>
+        </p:txBody>
+      </p:sp>
     </p:spTree>
     <p:extLst>
       <p:ext uri="{BB962C8B-B14F-4D97-AF65-F5344CB8AC3E}">
@@ -15059,11 +20776,7 @@
           <a:p>
             <a:r>
               <a:rPr lang="tr-TR" dirty="0" smtClean="0"/>
-              <a:t>Gözleyici </a:t>
-            </a:r>
-            <a:r>
-              <a:rPr lang="tr-TR" dirty="0" smtClean="0"/>
-              <a:t>devam </a:t>
+              <a:t>Gözleyici devam </a:t>
             </a:r>
             <a:r>
               <a:rPr lang="tr-TR" dirty="0"/>
@@ -15117,11 +20830,7 @@
             </a:r>
             <a:r>
               <a:rPr lang="tr-TR" dirty="0" smtClean="0"/>
-              <a:t>gözleyiciye </a:t>
-            </a:r>
-            <a:r>
-              <a:rPr lang="tr-TR" dirty="0" smtClean="0"/>
-              <a:t>girmesine </a:t>
+              <a:t>gözleyiciye girmesine </a:t>
             </a:r>
             <a:r>
               <a:rPr lang="tr-TR" dirty="0"/>
@@ -15162,17 +20871,79 @@
           <a:p>
             <a:r>
               <a:rPr lang="tr-TR" dirty="0" smtClean="0"/>
-              <a:t>Sinyali işler ve </a:t>
-            </a:r>
-            <a:r>
-              <a:rPr lang="tr-TR" dirty="0" smtClean="0"/>
-              <a:t>gözleyiciden </a:t>
-            </a:r>
-            <a:r>
-              <a:rPr lang="tr-TR" dirty="0" smtClean="0"/>
-              <a:t>çıkar</a:t>
+              <a:t>Sinyali işler ve gözleyiciden çıkar</a:t>
             </a:r>
             <a:endParaRPr lang="tr-TR" dirty="0"/>
+          </a:p>
+        </p:txBody>
+      </p:sp>
+      <p:sp>
+        <p:nvSpPr>
+          <p:cNvPr id="4" name="Date Placeholder 3"/>
+          <p:cNvSpPr>
+            <a:spLocks noGrp="1"/>
+          </p:cNvSpPr>
+          <p:nvPr>
+            <p:ph type="dt" sz="half" idx="10"/>
+          </p:nvPr>
+        </p:nvSpPr>
+        <p:spPr/>
+        <p:txBody>
+          <a:bodyPr/>
+          <a:lstStyle/>
+          <a:p>
+            <a:r>
+              <a:rPr lang="en-US" smtClean="0"/>
+              <a:t>1/15/2023</a:t>
+            </a:r>
+            <a:endParaRPr lang="en-US" dirty="0"/>
+          </a:p>
+        </p:txBody>
+      </p:sp>
+      <p:sp>
+        <p:nvSpPr>
+          <p:cNvPr id="5" name="Footer Placeholder 4"/>
+          <p:cNvSpPr>
+            <a:spLocks noGrp="1"/>
+          </p:cNvSpPr>
+          <p:nvPr>
+            <p:ph type="ftr" sz="quarter" idx="11"/>
+          </p:nvPr>
+        </p:nvSpPr>
+        <p:spPr/>
+        <p:txBody>
+          <a:bodyPr/>
+          <a:lstStyle/>
+          <a:p>
+            <a:r>
+              <a:rPr lang="en-US" smtClean="0"/>
+              <a:t>Sercan KÜLCÜ, Tanenbaum, Modern Operating Systems 3e kitabından faydalanılmıştır. Tüm hakları saklıdır.</a:t>
+            </a:r>
+            <a:endParaRPr lang="en-US" dirty="0"/>
+          </a:p>
+        </p:txBody>
+      </p:sp>
+      <p:sp>
+        <p:nvSpPr>
+          <p:cNvPr id="6" name="Slide Number Placeholder 5"/>
+          <p:cNvSpPr>
+            <a:spLocks noGrp="1"/>
+          </p:cNvSpPr>
+          <p:nvPr>
+            <p:ph type="sldNum" sz="quarter" idx="12"/>
+          </p:nvPr>
+        </p:nvSpPr>
+        <p:spPr/>
+        <p:txBody>
+          <a:bodyPr/>
+          <a:lstStyle/>
+          <a:p>
+            <a:fld id="{D57F1E4F-1CFF-5643-939E-217C01CDF565}" type="slidenum">
+              <a:rPr lang="en-US" smtClean="0"/>
+              <a:pPr/>
+              <a:t>68</a:t>
+            </a:fld>
+            <a:endParaRPr lang="en-US" dirty="0"/>
           </a:p>
         </p:txBody>
       </p:sp>
@@ -15410,6 +21181,76 @@
           </a:p>
         </p:txBody>
       </p:sp>
+      <p:sp>
+        <p:nvSpPr>
+          <p:cNvPr id="4" name="Date Placeholder 3"/>
+          <p:cNvSpPr>
+            <a:spLocks noGrp="1"/>
+          </p:cNvSpPr>
+          <p:nvPr>
+            <p:ph type="dt" sz="half" idx="10"/>
+          </p:nvPr>
+        </p:nvSpPr>
+        <p:spPr/>
+        <p:txBody>
+          <a:bodyPr/>
+          <a:lstStyle/>
+          <a:p>
+            <a:r>
+              <a:rPr lang="en-US" smtClean="0"/>
+              <a:t>1/15/2023</a:t>
+            </a:r>
+            <a:endParaRPr lang="en-US" dirty="0"/>
+          </a:p>
+        </p:txBody>
+      </p:sp>
+      <p:sp>
+        <p:nvSpPr>
+          <p:cNvPr id="5" name="Footer Placeholder 4"/>
+          <p:cNvSpPr>
+            <a:spLocks noGrp="1"/>
+          </p:cNvSpPr>
+          <p:nvPr>
+            <p:ph type="ftr" sz="quarter" idx="11"/>
+          </p:nvPr>
+        </p:nvSpPr>
+        <p:spPr/>
+        <p:txBody>
+          <a:bodyPr/>
+          <a:lstStyle/>
+          <a:p>
+            <a:r>
+              <a:rPr lang="en-US" smtClean="0"/>
+              <a:t>Sercan KÜLCÜ, Tanenbaum, Modern Operating Systems 3e kitabından faydalanılmıştır. Tüm hakları saklıdır.</a:t>
+            </a:r>
+            <a:endParaRPr lang="en-US" dirty="0"/>
+          </a:p>
+        </p:txBody>
+      </p:sp>
+      <p:sp>
+        <p:nvSpPr>
+          <p:cNvPr id="6" name="Slide Number Placeholder 5"/>
+          <p:cNvSpPr>
+            <a:spLocks noGrp="1"/>
+          </p:cNvSpPr>
+          <p:nvPr>
+            <p:ph type="sldNum" sz="quarter" idx="12"/>
+          </p:nvPr>
+        </p:nvSpPr>
+        <p:spPr/>
+        <p:txBody>
+          <a:bodyPr/>
+          <a:lstStyle/>
+          <a:p>
+            <a:fld id="{D57F1E4F-1CFF-5643-939E-217C01CDF565}" type="slidenum">
+              <a:rPr lang="en-US" smtClean="0"/>
+              <a:pPr/>
+              <a:t>69</a:t>
+            </a:fld>
+            <a:endParaRPr lang="en-US" dirty="0"/>
+          </a:p>
+        </p:txBody>
+      </p:sp>
     </p:spTree>
     <p:extLst>
       <p:ext uri="{BB962C8B-B14F-4D97-AF65-F5344CB8AC3E}">
@@ -15571,6 +21412,76 @@
               <a:t>)</a:t>
             </a:r>
             <a:endParaRPr lang="tr-TR" dirty="0"/>
+          </a:p>
+        </p:txBody>
+      </p:sp>
+      <p:sp>
+        <p:nvSpPr>
+          <p:cNvPr id="4" name="Date Placeholder 3"/>
+          <p:cNvSpPr>
+            <a:spLocks noGrp="1"/>
+          </p:cNvSpPr>
+          <p:nvPr>
+            <p:ph type="dt" sz="half" idx="10"/>
+          </p:nvPr>
+        </p:nvSpPr>
+        <p:spPr/>
+        <p:txBody>
+          <a:bodyPr/>
+          <a:lstStyle/>
+          <a:p>
+            <a:r>
+              <a:rPr lang="en-US" smtClean="0"/>
+              <a:t>1/15/2023</a:t>
+            </a:r>
+            <a:endParaRPr lang="en-US" dirty="0"/>
+          </a:p>
+        </p:txBody>
+      </p:sp>
+      <p:sp>
+        <p:nvSpPr>
+          <p:cNvPr id="5" name="Footer Placeholder 4"/>
+          <p:cNvSpPr>
+            <a:spLocks noGrp="1"/>
+          </p:cNvSpPr>
+          <p:nvPr>
+            <p:ph type="ftr" sz="quarter" idx="11"/>
+          </p:nvPr>
+        </p:nvSpPr>
+        <p:spPr/>
+        <p:txBody>
+          <a:bodyPr/>
+          <a:lstStyle/>
+          <a:p>
+            <a:r>
+              <a:rPr lang="en-US" smtClean="0"/>
+              <a:t>Sercan KÜLCÜ, Tanenbaum, Modern Operating Systems 3e kitabından faydalanılmıştır. Tüm hakları saklıdır.</a:t>
+            </a:r>
+            <a:endParaRPr lang="en-US" dirty="0"/>
+          </a:p>
+        </p:txBody>
+      </p:sp>
+      <p:sp>
+        <p:nvSpPr>
+          <p:cNvPr id="6" name="Slide Number Placeholder 5"/>
+          <p:cNvSpPr>
+            <a:spLocks noGrp="1"/>
+          </p:cNvSpPr>
+          <p:nvPr>
+            <p:ph type="sldNum" sz="quarter" idx="12"/>
+          </p:nvPr>
+        </p:nvSpPr>
+        <p:spPr/>
+        <p:txBody>
+          <a:bodyPr/>
+          <a:lstStyle/>
+          <a:p>
+            <a:fld id="{D57F1E4F-1CFF-5643-939E-217C01CDF565}" type="slidenum">
+              <a:rPr lang="en-US" smtClean="0"/>
+              <a:pPr/>
+              <a:t>7</a:t>
+            </a:fld>
+            <a:endParaRPr lang="en-US" dirty="0"/>
           </a:p>
         </p:txBody>
       </p:sp>
@@ -15733,6 +21644,76 @@
           </a:extLst>
         </p:spPr>
       </p:pic>
+      <p:sp>
+        <p:nvSpPr>
+          <p:cNvPr id="5" name="Date Placeholder 4"/>
+          <p:cNvSpPr>
+            <a:spLocks noGrp="1"/>
+          </p:cNvSpPr>
+          <p:nvPr>
+            <p:ph type="dt" sz="half" idx="10"/>
+          </p:nvPr>
+        </p:nvSpPr>
+        <p:spPr/>
+        <p:txBody>
+          <a:bodyPr/>
+          <a:lstStyle/>
+          <a:p>
+            <a:r>
+              <a:rPr lang="en-US" smtClean="0"/>
+              <a:t>1/15/2023</a:t>
+            </a:r>
+            <a:endParaRPr lang="en-US" dirty="0"/>
+          </a:p>
+        </p:txBody>
+      </p:sp>
+      <p:sp>
+        <p:nvSpPr>
+          <p:cNvPr id="6" name="Footer Placeholder 5"/>
+          <p:cNvSpPr>
+            <a:spLocks noGrp="1"/>
+          </p:cNvSpPr>
+          <p:nvPr>
+            <p:ph type="ftr" sz="quarter" idx="11"/>
+          </p:nvPr>
+        </p:nvSpPr>
+        <p:spPr/>
+        <p:txBody>
+          <a:bodyPr/>
+          <a:lstStyle/>
+          <a:p>
+            <a:r>
+              <a:rPr lang="en-US" smtClean="0"/>
+              <a:t>Sercan KÜLCÜ, Tanenbaum, Modern Operating Systems 3e kitabından faydalanılmıştır. Tüm hakları saklıdır.</a:t>
+            </a:r>
+            <a:endParaRPr lang="en-US" dirty="0"/>
+          </a:p>
+        </p:txBody>
+      </p:sp>
+      <p:sp>
+        <p:nvSpPr>
+          <p:cNvPr id="7" name="Slide Number Placeholder 6"/>
+          <p:cNvSpPr>
+            <a:spLocks noGrp="1"/>
+          </p:cNvSpPr>
+          <p:nvPr>
+            <p:ph type="sldNum" sz="quarter" idx="12"/>
+          </p:nvPr>
+        </p:nvSpPr>
+        <p:spPr/>
+        <p:txBody>
+          <a:bodyPr/>
+          <a:lstStyle/>
+          <a:p>
+            <a:fld id="{D57F1E4F-1CFF-5643-939E-217C01CDF565}" type="slidenum">
+              <a:rPr lang="en-US" smtClean="0"/>
+              <a:pPr/>
+              <a:t>70</a:t>
+            </a:fld>
+            <a:endParaRPr lang="en-US" dirty="0"/>
+          </a:p>
+        </p:txBody>
+      </p:sp>
     </p:spTree>
     <p:extLst>
       <p:ext uri="{BB962C8B-B14F-4D97-AF65-F5344CB8AC3E}">
@@ -15876,6 +21857,76 @@
           </a:extLst>
         </p:spPr>
       </p:pic>
+      <p:sp>
+        <p:nvSpPr>
+          <p:cNvPr id="5" name="Date Placeholder 4"/>
+          <p:cNvSpPr>
+            <a:spLocks noGrp="1"/>
+          </p:cNvSpPr>
+          <p:nvPr>
+            <p:ph type="dt" sz="half" idx="10"/>
+          </p:nvPr>
+        </p:nvSpPr>
+        <p:spPr/>
+        <p:txBody>
+          <a:bodyPr/>
+          <a:lstStyle/>
+          <a:p>
+            <a:r>
+              <a:rPr lang="en-US" smtClean="0"/>
+              <a:t>1/15/2023</a:t>
+            </a:r>
+            <a:endParaRPr lang="en-US" dirty="0"/>
+          </a:p>
+        </p:txBody>
+      </p:sp>
+      <p:sp>
+        <p:nvSpPr>
+          <p:cNvPr id="6" name="Footer Placeholder 5"/>
+          <p:cNvSpPr>
+            <a:spLocks noGrp="1"/>
+          </p:cNvSpPr>
+          <p:nvPr>
+            <p:ph type="ftr" sz="quarter" idx="11"/>
+          </p:nvPr>
+        </p:nvSpPr>
+        <p:spPr/>
+        <p:txBody>
+          <a:bodyPr/>
+          <a:lstStyle/>
+          <a:p>
+            <a:r>
+              <a:rPr lang="en-US" smtClean="0"/>
+              <a:t>Sercan KÜLCÜ, Tanenbaum, Modern Operating Systems 3e kitabından faydalanılmıştır. Tüm hakları saklıdır.</a:t>
+            </a:r>
+            <a:endParaRPr lang="en-US" dirty="0"/>
+          </a:p>
+        </p:txBody>
+      </p:sp>
+      <p:sp>
+        <p:nvSpPr>
+          <p:cNvPr id="7" name="Slide Number Placeholder 6"/>
+          <p:cNvSpPr>
+            <a:spLocks noGrp="1"/>
+          </p:cNvSpPr>
+          <p:nvPr>
+            <p:ph type="sldNum" sz="quarter" idx="12"/>
+          </p:nvPr>
+        </p:nvSpPr>
+        <p:spPr/>
+        <p:txBody>
+          <a:bodyPr/>
+          <a:lstStyle/>
+          <a:p>
+            <a:fld id="{D57F1E4F-1CFF-5643-939E-217C01CDF565}" type="slidenum">
+              <a:rPr lang="en-US" smtClean="0"/>
+              <a:pPr/>
+              <a:t>71</a:t>
+            </a:fld>
+            <a:endParaRPr lang="en-US" dirty="0"/>
+          </a:p>
+        </p:txBody>
+      </p:sp>
     </p:spTree>
     <p:extLst>
       <p:ext uri="{BB962C8B-B14F-4D97-AF65-F5344CB8AC3E}">
@@ -16019,6 +22070,76 @@
           </a:extLst>
         </p:spPr>
       </p:pic>
+      <p:sp>
+        <p:nvSpPr>
+          <p:cNvPr id="5" name="Date Placeholder 4"/>
+          <p:cNvSpPr>
+            <a:spLocks noGrp="1"/>
+          </p:cNvSpPr>
+          <p:nvPr>
+            <p:ph type="dt" sz="half" idx="10"/>
+          </p:nvPr>
+        </p:nvSpPr>
+        <p:spPr/>
+        <p:txBody>
+          <a:bodyPr/>
+          <a:lstStyle/>
+          <a:p>
+            <a:r>
+              <a:rPr lang="en-US" smtClean="0"/>
+              <a:t>1/15/2023</a:t>
+            </a:r>
+            <a:endParaRPr lang="en-US" dirty="0"/>
+          </a:p>
+        </p:txBody>
+      </p:sp>
+      <p:sp>
+        <p:nvSpPr>
+          <p:cNvPr id="6" name="Footer Placeholder 5"/>
+          <p:cNvSpPr>
+            <a:spLocks noGrp="1"/>
+          </p:cNvSpPr>
+          <p:nvPr>
+            <p:ph type="ftr" sz="quarter" idx="11"/>
+          </p:nvPr>
+        </p:nvSpPr>
+        <p:spPr/>
+        <p:txBody>
+          <a:bodyPr/>
+          <a:lstStyle/>
+          <a:p>
+            <a:r>
+              <a:rPr lang="en-US" smtClean="0"/>
+              <a:t>Sercan KÜLCÜ, Tanenbaum, Modern Operating Systems 3e kitabından faydalanılmıştır. Tüm hakları saklıdır.</a:t>
+            </a:r>
+            <a:endParaRPr lang="en-US" dirty="0"/>
+          </a:p>
+        </p:txBody>
+      </p:sp>
+      <p:sp>
+        <p:nvSpPr>
+          <p:cNvPr id="7" name="Slide Number Placeholder 6"/>
+          <p:cNvSpPr>
+            <a:spLocks noGrp="1"/>
+          </p:cNvSpPr>
+          <p:nvPr>
+            <p:ph type="sldNum" sz="quarter" idx="12"/>
+          </p:nvPr>
+        </p:nvSpPr>
+        <p:spPr/>
+        <p:txBody>
+          <a:bodyPr/>
+          <a:lstStyle/>
+          <a:p>
+            <a:fld id="{D57F1E4F-1CFF-5643-939E-217C01CDF565}" type="slidenum">
+              <a:rPr lang="en-US" smtClean="0"/>
+              <a:pPr/>
+              <a:t>72</a:t>
+            </a:fld>
+            <a:endParaRPr lang="en-US" dirty="0"/>
+          </a:p>
+        </p:txBody>
+      </p:sp>
     </p:spTree>
     <p:extLst>
       <p:ext uri="{BB962C8B-B14F-4D97-AF65-F5344CB8AC3E}">
@@ -16162,6 +22283,76 @@
           </a:extLst>
         </p:spPr>
       </p:pic>
+      <p:sp>
+        <p:nvSpPr>
+          <p:cNvPr id="5" name="Date Placeholder 4"/>
+          <p:cNvSpPr>
+            <a:spLocks noGrp="1"/>
+          </p:cNvSpPr>
+          <p:nvPr>
+            <p:ph type="dt" sz="half" idx="10"/>
+          </p:nvPr>
+        </p:nvSpPr>
+        <p:spPr/>
+        <p:txBody>
+          <a:bodyPr/>
+          <a:lstStyle/>
+          <a:p>
+            <a:r>
+              <a:rPr lang="en-US" smtClean="0"/>
+              <a:t>1/15/2023</a:t>
+            </a:r>
+            <a:endParaRPr lang="en-US" dirty="0"/>
+          </a:p>
+        </p:txBody>
+      </p:sp>
+      <p:sp>
+        <p:nvSpPr>
+          <p:cNvPr id="6" name="Footer Placeholder 5"/>
+          <p:cNvSpPr>
+            <a:spLocks noGrp="1"/>
+          </p:cNvSpPr>
+          <p:nvPr>
+            <p:ph type="ftr" sz="quarter" idx="11"/>
+          </p:nvPr>
+        </p:nvSpPr>
+        <p:spPr/>
+        <p:txBody>
+          <a:bodyPr/>
+          <a:lstStyle/>
+          <a:p>
+            <a:r>
+              <a:rPr lang="en-US" smtClean="0"/>
+              <a:t>Sercan KÜLCÜ, Tanenbaum, Modern Operating Systems 3e kitabından faydalanılmıştır. Tüm hakları saklıdır.</a:t>
+            </a:r>
+            <a:endParaRPr lang="en-US" dirty="0"/>
+          </a:p>
+        </p:txBody>
+      </p:sp>
+      <p:sp>
+        <p:nvSpPr>
+          <p:cNvPr id="7" name="Slide Number Placeholder 6"/>
+          <p:cNvSpPr>
+            <a:spLocks noGrp="1"/>
+          </p:cNvSpPr>
+          <p:nvPr>
+            <p:ph type="sldNum" sz="quarter" idx="12"/>
+          </p:nvPr>
+        </p:nvSpPr>
+        <p:spPr/>
+        <p:txBody>
+          <a:bodyPr/>
+          <a:lstStyle/>
+          <a:p>
+            <a:fld id="{D57F1E4F-1CFF-5643-939E-217C01CDF565}" type="slidenum">
+              <a:rPr lang="en-US" smtClean="0"/>
+              <a:pPr/>
+              <a:t>73</a:t>
+            </a:fld>
+            <a:endParaRPr lang="en-US" dirty="0"/>
+          </a:p>
+        </p:txBody>
+      </p:sp>
     </p:spTree>
     <p:extLst>
       <p:ext uri="{BB962C8B-B14F-4D97-AF65-F5344CB8AC3E}">
@@ -16305,6 +22496,76 @@
           </a:extLst>
         </p:spPr>
       </p:pic>
+      <p:sp>
+        <p:nvSpPr>
+          <p:cNvPr id="5" name="Date Placeholder 4"/>
+          <p:cNvSpPr>
+            <a:spLocks noGrp="1"/>
+          </p:cNvSpPr>
+          <p:nvPr>
+            <p:ph type="dt" sz="half" idx="10"/>
+          </p:nvPr>
+        </p:nvSpPr>
+        <p:spPr/>
+        <p:txBody>
+          <a:bodyPr/>
+          <a:lstStyle/>
+          <a:p>
+            <a:r>
+              <a:rPr lang="en-US" smtClean="0"/>
+              <a:t>1/15/2023</a:t>
+            </a:r>
+            <a:endParaRPr lang="en-US" dirty="0"/>
+          </a:p>
+        </p:txBody>
+      </p:sp>
+      <p:sp>
+        <p:nvSpPr>
+          <p:cNvPr id="6" name="Footer Placeholder 5"/>
+          <p:cNvSpPr>
+            <a:spLocks noGrp="1"/>
+          </p:cNvSpPr>
+          <p:nvPr>
+            <p:ph type="ftr" sz="quarter" idx="11"/>
+          </p:nvPr>
+        </p:nvSpPr>
+        <p:spPr/>
+        <p:txBody>
+          <a:bodyPr/>
+          <a:lstStyle/>
+          <a:p>
+            <a:r>
+              <a:rPr lang="en-US" smtClean="0"/>
+              <a:t>Sercan KÜLCÜ, Tanenbaum, Modern Operating Systems 3e kitabından faydalanılmıştır. Tüm hakları saklıdır.</a:t>
+            </a:r>
+            <a:endParaRPr lang="en-US" dirty="0"/>
+          </a:p>
+        </p:txBody>
+      </p:sp>
+      <p:sp>
+        <p:nvSpPr>
+          <p:cNvPr id="7" name="Slide Number Placeholder 6"/>
+          <p:cNvSpPr>
+            <a:spLocks noGrp="1"/>
+          </p:cNvSpPr>
+          <p:nvPr>
+            <p:ph type="sldNum" sz="quarter" idx="12"/>
+          </p:nvPr>
+        </p:nvSpPr>
+        <p:spPr/>
+        <p:txBody>
+          <a:bodyPr/>
+          <a:lstStyle/>
+          <a:p>
+            <a:fld id="{D57F1E4F-1CFF-5643-939E-217C01CDF565}" type="slidenum">
+              <a:rPr lang="en-US" smtClean="0"/>
+              <a:pPr/>
+              <a:t>74</a:t>
+            </a:fld>
+            <a:endParaRPr lang="en-US" dirty="0"/>
+          </a:p>
+        </p:txBody>
+      </p:sp>
     </p:spTree>
     <p:extLst>
       <p:ext uri="{BB962C8B-B14F-4D97-AF65-F5344CB8AC3E}">
@@ -16420,7 +22681,7 @@
           <a:graphicData uri="http://schemas.openxmlformats.org/presentationml/2006/ole">
             <mc:AlternateContent xmlns:mc="http://schemas.openxmlformats.org/markup-compatibility/2006">
               <mc:Choice xmlns:v="urn:schemas-microsoft-com:vml" Requires="v">
-                <p:oleObj spid="_x0000_s1101" name="Image" r:id="rId3" imgW="17238226" imgH="11794688" progId="Photoshop.Image.9">
+                <p:oleObj spid="_x0000_s1102" name="Image" r:id="rId3" imgW="17238226" imgH="11794688" progId="Photoshop.Image.9">
                   <p:embed/>
                 </p:oleObj>
               </mc:Choice>
@@ -16469,6 +22730,76 @@
           </a:graphicData>
         </a:graphic>
       </p:graphicFrame>
+      <p:sp>
+        <p:nvSpPr>
+          <p:cNvPr id="5" name="Date Placeholder 4"/>
+          <p:cNvSpPr>
+            <a:spLocks noGrp="1"/>
+          </p:cNvSpPr>
+          <p:nvPr>
+            <p:ph type="dt" sz="half" idx="10"/>
+          </p:nvPr>
+        </p:nvSpPr>
+        <p:spPr/>
+        <p:txBody>
+          <a:bodyPr/>
+          <a:lstStyle/>
+          <a:p>
+            <a:r>
+              <a:rPr lang="en-US" smtClean="0"/>
+              <a:t>1/15/2023</a:t>
+            </a:r>
+            <a:endParaRPr lang="en-US" dirty="0"/>
+          </a:p>
+        </p:txBody>
+      </p:sp>
+      <p:sp>
+        <p:nvSpPr>
+          <p:cNvPr id="6" name="Footer Placeholder 5"/>
+          <p:cNvSpPr>
+            <a:spLocks noGrp="1"/>
+          </p:cNvSpPr>
+          <p:nvPr>
+            <p:ph type="ftr" sz="quarter" idx="11"/>
+          </p:nvPr>
+        </p:nvSpPr>
+        <p:spPr/>
+        <p:txBody>
+          <a:bodyPr/>
+          <a:lstStyle/>
+          <a:p>
+            <a:r>
+              <a:rPr lang="en-US" smtClean="0"/>
+              <a:t>Sercan KÜLCÜ, Tanenbaum, Modern Operating Systems 3e kitabından faydalanılmıştır. Tüm hakları saklıdır.</a:t>
+            </a:r>
+            <a:endParaRPr lang="en-US" dirty="0"/>
+          </a:p>
+        </p:txBody>
+      </p:sp>
+      <p:sp>
+        <p:nvSpPr>
+          <p:cNvPr id="7" name="Slide Number Placeholder 6"/>
+          <p:cNvSpPr>
+            <a:spLocks noGrp="1"/>
+          </p:cNvSpPr>
+          <p:nvPr>
+            <p:ph type="sldNum" sz="quarter" idx="12"/>
+          </p:nvPr>
+        </p:nvSpPr>
+        <p:spPr/>
+        <p:txBody>
+          <a:bodyPr/>
+          <a:lstStyle/>
+          <a:p>
+            <a:fld id="{D57F1E4F-1CFF-5643-939E-217C01CDF565}" type="slidenum">
+              <a:rPr lang="en-US" smtClean="0"/>
+              <a:pPr/>
+              <a:t>75</a:t>
+            </a:fld>
+            <a:endParaRPr lang="en-US" dirty="0"/>
+          </a:p>
+        </p:txBody>
+      </p:sp>
     </p:spTree>
     <p:extLst>
       <p:ext uri="{BB962C8B-B14F-4D97-AF65-F5344CB8AC3E}">
@@ -16584,7 +22915,7 @@
           <a:graphicData uri="http://schemas.openxmlformats.org/presentationml/2006/ole">
             <mc:AlternateContent xmlns:mc="http://schemas.openxmlformats.org/markup-compatibility/2006">
               <mc:Choice xmlns:v="urn:schemas-microsoft-com:vml" Requires="v">
-                <p:oleObj spid="_x0000_s2124" name="Image" r:id="rId3" imgW="18145482" imgH="5443895" progId="Photoshop.Image.9">
+                <p:oleObj spid="_x0000_s2125" name="Image" r:id="rId3" imgW="18145482" imgH="5443895" progId="Photoshop.Image.9">
                   <p:embed/>
                 </p:oleObj>
               </mc:Choice>
@@ -16633,6 +22964,76 @@
           </a:graphicData>
         </a:graphic>
       </p:graphicFrame>
+      <p:sp>
+        <p:nvSpPr>
+          <p:cNvPr id="5" name="Date Placeholder 4"/>
+          <p:cNvSpPr>
+            <a:spLocks noGrp="1"/>
+          </p:cNvSpPr>
+          <p:nvPr>
+            <p:ph type="dt" sz="half" idx="10"/>
+          </p:nvPr>
+        </p:nvSpPr>
+        <p:spPr/>
+        <p:txBody>
+          <a:bodyPr/>
+          <a:lstStyle/>
+          <a:p>
+            <a:r>
+              <a:rPr lang="en-US" smtClean="0"/>
+              <a:t>1/15/2023</a:t>
+            </a:r>
+            <a:endParaRPr lang="en-US" dirty="0"/>
+          </a:p>
+        </p:txBody>
+      </p:sp>
+      <p:sp>
+        <p:nvSpPr>
+          <p:cNvPr id="6" name="Footer Placeholder 5"/>
+          <p:cNvSpPr>
+            <a:spLocks noGrp="1"/>
+          </p:cNvSpPr>
+          <p:nvPr>
+            <p:ph type="ftr" sz="quarter" idx="11"/>
+          </p:nvPr>
+        </p:nvSpPr>
+        <p:spPr/>
+        <p:txBody>
+          <a:bodyPr/>
+          <a:lstStyle/>
+          <a:p>
+            <a:r>
+              <a:rPr lang="en-US" smtClean="0"/>
+              <a:t>Sercan KÜLCÜ, Tanenbaum, Modern Operating Systems 3e kitabından faydalanılmıştır. Tüm hakları saklıdır.</a:t>
+            </a:r>
+            <a:endParaRPr lang="en-US" dirty="0"/>
+          </a:p>
+        </p:txBody>
+      </p:sp>
+      <p:sp>
+        <p:nvSpPr>
+          <p:cNvPr id="7" name="Slide Number Placeholder 6"/>
+          <p:cNvSpPr>
+            <a:spLocks noGrp="1"/>
+          </p:cNvSpPr>
+          <p:nvPr>
+            <p:ph type="sldNum" sz="quarter" idx="12"/>
+          </p:nvPr>
+        </p:nvSpPr>
+        <p:spPr/>
+        <p:txBody>
+          <a:bodyPr/>
+          <a:lstStyle/>
+          <a:p>
+            <a:fld id="{D57F1E4F-1CFF-5643-939E-217C01CDF565}" type="slidenum">
+              <a:rPr lang="en-US" smtClean="0"/>
+              <a:pPr/>
+              <a:t>76</a:t>
+            </a:fld>
+            <a:endParaRPr lang="en-US" dirty="0"/>
+          </a:p>
+        </p:txBody>
+      </p:sp>
     </p:spTree>
     <p:extLst>
       <p:ext uri="{BB962C8B-B14F-4D97-AF65-F5344CB8AC3E}">
@@ -16742,6 +23143,76 @@
               <a:rPr lang="tr-TR" dirty="0"/>
               <a:t>tehlikesiyle karşı karşıya</a:t>
             </a:r>
+          </a:p>
+        </p:txBody>
+      </p:sp>
+      <p:sp>
+        <p:nvSpPr>
+          <p:cNvPr id="4" name="Date Placeholder 3"/>
+          <p:cNvSpPr>
+            <a:spLocks noGrp="1"/>
+          </p:cNvSpPr>
+          <p:nvPr>
+            <p:ph type="dt" sz="half" idx="10"/>
+          </p:nvPr>
+        </p:nvSpPr>
+        <p:spPr/>
+        <p:txBody>
+          <a:bodyPr/>
+          <a:lstStyle/>
+          <a:p>
+            <a:r>
+              <a:rPr lang="en-US" smtClean="0"/>
+              <a:t>1/15/2023</a:t>
+            </a:r>
+            <a:endParaRPr lang="en-US" dirty="0"/>
+          </a:p>
+        </p:txBody>
+      </p:sp>
+      <p:sp>
+        <p:nvSpPr>
+          <p:cNvPr id="5" name="Footer Placeholder 4"/>
+          <p:cNvSpPr>
+            <a:spLocks noGrp="1"/>
+          </p:cNvSpPr>
+          <p:nvPr>
+            <p:ph type="ftr" sz="quarter" idx="11"/>
+          </p:nvPr>
+        </p:nvSpPr>
+        <p:spPr/>
+        <p:txBody>
+          <a:bodyPr/>
+          <a:lstStyle/>
+          <a:p>
+            <a:r>
+              <a:rPr lang="en-US" smtClean="0"/>
+              <a:t>Sercan KÜLCÜ, Tanenbaum, Modern Operating Systems 3e kitabından faydalanılmıştır. Tüm hakları saklıdır.</a:t>
+            </a:r>
+            <a:endParaRPr lang="en-US" dirty="0"/>
+          </a:p>
+        </p:txBody>
+      </p:sp>
+      <p:sp>
+        <p:nvSpPr>
+          <p:cNvPr id="6" name="Slide Number Placeholder 5"/>
+          <p:cNvSpPr>
+            <a:spLocks noGrp="1"/>
+          </p:cNvSpPr>
+          <p:nvPr>
+            <p:ph type="sldNum" sz="quarter" idx="12"/>
+          </p:nvPr>
+        </p:nvSpPr>
+        <p:spPr/>
+        <p:txBody>
+          <a:bodyPr/>
+          <a:lstStyle/>
+          <a:p>
+            <a:fld id="{D57F1E4F-1CFF-5643-939E-217C01CDF565}" type="slidenum">
+              <a:rPr lang="en-US" smtClean="0"/>
+              <a:pPr/>
+              <a:t>77</a:t>
+            </a:fld>
+            <a:endParaRPr lang="en-US" dirty="0"/>
           </a:p>
         </p:txBody>
       </p:sp>
@@ -16910,6 +23381,76 @@
           </a:extLst>
         </p:spPr>
       </p:pic>
+      <p:sp>
+        <p:nvSpPr>
+          <p:cNvPr id="5" name="Date Placeholder 4"/>
+          <p:cNvSpPr>
+            <a:spLocks noGrp="1"/>
+          </p:cNvSpPr>
+          <p:nvPr>
+            <p:ph type="dt" sz="half" idx="10"/>
+          </p:nvPr>
+        </p:nvSpPr>
+        <p:spPr/>
+        <p:txBody>
+          <a:bodyPr/>
+          <a:lstStyle/>
+          <a:p>
+            <a:r>
+              <a:rPr lang="en-US" smtClean="0"/>
+              <a:t>1/15/2023</a:t>
+            </a:r>
+            <a:endParaRPr lang="en-US" dirty="0"/>
+          </a:p>
+        </p:txBody>
+      </p:sp>
+      <p:sp>
+        <p:nvSpPr>
+          <p:cNvPr id="6" name="Footer Placeholder 5"/>
+          <p:cNvSpPr>
+            <a:spLocks noGrp="1"/>
+          </p:cNvSpPr>
+          <p:nvPr>
+            <p:ph type="ftr" sz="quarter" idx="11"/>
+          </p:nvPr>
+        </p:nvSpPr>
+        <p:spPr/>
+        <p:txBody>
+          <a:bodyPr/>
+          <a:lstStyle/>
+          <a:p>
+            <a:r>
+              <a:rPr lang="en-US" smtClean="0"/>
+              <a:t>Sercan KÜLCÜ, Tanenbaum, Modern Operating Systems 3e kitabından faydalanılmıştır. Tüm hakları saklıdır.</a:t>
+            </a:r>
+            <a:endParaRPr lang="en-US" dirty="0"/>
+          </a:p>
+        </p:txBody>
+      </p:sp>
+      <p:sp>
+        <p:nvSpPr>
+          <p:cNvPr id="7" name="Slide Number Placeholder 6"/>
+          <p:cNvSpPr>
+            <a:spLocks noGrp="1"/>
+          </p:cNvSpPr>
+          <p:nvPr>
+            <p:ph type="sldNum" sz="quarter" idx="12"/>
+          </p:nvPr>
+        </p:nvSpPr>
+        <p:spPr/>
+        <p:txBody>
+          <a:bodyPr/>
+          <a:lstStyle/>
+          <a:p>
+            <a:fld id="{D57F1E4F-1CFF-5643-939E-217C01CDF565}" type="slidenum">
+              <a:rPr lang="en-US" smtClean="0"/>
+              <a:pPr/>
+              <a:t>78</a:t>
+            </a:fld>
+            <a:endParaRPr lang="en-US" dirty="0"/>
+          </a:p>
+        </p:txBody>
+      </p:sp>
     </p:spTree>
     <p:extLst>
       <p:ext uri="{BB962C8B-B14F-4D97-AF65-F5344CB8AC3E}">
@@ -17115,6 +23656,76 @@
           </a:p>
         </p:txBody>
       </p:sp>
+      <p:sp>
+        <p:nvSpPr>
+          <p:cNvPr id="4" name="Date Placeholder 3"/>
+          <p:cNvSpPr>
+            <a:spLocks noGrp="1"/>
+          </p:cNvSpPr>
+          <p:nvPr>
+            <p:ph type="dt" sz="half" idx="10"/>
+          </p:nvPr>
+        </p:nvSpPr>
+        <p:spPr/>
+        <p:txBody>
+          <a:bodyPr/>
+          <a:lstStyle/>
+          <a:p>
+            <a:r>
+              <a:rPr lang="en-US" smtClean="0"/>
+              <a:t>1/15/2023</a:t>
+            </a:r>
+            <a:endParaRPr lang="en-US" dirty="0"/>
+          </a:p>
+        </p:txBody>
+      </p:sp>
+      <p:sp>
+        <p:nvSpPr>
+          <p:cNvPr id="5" name="Footer Placeholder 4"/>
+          <p:cNvSpPr>
+            <a:spLocks noGrp="1"/>
+          </p:cNvSpPr>
+          <p:nvPr>
+            <p:ph type="ftr" sz="quarter" idx="11"/>
+          </p:nvPr>
+        </p:nvSpPr>
+        <p:spPr/>
+        <p:txBody>
+          <a:bodyPr/>
+          <a:lstStyle/>
+          <a:p>
+            <a:r>
+              <a:rPr lang="en-US" smtClean="0"/>
+              <a:t>Sercan KÜLCÜ, Tanenbaum, Modern Operating Systems 3e kitabından faydalanılmıştır. Tüm hakları saklıdır.</a:t>
+            </a:r>
+            <a:endParaRPr lang="en-US" dirty="0"/>
+          </a:p>
+        </p:txBody>
+      </p:sp>
+      <p:sp>
+        <p:nvSpPr>
+          <p:cNvPr id="6" name="Slide Number Placeholder 5"/>
+          <p:cNvSpPr>
+            <a:spLocks noGrp="1"/>
+          </p:cNvSpPr>
+          <p:nvPr>
+            <p:ph type="sldNum" sz="quarter" idx="12"/>
+          </p:nvPr>
+        </p:nvSpPr>
+        <p:spPr/>
+        <p:txBody>
+          <a:bodyPr/>
+          <a:lstStyle/>
+          <a:p>
+            <a:fld id="{D57F1E4F-1CFF-5643-939E-217C01CDF565}" type="slidenum">
+              <a:rPr lang="en-US" smtClean="0"/>
+              <a:pPr/>
+              <a:t>79</a:t>
+            </a:fld>
+            <a:endParaRPr lang="en-US" dirty="0"/>
+          </a:p>
+        </p:txBody>
+      </p:sp>
     </p:spTree>
     <p:extLst>
       <p:ext uri="{BB962C8B-B14F-4D97-AF65-F5344CB8AC3E}">
@@ -17287,6 +23898,76 @@
               <a:rPr lang="tr-TR" dirty="0"/>
               <a:t>).</a:t>
             </a:r>
+          </a:p>
+        </p:txBody>
+      </p:sp>
+      <p:sp>
+        <p:nvSpPr>
+          <p:cNvPr id="4" name="Date Placeholder 3"/>
+          <p:cNvSpPr>
+            <a:spLocks noGrp="1"/>
+          </p:cNvSpPr>
+          <p:nvPr>
+            <p:ph type="dt" sz="half" idx="10"/>
+          </p:nvPr>
+        </p:nvSpPr>
+        <p:spPr/>
+        <p:txBody>
+          <a:bodyPr/>
+          <a:lstStyle/>
+          <a:p>
+            <a:r>
+              <a:rPr lang="en-US" smtClean="0"/>
+              <a:t>1/15/2023</a:t>
+            </a:r>
+            <a:endParaRPr lang="en-US" dirty="0"/>
+          </a:p>
+        </p:txBody>
+      </p:sp>
+      <p:sp>
+        <p:nvSpPr>
+          <p:cNvPr id="5" name="Footer Placeholder 4"/>
+          <p:cNvSpPr>
+            <a:spLocks noGrp="1"/>
+          </p:cNvSpPr>
+          <p:nvPr>
+            <p:ph type="ftr" sz="quarter" idx="11"/>
+          </p:nvPr>
+        </p:nvSpPr>
+        <p:spPr/>
+        <p:txBody>
+          <a:bodyPr/>
+          <a:lstStyle/>
+          <a:p>
+            <a:r>
+              <a:rPr lang="en-US" smtClean="0"/>
+              <a:t>Sercan KÜLCÜ, Tanenbaum, Modern Operating Systems 3e kitabından faydalanılmıştır. Tüm hakları saklıdır.</a:t>
+            </a:r>
+            <a:endParaRPr lang="en-US" dirty="0"/>
+          </a:p>
+        </p:txBody>
+      </p:sp>
+      <p:sp>
+        <p:nvSpPr>
+          <p:cNvPr id="6" name="Slide Number Placeholder 5"/>
+          <p:cNvSpPr>
+            <a:spLocks noGrp="1"/>
+          </p:cNvSpPr>
+          <p:nvPr>
+            <p:ph type="sldNum" sz="quarter" idx="12"/>
+          </p:nvPr>
+        </p:nvSpPr>
+        <p:spPr/>
+        <p:txBody>
+          <a:bodyPr/>
+          <a:lstStyle/>
+          <a:p>
+            <a:fld id="{D57F1E4F-1CFF-5643-939E-217C01CDF565}" type="slidenum">
+              <a:rPr lang="en-US" smtClean="0"/>
+              <a:pPr/>
+              <a:t>8</a:t>
+            </a:fld>
+            <a:endParaRPr lang="en-US" dirty="0"/>
           </a:p>
         </p:txBody>
       </p:sp>
@@ -17461,6 +24142,76 @@
           </a:extLst>
         </p:spPr>
       </p:pic>
+      <p:sp>
+        <p:nvSpPr>
+          <p:cNvPr id="5" name="Date Placeholder 4"/>
+          <p:cNvSpPr>
+            <a:spLocks noGrp="1"/>
+          </p:cNvSpPr>
+          <p:nvPr>
+            <p:ph type="dt" sz="half" idx="10"/>
+          </p:nvPr>
+        </p:nvSpPr>
+        <p:spPr/>
+        <p:txBody>
+          <a:bodyPr/>
+          <a:lstStyle/>
+          <a:p>
+            <a:r>
+              <a:rPr lang="en-US" smtClean="0"/>
+              <a:t>1/15/2023</a:t>
+            </a:r>
+            <a:endParaRPr lang="en-US" dirty="0"/>
+          </a:p>
+        </p:txBody>
+      </p:sp>
+      <p:sp>
+        <p:nvSpPr>
+          <p:cNvPr id="6" name="Footer Placeholder 5"/>
+          <p:cNvSpPr>
+            <a:spLocks noGrp="1"/>
+          </p:cNvSpPr>
+          <p:nvPr>
+            <p:ph type="ftr" sz="quarter" idx="11"/>
+          </p:nvPr>
+        </p:nvSpPr>
+        <p:spPr/>
+        <p:txBody>
+          <a:bodyPr/>
+          <a:lstStyle/>
+          <a:p>
+            <a:r>
+              <a:rPr lang="en-US" smtClean="0"/>
+              <a:t>Sercan KÜLCÜ, Tanenbaum, Modern Operating Systems 3e kitabından faydalanılmıştır. Tüm hakları saklıdır.</a:t>
+            </a:r>
+            <a:endParaRPr lang="en-US" dirty="0"/>
+          </a:p>
+        </p:txBody>
+      </p:sp>
+      <p:sp>
+        <p:nvSpPr>
+          <p:cNvPr id="7" name="Slide Number Placeholder 6"/>
+          <p:cNvSpPr>
+            <a:spLocks noGrp="1"/>
+          </p:cNvSpPr>
+          <p:nvPr>
+            <p:ph type="sldNum" sz="quarter" idx="12"/>
+          </p:nvPr>
+        </p:nvSpPr>
+        <p:spPr/>
+        <p:txBody>
+          <a:bodyPr/>
+          <a:lstStyle/>
+          <a:p>
+            <a:fld id="{D57F1E4F-1CFF-5643-939E-217C01CDF565}" type="slidenum">
+              <a:rPr lang="en-US" smtClean="0"/>
+              <a:pPr/>
+              <a:t>80</a:t>
+            </a:fld>
+            <a:endParaRPr lang="en-US" dirty="0"/>
+          </a:p>
+        </p:txBody>
+      </p:sp>
     </p:spTree>
     <p:extLst>
       <p:ext uri="{BB962C8B-B14F-4D97-AF65-F5344CB8AC3E}">
@@ -17588,6 +24339,76 @@
           </a:p>
         </p:txBody>
       </p:sp>
+      <p:sp>
+        <p:nvSpPr>
+          <p:cNvPr id="4" name="Date Placeholder 3"/>
+          <p:cNvSpPr>
+            <a:spLocks noGrp="1"/>
+          </p:cNvSpPr>
+          <p:nvPr>
+            <p:ph type="dt" sz="half" idx="10"/>
+          </p:nvPr>
+        </p:nvSpPr>
+        <p:spPr/>
+        <p:txBody>
+          <a:bodyPr/>
+          <a:lstStyle/>
+          <a:p>
+            <a:r>
+              <a:rPr lang="en-US" smtClean="0"/>
+              <a:t>1/15/2023</a:t>
+            </a:r>
+            <a:endParaRPr lang="en-US" dirty="0"/>
+          </a:p>
+        </p:txBody>
+      </p:sp>
+      <p:sp>
+        <p:nvSpPr>
+          <p:cNvPr id="5" name="Footer Placeholder 4"/>
+          <p:cNvSpPr>
+            <a:spLocks noGrp="1"/>
+          </p:cNvSpPr>
+          <p:nvPr>
+            <p:ph type="ftr" sz="quarter" idx="11"/>
+          </p:nvPr>
+        </p:nvSpPr>
+        <p:spPr/>
+        <p:txBody>
+          <a:bodyPr/>
+          <a:lstStyle/>
+          <a:p>
+            <a:r>
+              <a:rPr lang="en-US" smtClean="0"/>
+              <a:t>Sercan KÜLCÜ, Tanenbaum, Modern Operating Systems 3e kitabından faydalanılmıştır. Tüm hakları saklıdır.</a:t>
+            </a:r>
+            <a:endParaRPr lang="en-US" dirty="0"/>
+          </a:p>
+        </p:txBody>
+      </p:sp>
+      <p:sp>
+        <p:nvSpPr>
+          <p:cNvPr id="6" name="Slide Number Placeholder 5"/>
+          <p:cNvSpPr>
+            <a:spLocks noGrp="1"/>
+          </p:cNvSpPr>
+          <p:nvPr>
+            <p:ph type="sldNum" sz="quarter" idx="12"/>
+          </p:nvPr>
+        </p:nvSpPr>
+        <p:spPr/>
+        <p:txBody>
+          <a:bodyPr/>
+          <a:lstStyle/>
+          <a:p>
+            <a:fld id="{D57F1E4F-1CFF-5643-939E-217C01CDF565}" type="slidenum">
+              <a:rPr lang="en-US" smtClean="0"/>
+              <a:pPr/>
+              <a:t>81</a:t>
+            </a:fld>
+            <a:endParaRPr lang="en-US" dirty="0"/>
+          </a:p>
+        </p:txBody>
+      </p:sp>
     </p:spTree>
     <p:extLst>
       <p:ext uri="{BB962C8B-B14F-4D97-AF65-F5344CB8AC3E}">
@@ -17777,6 +24598,76 @@
           </a:p>
         </p:txBody>
       </p:sp>
+      <p:sp>
+        <p:nvSpPr>
+          <p:cNvPr id="4" name="Date Placeholder 3"/>
+          <p:cNvSpPr>
+            <a:spLocks noGrp="1"/>
+          </p:cNvSpPr>
+          <p:nvPr>
+            <p:ph type="dt" sz="half" idx="10"/>
+          </p:nvPr>
+        </p:nvSpPr>
+        <p:spPr/>
+        <p:txBody>
+          <a:bodyPr/>
+          <a:lstStyle/>
+          <a:p>
+            <a:r>
+              <a:rPr lang="en-US" smtClean="0"/>
+              <a:t>1/15/2023</a:t>
+            </a:r>
+            <a:endParaRPr lang="en-US" dirty="0"/>
+          </a:p>
+        </p:txBody>
+      </p:sp>
+      <p:sp>
+        <p:nvSpPr>
+          <p:cNvPr id="5" name="Footer Placeholder 4"/>
+          <p:cNvSpPr>
+            <a:spLocks noGrp="1"/>
+          </p:cNvSpPr>
+          <p:nvPr>
+            <p:ph type="ftr" sz="quarter" idx="11"/>
+          </p:nvPr>
+        </p:nvSpPr>
+        <p:spPr/>
+        <p:txBody>
+          <a:bodyPr/>
+          <a:lstStyle/>
+          <a:p>
+            <a:r>
+              <a:rPr lang="en-US" smtClean="0"/>
+              <a:t>Sercan KÜLCÜ, Tanenbaum, Modern Operating Systems 3e kitabından faydalanılmıştır. Tüm hakları saklıdır.</a:t>
+            </a:r>
+            <a:endParaRPr lang="en-US" dirty="0"/>
+          </a:p>
+        </p:txBody>
+      </p:sp>
+      <p:sp>
+        <p:nvSpPr>
+          <p:cNvPr id="6" name="Slide Number Placeholder 5"/>
+          <p:cNvSpPr>
+            <a:spLocks noGrp="1"/>
+          </p:cNvSpPr>
+          <p:nvPr>
+            <p:ph type="sldNum" sz="quarter" idx="12"/>
+          </p:nvPr>
+        </p:nvSpPr>
+        <p:spPr/>
+        <p:txBody>
+          <a:bodyPr/>
+          <a:lstStyle/>
+          <a:p>
+            <a:fld id="{D57F1E4F-1CFF-5643-939E-217C01CDF565}" type="slidenum">
+              <a:rPr lang="en-US" smtClean="0"/>
+              <a:pPr/>
+              <a:t>82</a:t>
+            </a:fld>
+            <a:endParaRPr lang="en-US" dirty="0"/>
+          </a:p>
+        </p:txBody>
+      </p:sp>
     </p:spTree>
     <p:extLst>
       <p:ext uri="{BB962C8B-B14F-4D97-AF65-F5344CB8AC3E}">
@@ -17952,6 +24843,76 @@
           </a:p>
         </p:txBody>
       </p:sp>
+      <p:sp>
+        <p:nvSpPr>
+          <p:cNvPr id="4" name="Date Placeholder 3"/>
+          <p:cNvSpPr>
+            <a:spLocks noGrp="1"/>
+          </p:cNvSpPr>
+          <p:nvPr>
+            <p:ph type="dt" sz="half" idx="10"/>
+          </p:nvPr>
+        </p:nvSpPr>
+        <p:spPr/>
+        <p:txBody>
+          <a:bodyPr/>
+          <a:lstStyle/>
+          <a:p>
+            <a:r>
+              <a:rPr lang="en-US" smtClean="0"/>
+              <a:t>1/15/2023</a:t>
+            </a:r>
+            <a:endParaRPr lang="en-US" dirty="0"/>
+          </a:p>
+        </p:txBody>
+      </p:sp>
+      <p:sp>
+        <p:nvSpPr>
+          <p:cNvPr id="5" name="Footer Placeholder 4"/>
+          <p:cNvSpPr>
+            <a:spLocks noGrp="1"/>
+          </p:cNvSpPr>
+          <p:nvPr>
+            <p:ph type="ftr" sz="quarter" idx="11"/>
+          </p:nvPr>
+        </p:nvSpPr>
+        <p:spPr/>
+        <p:txBody>
+          <a:bodyPr/>
+          <a:lstStyle/>
+          <a:p>
+            <a:r>
+              <a:rPr lang="en-US" smtClean="0"/>
+              <a:t>Sercan KÜLCÜ, Tanenbaum, Modern Operating Systems 3e kitabından faydalanılmıştır. Tüm hakları saklıdır.</a:t>
+            </a:r>
+            <a:endParaRPr lang="en-US" dirty="0"/>
+          </a:p>
+        </p:txBody>
+      </p:sp>
+      <p:sp>
+        <p:nvSpPr>
+          <p:cNvPr id="6" name="Slide Number Placeholder 5"/>
+          <p:cNvSpPr>
+            <a:spLocks noGrp="1"/>
+          </p:cNvSpPr>
+          <p:nvPr>
+            <p:ph type="sldNum" sz="quarter" idx="12"/>
+          </p:nvPr>
+        </p:nvSpPr>
+        <p:spPr/>
+        <p:txBody>
+          <a:bodyPr/>
+          <a:lstStyle/>
+          <a:p>
+            <a:fld id="{D57F1E4F-1CFF-5643-939E-217C01CDF565}" type="slidenum">
+              <a:rPr lang="en-US" smtClean="0"/>
+              <a:pPr/>
+              <a:t>83</a:t>
+            </a:fld>
+            <a:endParaRPr lang="en-US" dirty="0"/>
+          </a:p>
+        </p:txBody>
+      </p:sp>
     </p:spTree>
     <p:extLst>
       <p:ext uri="{BB962C8B-B14F-4D97-AF65-F5344CB8AC3E}">
@@ -18141,6 +25102,76 @@
           </a:p>
         </p:txBody>
       </p:sp>
+      <p:sp>
+        <p:nvSpPr>
+          <p:cNvPr id="4" name="Date Placeholder 3"/>
+          <p:cNvSpPr>
+            <a:spLocks noGrp="1"/>
+          </p:cNvSpPr>
+          <p:nvPr>
+            <p:ph type="dt" sz="half" idx="10"/>
+          </p:nvPr>
+        </p:nvSpPr>
+        <p:spPr/>
+        <p:txBody>
+          <a:bodyPr/>
+          <a:lstStyle/>
+          <a:p>
+            <a:r>
+              <a:rPr lang="en-US" smtClean="0"/>
+              <a:t>1/15/2023</a:t>
+            </a:r>
+            <a:endParaRPr lang="en-US" dirty="0"/>
+          </a:p>
+        </p:txBody>
+      </p:sp>
+      <p:sp>
+        <p:nvSpPr>
+          <p:cNvPr id="5" name="Footer Placeholder 4"/>
+          <p:cNvSpPr>
+            <a:spLocks noGrp="1"/>
+          </p:cNvSpPr>
+          <p:nvPr>
+            <p:ph type="ftr" sz="quarter" idx="11"/>
+          </p:nvPr>
+        </p:nvSpPr>
+        <p:spPr/>
+        <p:txBody>
+          <a:bodyPr/>
+          <a:lstStyle/>
+          <a:p>
+            <a:r>
+              <a:rPr lang="en-US" smtClean="0"/>
+              <a:t>Sercan KÜLCÜ, Tanenbaum, Modern Operating Systems 3e kitabından faydalanılmıştır. Tüm hakları saklıdır.</a:t>
+            </a:r>
+            <a:endParaRPr lang="en-US" dirty="0"/>
+          </a:p>
+        </p:txBody>
+      </p:sp>
+      <p:sp>
+        <p:nvSpPr>
+          <p:cNvPr id="6" name="Slide Number Placeholder 5"/>
+          <p:cNvSpPr>
+            <a:spLocks noGrp="1"/>
+          </p:cNvSpPr>
+          <p:nvPr>
+            <p:ph type="sldNum" sz="quarter" idx="12"/>
+          </p:nvPr>
+        </p:nvSpPr>
+        <p:spPr/>
+        <p:txBody>
+          <a:bodyPr/>
+          <a:lstStyle/>
+          <a:p>
+            <a:fld id="{D57F1E4F-1CFF-5643-939E-217C01CDF565}" type="slidenum">
+              <a:rPr lang="en-US" smtClean="0"/>
+              <a:pPr/>
+              <a:t>84</a:t>
+            </a:fld>
+            <a:endParaRPr lang="en-US" dirty="0"/>
+          </a:p>
+        </p:txBody>
+      </p:sp>
     </p:spTree>
     <p:extLst>
       <p:ext uri="{BB962C8B-B14F-4D97-AF65-F5344CB8AC3E}">
@@ -18324,6 +25355,76 @@
           </a:p>
         </p:txBody>
       </p:sp>
+      <p:sp>
+        <p:nvSpPr>
+          <p:cNvPr id="4" name="Date Placeholder 3"/>
+          <p:cNvSpPr>
+            <a:spLocks noGrp="1"/>
+          </p:cNvSpPr>
+          <p:nvPr>
+            <p:ph type="dt" sz="half" idx="10"/>
+          </p:nvPr>
+        </p:nvSpPr>
+        <p:spPr/>
+        <p:txBody>
+          <a:bodyPr/>
+          <a:lstStyle/>
+          <a:p>
+            <a:r>
+              <a:rPr lang="en-US" smtClean="0"/>
+              <a:t>1/15/2023</a:t>
+            </a:r>
+            <a:endParaRPr lang="en-US" dirty="0"/>
+          </a:p>
+        </p:txBody>
+      </p:sp>
+      <p:sp>
+        <p:nvSpPr>
+          <p:cNvPr id="5" name="Footer Placeholder 4"/>
+          <p:cNvSpPr>
+            <a:spLocks noGrp="1"/>
+          </p:cNvSpPr>
+          <p:nvPr>
+            <p:ph type="ftr" sz="quarter" idx="11"/>
+          </p:nvPr>
+        </p:nvSpPr>
+        <p:spPr/>
+        <p:txBody>
+          <a:bodyPr/>
+          <a:lstStyle/>
+          <a:p>
+            <a:r>
+              <a:rPr lang="en-US" smtClean="0"/>
+              <a:t>Sercan KÜLCÜ, Tanenbaum, Modern Operating Systems 3e kitabından faydalanılmıştır. Tüm hakları saklıdır.</a:t>
+            </a:r>
+            <a:endParaRPr lang="en-US" dirty="0"/>
+          </a:p>
+        </p:txBody>
+      </p:sp>
+      <p:sp>
+        <p:nvSpPr>
+          <p:cNvPr id="6" name="Slide Number Placeholder 5"/>
+          <p:cNvSpPr>
+            <a:spLocks noGrp="1"/>
+          </p:cNvSpPr>
+          <p:nvPr>
+            <p:ph type="sldNum" sz="quarter" idx="12"/>
+          </p:nvPr>
+        </p:nvSpPr>
+        <p:spPr/>
+        <p:txBody>
+          <a:bodyPr/>
+          <a:lstStyle/>
+          <a:p>
+            <a:fld id="{D57F1E4F-1CFF-5643-939E-217C01CDF565}" type="slidenum">
+              <a:rPr lang="en-US" smtClean="0"/>
+              <a:pPr/>
+              <a:t>85</a:t>
+            </a:fld>
+            <a:endParaRPr lang="en-US" dirty="0"/>
+          </a:p>
+        </p:txBody>
+      </p:sp>
     </p:spTree>
     <p:extLst>
       <p:ext uri="{BB962C8B-B14F-4D97-AF65-F5344CB8AC3E}">
@@ -18503,6 +25604,76 @@
           </a:p>
         </p:txBody>
       </p:sp>
+      <p:sp>
+        <p:nvSpPr>
+          <p:cNvPr id="4" name="Date Placeholder 3"/>
+          <p:cNvSpPr>
+            <a:spLocks noGrp="1"/>
+          </p:cNvSpPr>
+          <p:nvPr>
+            <p:ph type="dt" sz="half" idx="10"/>
+          </p:nvPr>
+        </p:nvSpPr>
+        <p:spPr/>
+        <p:txBody>
+          <a:bodyPr/>
+          <a:lstStyle/>
+          <a:p>
+            <a:r>
+              <a:rPr lang="en-US" smtClean="0"/>
+              <a:t>1/15/2023</a:t>
+            </a:r>
+            <a:endParaRPr lang="en-US" dirty="0"/>
+          </a:p>
+        </p:txBody>
+      </p:sp>
+      <p:sp>
+        <p:nvSpPr>
+          <p:cNvPr id="5" name="Footer Placeholder 4"/>
+          <p:cNvSpPr>
+            <a:spLocks noGrp="1"/>
+          </p:cNvSpPr>
+          <p:nvPr>
+            <p:ph type="ftr" sz="quarter" idx="11"/>
+          </p:nvPr>
+        </p:nvSpPr>
+        <p:spPr/>
+        <p:txBody>
+          <a:bodyPr/>
+          <a:lstStyle/>
+          <a:p>
+            <a:r>
+              <a:rPr lang="en-US" smtClean="0"/>
+              <a:t>Sercan KÜLCÜ, Tanenbaum, Modern Operating Systems 3e kitabından faydalanılmıştır. Tüm hakları saklıdır.</a:t>
+            </a:r>
+            <a:endParaRPr lang="en-US" dirty="0"/>
+          </a:p>
+        </p:txBody>
+      </p:sp>
+      <p:sp>
+        <p:nvSpPr>
+          <p:cNvPr id="6" name="Slide Number Placeholder 5"/>
+          <p:cNvSpPr>
+            <a:spLocks noGrp="1"/>
+          </p:cNvSpPr>
+          <p:nvPr>
+            <p:ph type="sldNum" sz="quarter" idx="12"/>
+          </p:nvPr>
+        </p:nvSpPr>
+        <p:spPr/>
+        <p:txBody>
+          <a:bodyPr/>
+          <a:lstStyle/>
+          <a:p>
+            <a:fld id="{D57F1E4F-1CFF-5643-939E-217C01CDF565}" type="slidenum">
+              <a:rPr lang="en-US" smtClean="0"/>
+              <a:pPr/>
+              <a:t>86</a:t>
+            </a:fld>
+            <a:endParaRPr lang="en-US" dirty="0"/>
+          </a:p>
+        </p:txBody>
+      </p:sp>
     </p:spTree>
     <p:extLst>
       <p:ext uri="{BB962C8B-B14F-4D97-AF65-F5344CB8AC3E}">
@@ -18613,6 +25784,76 @@
           </a:prstGeom>
         </p:spPr>
       </p:pic>
+      <p:sp>
+        <p:nvSpPr>
+          <p:cNvPr id="3" name="Date Placeholder 2"/>
+          <p:cNvSpPr>
+            <a:spLocks noGrp="1"/>
+          </p:cNvSpPr>
+          <p:nvPr>
+            <p:ph type="dt" sz="half" idx="10"/>
+          </p:nvPr>
+        </p:nvSpPr>
+        <p:spPr/>
+        <p:txBody>
+          <a:bodyPr/>
+          <a:lstStyle/>
+          <a:p>
+            <a:r>
+              <a:rPr lang="en-US" smtClean="0"/>
+              <a:t>1/15/2023</a:t>
+            </a:r>
+            <a:endParaRPr lang="en-US" dirty="0"/>
+          </a:p>
+        </p:txBody>
+      </p:sp>
+      <p:sp>
+        <p:nvSpPr>
+          <p:cNvPr id="5" name="Footer Placeholder 4"/>
+          <p:cNvSpPr>
+            <a:spLocks noGrp="1"/>
+          </p:cNvSpPr>
+          <p:nvPr>
+            <p:ph type="ftr" sz="quarter" idx="11"/>
+          </p:nvPr>
+        </p:nvSpPr>
+        <p:spPr/>
+        <p:txBody>
+          <a:bodyPr/>
+          <a:lstStyle/>
+          <a:p>
+            <a:r>
+              <a:rPr lang="en-US" smtClean="0"/>
+              <a:t>Sercan KÜLCÜ, Tanenbaum, Modern Operating Systems 3e kitabından faydalanılmıştır. Tüm hakları saklıdır.</a:t>
+            </a:r>
+            <a:endParaRPr lang="en-US" dirty="0"/>
+          </a:p>
+        </p:txBody>
+      </p:sp>
+      <p:sp>
+        <p:nvSpPr>
+          <p:cNvPr id="6" name="Slide Number Placeholder 5"/>
+          <p:cNvSpPr>
+            <a:spLocks noGrp="1"/>
+          </p:cNvSpPr>
+          <p:nvPr>
+            <p:ph type="sldNum" sz="quarter" idx="12"/>
+          </p:nvPr>
+        </p:nvSpPr>
+        <p:spPr/>
+        <p:txBody>
+          <a:bodyPr/>
+          <a:lstStyle/>
+          <a:p>
+            <a:fld id="{D57F1E4F-1CFF-5643-939E-217C01CDF565}" type="slidenum">
+              <a:rPr lang="en-US" smtClean="0"/>
+              <a:pPr/>
+              <a:t>87</a:t>
+            </a:fld>
+            <a:endParaRPr lang="en-US" dirty="0"/>
+          </a:p>
+        </p:txBody>
+      </p:sp>
     </p:spTree>
     <p:extLst>
       <p:ext uri="{BB962C8B-B14F-4D97-AF65-F5344CB8AC3E}">
@@ -18742,6 +25983,76 @@
               <a:t>gerekir</a:t>
             </a:r>
             <a:endParaRPr lang="tr-TR" dirty="0"/>
+          </a:p>
+        </p:txBody>
+      </p:sp>
+      <p:sp>
+        <p:nvSpPr>
+          <p:cNvPr id="4" name="Date Placeholder 3"/>
+          <p:cNvSpPr>
+            <a:spLocks noGrp="1"/>
+          </p:cNvSpPr>
+          <p:nvPr>
+            <p:ph type="dt" sz="half" idx="10"/>
+          </p:nvPr>
+        </p:nvSpPr>
+        <p:spPr/>
+        <p:txBody>
+          <a:bodyPr/>
+          <a:lstStyle/>
+          <a:p>
+            <a:r>
+              <a:rPr lang="en-US" smtClean="0"/>
+              <a:t>1/15/2023</a:t>
+            </a:r>
+            <a:endParaRPr lang="en-US" dirty="0"/>
+          </a:p>
+        </p:txBody>
+      </p:sp>
+      <p:sp>
+        <p:nvSpPr>
+          <p:cNvPr id="5" name="Footer Placeholder 4"/>
+          <p:cNvSpPr>
+            <a:spLocks noGrp="1"/>
+          </p:cNvSpPr>
+          <p:nvPr>
+            <p:ph type="ftr" sz="quarter" idx="11"/>
+          </p:nvPr>
+        </p:nvSpPr>
+        <p:spPr/>
+        <p:txBody>
+          <a:bodyPr/>
+          <a:lstStyle/>
+          <a:p>
+            <a:r>
+              <a:rPr lang="en-US" smtClean="0"/>
+              <a:t>Sercan KÜLCÜ, Tanenbaum, Modern Operating Systems 3e kitabından faydalanılmıştır. Tüm hakları saklıdır.</a:t>
+            </a:r>
+            <a:endParaRPr lang="en-US" dirty="0"/>
+          </a:p>
+        </p:txBody>
+      </p:sp>
+      <p:sp>
+        <p:nvSpPr>
+          <p:cNvPr id="6" name="Slide Number Placeholder 5"/>
+          <p:cNvSpPr>
+            <a:spLocks noGrp="1"/>
+          </p:cNvSpPr>
+          <p:nvPr>
+            <p:ph type="sldNum" sz="quarter" idx="12"/>
+          </p:nvPr>
+        </p:nvSpPr>
+        <p:spPr/>
+        <p:txBody>
+          <a:bodyPr/>
+          <a:lstStyle/>
+          <a:p>
+            <a:fld id="{D57F1E4F-1CFF-5643-939E-217C01CDF565}" type="slidenum">
+              <a:rPr lang="en-US" smtClean="0"/>
+              <a:pPr/>
+              <a:t>88</a:t>
+            </a:fld>
+            <a:endParaRPr lang="en-US" dirty="0"/>
           </a:p>
         </p:txBody>
       </p:sp>
@@ -18978,6 +26289,76 @@
           </a:extLst>
         </p:spPr>
       </p:pic>
+      <p:sp>
+        <p:nvSpPr>
+          <p:cNvPr id="6" name="Date Placeholder 5"/>
+          <p:cNvSpPr>
+            <a:spLocks noGrp="1"/>
+          </p:cNvSpPr>
+          <p:nvPr>
+            <p:ph type="dt" sz="half" idx="10"/>
+          </p:nvPr>
+        </p:nvSpPr>
+        <p:spPr/>
+        <p:txBody>
+          <a:bodyPr/>
+          <a:lstStyle/>
+          <a:p>
+            <a:r>
+              <a:rPr lang="en-US" smtClean="0"/>
+              <a:t>1/15/2023</a:t>
+            </a:r>
+            <a:endParaRPr lang="en-US" dirty="0"/>
+          </a:p>
+        </p:txBody>
+      </p:sp>
+      <p:sp>
+        <p:nvSpPr>
+          <p:cNvPr id="7" name="Footer Placeholder 6"/>
+          <p:cNvSpPr>
+            <a:spLocks noGrp="1"/>
+          </p:cNvSpPr>
+          <p:nvPr>
+            <p:ph type="ftr" sz="quarter" idx="11"/>
+          </p:nvPr>
+        </p:nvSpPr>
+        <p:spPr/>
+        <p:txBody>
+          <a:bodyPr/>
+          <a:lstStyle/>
+          <a:p>
+            <a:r>
+              <a:rPr lang="en-US" smtClean="0"/>
+              <a:t>Sercan KÜLCÜ, Tanenbaum, Modern Operating Systems 3e kitabından faydalanılmıştır. Tüm hakları saklıdır.</a:t>
+            </a:r>
+            <a:endParaRPr lang="en-US" dirty="0"/>
+          </a:p>
+        </p:txBody>
+      </p:sp>
+      <p:sp>
+        <p:nvSpPr>
+          <p:cNvPr id="8" name="Slide Number Placeholder 7"/>
+          <p:cNvSpPr>
+            <a:spLocks noGrp="1"/>
+          </p:cNvSpPr>
+          <p:nvPr>
+            <p:ph type="sldNum" sz="quarter" idx="12"/>
+          </p:nvPr>
+        </p:nvSpPr>
+        <p:spPr/>
+        <p:txBody>
+          <a:bodyPr/>
+          <a:lstStyle/>
+          <a:p>
+            <a:fld id="{D57F1E4F-1CFF-5643-939E-217C01CDF565}" type="slidenum">
+              <a:rPr lang="en-US" smtClean="0"/>
+              <a:pPr/>
+              <a:t>89</a:t>
+            </a:fld>
+            <a:endParaRPr lang="en-US" dirty="0"/>
+          </a:p>
+        </p:txBody>
+      </p:sp>
     </p:spTree>
     <p:extLst>
       <p:ext uri="{BB962C8B-B14F-4D97-AF65-F5344CB8AC3E}">
@@ -19132,6 +26513,76 @@
           </a:extLst>
         </p:spPr>
       </p:pic>
+      <p:sp>
+        <p:nvSpPr>
+          <p:cNvPr id="5" name="Date Placeholder 4"/>
+          <p:cNvSpPr>
+            <a:spLocks noGrp="1"/>
+          </p:cNvSpPr>
+          <p:nvPr>
+            <p:ph type="dt" sz="half" idx="10"/>
+          </p:nvPr>
+        </p:nvSpPr>
+        <p:spPr/>
+        <p:txBody>
+          <a:bodyPr/>
+          <a:lstStyle/>
+          <a:p>
+            <a:r>
+              <a:rPr lang="en-US" smtClean="0"/>
+              <a:t>1/15/2023</a:t>
+            </a:r>
+            <a:endParaRPr lang="en-US" dirty="0"/>
+          </a:p>
+        </p:txBody>
+      </p:sp>
+      <p:sp>
+        <p:nvSpPr>
+          <p:cNvPr id="6" name="Footer Placeholder 5"/>
+          <p:cNvSpPr>
+            <a:spLocks noGrp="1"/>
+          </p:cNvSpPr>
+          <p:nvPr>
+            <p:ph type="ftr" sz="quarter" idx="11"/>
+          </p:nvPr>
+        </p:nvSpPr>
+        <p:spPr/>
+        <p:txBody>
+          <a:bodyPr/>
+          <a:lstStyle/>
+          <a:p>
+            <a:r>
+              <a:rPr lang="en-US" smtClean="0"/>
+              <a:t>Sercan KÜLCÜ, Tanenbaum, Modern Operating Systems 3e kitabından faydalanılmıştır. Tüm hakları saklıdır.</a:t>
+            </a:r>
+            <a:endParaRPr lang="en-US" dirty="0"/>
+          </a:p>
+        </p:txBody>
+      </p:sp>
+      <p:sp>
+        <p:nvSpPr>
+          <p:cNvPr id="7" name="Slide Number Placeholder 6"/>
+          <p:cNvSpPr>
+            <a:spLocks noGrp="1"/>
+          </p:cNvSpPr>
+          <p:nvPr>
+            <p:ph type="sldNum" sz="quarter" idx="12"/>
+          </p:nvPr>
+        </p:nvSpPr>
+        <p:spPr/>
+        <p:txBody>
+          <a:bodyPr/>
+          <a:lstStyle/>
+          <a:p>
+            <a:fld id="{D57F1E4F-1CFF-5643-939E-217C01CDF565}" type="slidenum">
+              <a:rPr lang="en-US" smtClean="0"/>
+              <a:pPr/>
+              <a:t>9</a:t>
+            </a:fld>
+            <a:endParaRPr lang="en-US" dirty="0"/>
+          </a:p>
+        </p:txBody>
+      </p:sp>
     </p:spTree>
     <p:extLst>
       <p:ext uri="{BB962C8B-B14F-4D97-AF65-F5344CB8AC3E}">
@@ -19250,6 +26701,76 @@
           </a:p>
         </p:txBody>
       </p:sp>
+      <p:sp>
+        <p:nvSpPr>
+          <p:cNvPr id="4" name="Date Placeholder 3"/>
+          <p:cNvSpPr>
+            <a:spLocks noGrp="1"/>
+          </p:cNvSpPr>
+          <p:nvPr>
+            <p:ph type="dt" sz="half" idx="10"/>
+          </p:nvPr>
+        </p:nvSpPr>
+        <p:spPr/>
+        <p:txBody>
+          <a:bodyPr/>
+          <a:lstStyle/>
+          <a:p>
+            <a:r>
+              <a:rPr lang="en-US" smtClean="0"/>
+              <a:t>1/15/2023</a:t>
+            </a:r>
+            <a:endParaRPr lang="en-US" dirty="0"/>
+          </a:p>
+        </p:txBody>
+      </p:sp>
+      <p:sp>
+        <p:nvSpPr>
+          <p:cNvPr id="5" name="Footer Placeholder 4"/>
+          <p:cNvSpPr>
+            <a:spLocks noGrp="1"/>
+          </p:cNvSpPr>
+          <p:nvPr>
+            <p:ph type="ftr" sz="quarter" idx="11"/>
+          </p:nvPr>
+        </p:nvSpPr>
+        <p:spPr/>
+        <p:txBody>
+          <a:bodyPr/>
+          <a:lstStyle/>
+          <a:p>
+            <a:r>
+              <a:rPr lang="en-US" smtClean="0"/>
+              <a:t>Sercan KÜLCÜ, Tanenbaum, Modern Operating Systems 3e kitabından faydalanılmıştır. Tüm hakları saklıdır.</a:t>
+            </a:r>
+            <a:endParaRPr lang="en-US" dirty="0"/>
+          </a:p>
+        </p:txBody>
+      </p:sp>
+      <p:sp>
+        <p:nvSpPr>
+          <p:cNvPr id="6" name="Slide Number Placeholder 5"/>
+          <p:cNvSpPr>
+            <a:spLocks noGrp="1"/>
+          </p:cNvSpPr>
+          <p:nvPr>
+            <p:ph type="sldNum" sz="quarter" idx="12"/>
+          </p:nvPr>
+        </p:nvSpPr>
+        <p:spPr/>
+        <p:txBody>
+          <a:bodyPr/>
+          <a:lstStyle/>
+          <a:p>
+            <a:fld id="{D57F1E4F-1CFF-5643-939E-217C01CDF565}" type="slidenum">
+              <a:rPr lang="en-US" smtClean="0"/>
+              <a:pPr/>
+              <a:t>90</a:t>
+            </a:fld>
+            <a:endParaRPr lang="en-US" dirty="0"/>
+          </a:p>
+        </p:txBody>
+      </p:sp>
     </p:spTree>
     <p:extLst>
       <p:ext uri="{BB962C8B-B14F-4D97-AF65-F5344CB8AC3E}">
@@ -19336,6 +26857,76 @@
           </a:prstGeom>
         </p:spPr>
       </p:pic>
+      <p:sp>
+        <p:nvSpPr>
+          <p:cNvPr id="3" name="Date Placeholder 2"/>
+          <p:cNvSpPr>
+            <a:spLocks noGrp="1"/>
+          </p:cNvSpPr>
+          <p:nvPr>
+            <p:ph type="dt" sz="half" idx="10"/>
+          </p:nvPr>
+        </p:nvSpPr>
+        <p:spPr/>
+        <p:txBody>
+          <a:bodyPr/>
+          <a:lstStyle/>
+          <a:p>
+            <a:r>
+              <a:rPr lang="en-US" smtClean="0"/>
+              <a:t>1/15/2023</a:t>
+            </a:r>
+            <a:endParaRPr lang="en-US" dirty="0"/>
+          </a:p>
+        </p:txBody>
+      </p:sp>
+      <p:sp>
+        <p:nvSpPr>
+          <p:cNvPr id="5" name="Footer Placeholder 4"/>
+          <p:cNvSpPr>
+            <a:spLocks noGrp="1"/>
+          </p:cNvSpPr>
+          <p:nvPr>
+            <p:ph type="ftr" sz="quarter" idx="11"/>
+          </p:nvPr>
+        </p:nvSpPr>
+        <p:spPr/>
+        <p:txBody>
+          <a:bodyPr/>
+          <a:lstStyle/>
+          <a:p>
+            <a:r>
+              <a:rPr lang="en-US" smtClean="0"/>
+              <a:t>Sercan KÜLCÜ, Tanenbaum, Modern Operating Systems 3e kitabından faydalanılmıştır. Tüm hakları saklıdır.</a:t>
+            </a:r>
+            <a:endParaRPr lang="en-US" dirty="0"/>
+          </a:p>
+        </p:txBody>
+      </p:sp>
+      <p:sp>
+        <p:nvSpPr>
+          <p:cNvPr id="6" name="Slide Number Placeholder 5"/>
+          <p:cNvSpPr>
+            <a:spLocks noGrp="1"/>
+          </p:cNvSpPr>
+          <p:nvPr>
+            <p:ph type="sldNum" sz="quarter" idx="12"/>
+          </p:nvPr>
+        </p:nvSpPr>
+        <p:spPr/>
+        <p:txBody>
+          <a:bodyPr/>
+          <a:lstStyle/>
+          <a:p>
+            <a:fld id="{D57F1E4F-1CFF-5643-939E-217C01CDF565}" type="slidenum">
+              <a:rPr lang="en-US" smtClean="0"/>
+              <a:pPr/>
+              <a:t>91</a:t>
+            </a:fld>
+            <a:endParaRPr lang="en-US" dirty="0"/>
+          </a:p>
+        </p:txBody>
+      </p:sp>
     </p:spTree>
     <p:extLst>
       <p:ext uri="{BB962C8B-B14F-4D97-AF65-F5344CB8AC3E}">
@@ -19472,6 +27063,76 @@
           </a:p>
         </p:txBody>
       </p:sp>
+      <p:sp>
+        <p:nvSpPr>
+          <p:cNvPr id="4" name="Date Placeholder 3"/>
+          <p:cNvSpPr>
+            <a:spLocks noGrp="1"/>
+          </p:cNvSpPr>
+          <p:nvPr>
+            <p:ph type="dt" sz="half" idx="10"/>
+          </p:nvPr>
+        </p:nvSpPr>
+        <p:spPr/>
+        <p:txBody>
+          <a:bodyPr/>
+          <a:lstStyle/>
+          <a:p>
+            <a:r>
+              <a:rPr lang="en-US" smtClean="0"/>
+              <a:t>1/15/2023</a:t>
+            </a:r>
+            <a:endParaRPr lang="en-US" dirty="0"/>
+          </a:p>
+        </p:txBody>
+      </p:sp>
+      <p:sp>
+        <p:nvSpPr>
+          <p:cNvPr id="5" name="Footer Placeholder 4"/>
+          <p:cNvSpPr>
+            <a:spLocks noGrp="1"/>
+          </p:cNvSpPr>
+          <p:nvPr>
+            <p:ph type="ftr" sz="quarter" idx="11"/>
+          </p:nvPr>
+        </p:nvSpPr>
+        <p:spPr/>
+        <p:txBody>
+          <a:bodyPr/>
+          <a:lstStyle/>
+          <a:p>
+            <a:r>
+              <a:rPr lang="en-US" smtClean="0"/>
+              <a:t>Sercan KÜLCÜ, Tanenbaum, Modern Operating Systems 3e kitabından faydalanılmıştır. Tüm hakları saklıdır.</a:t>
+            </a:r>
+            <a:endParaRPr lang="en-US" dirty="0"/>
+          </a:p>
+        </p:txBody>
+      </p:sp>
+      <p:sp>
+        <p:nvSpPr>
+          <p:cNvPr id="6" name="Slide Number Placeholder 5"/>
+          <p:cNvSpPr>
+            <a:spLocks noGrp="1"/>
+          </p:cNvSpPr>
+          <p:nvPr>
+            <p:ph type="sldNum" sz="quarter" idx="12"/>
+          </p:nvPr>
+        </p:nvSpPr>
+        <p:spPr/>
+        <p:txBody>
+          <a:bodyPr/>
+          <a:lstStyle/>
+          <a:p>
+            <a:fld id="{D57F1E4F-1CFF-5643-939E-217C01CDF565}" type="slidenum">
+              <a:rPr lang="en-US" smtClean="0"/>
+              <a:pPr/>
+              <a:t>92</a:t>
+            </a:fld>
+            <a:endParaRPr lang="en-US" dirty="0"/>
+          </a:p>
+        </p:txBody>
+      </p:sp>
     </p:spTree>
     <p:extLst>
       <p:ext uri="{BB962C8B-B14F-4D97-AF65-F5344CB8AC3E}">
@@ -19731,6 +27392,76 @@
               <a:rPr lang="tr-TR" dirty="0"/>
               <a:t>)</a:t>
             </a:r>
+          </a:p>
+        </p:txBody>
+      </p:sp>
+      <p:sp>
+        <p:nvSpPr>
+          <p:cNvPr id="4" name="Date Placeholder 3"/>
+          <p:cNvSpPr>
+            <a:spLocks noGrp="1"/>
+          </p:cNvSpPr>
+          <p:nvPr>
+            <p:ph type="dt" sz="half" idx="10"/>
+          </p:nvPr>
+        </p:nvSpPr>
+        <p:spPr/>
+        <p:txBody>
+          <a:bodyPr/>
+          <a:lstStyle/>
+          <a:p>
+            <a:r>
+              <a:rPr lang="en-US" smtClean="0"/>
+              <a:t>1/15/2023</a:t>
+            </a:r>
+            <a:endParaRPr lang="en-US" dirty="0"/>
+          </a:p>
+        </p:txBody>
+      </p:sp>
+      <p:sp>
+        <p:nvSpPr>
+          <p:cNvPr id="5" name="Footer Placeholder 4"/>
+          <p:cNvSpPr>
+            <a:spLocks noGrp="1"/>
+          </p:cNvSpPr>
+          <p:nvPr>
+            <p:ph type="ftr" sz="quarter" idx="11"/>
+          </p:nvPr>
+        </p:nvSpPr>
+        <p:spPr/>
+        <p:txBody>
+          <a:bodyPr/>
+          <a:lstStyle/>
+          <a:p>
+            <a:r>
+              <a:rPr lang="en-US" smtClean="0"/>
+              <a:t>Sercan KÜLCÜ, Tanenbaum, Modern Operating Systems 3e kitabından faydalanılmıştır. Tüm hakları saklıdır.</a:t>
+            </a:r>
+            <a:endParaRPr lang="en-US" dirty="0"/>
+          </a:p>
+        </p:txBody>
+      </p:sp>
+      <p:sp>
+        <p:nvSpPr>
+          <p:cNvPr id="6" name="Slide Number Placeholder 5"/>
+          <p:cNvSpPr>
+            <a:spLocks noGrp="1"/>
+          </p:cNvSpPr>
+          <p:nvPr>
+            <p:ph type="sldNum" sz="quarter" idx="12"/>
+          </p:nvPr>
+        </p:nvSpPr>
+        <p:spPr/>
+        <p:txBody>
+          <a:bodyPr/>
+          <a:lstStyle/>
+          <a:p>
+            <a:fld id="{D57F1E4F-1CFF-5643-939E-217C01CDF565}" type="slidenum">
+              <a:rPr lang="en-US" smtClean="0"/>
+              <a:pPr/>
+              <a:t>93</a:t>
+            </a:fld>
+            <a:endParaRPr lang="en-US" dirty="0"/>
           </a:p>
         </p:txBody>
       </p:sp>
@@ -19880,6 +27611,76 @@
           </a:extLst>
         </p:spPr>
       </p:pic>
+      <p:sp>
+        <p:nvSpPr>
+          <p:cNvPr id="5" name="Date Placeholder 4"/>
+          <p:cNvSpPr>
+            <a:spLocks noGrp="1"/>
+          </p:cNvSpPr>
+          <p:nvPr>
+            <p:ph type="dt" sz="half" idx="10"/>
+          </p:nvPr>
+        </p:nvSpPr>
+        <p:spPr/>
+        <p:txBody>
+          <a:bodyPr/>
+          <a:lstStyle/>
+          <a:p>
+            <a:r>
+              <a:rPr lang="en-US" smtClean="0"/>
+              <a:t>1/15/2023</a:t>
+            </a:r>
+            <a:endParaRPr lang="en-US" dirty="0"/>
+          </a:p>
+        </p:txBody>
+      </p:sp>
+      <p:sp>
+        <p:nvSpPr>
+          <p:cNvPr id="6" name="Footer Placeholder 5"/>
+          <p:cNvSpPr>
+            <a:spLocks noGrp="1"/>
+          </p:cNvSpPr>
+          <p:nvPr>
+            <p:ph type="ftr" sz="quarter" idx="11"/>
+          </p:nvPr>
+        </p:nvSpPr>
+        <p:spPr/>
+        <p:txBody>
+          <a:bodyPr/>
+          <a:lstStyle/>
+          <a:p>
+            <a:r>
+              <a:rPr lang="en-US" smtClean="0"/>
+              <a:t>Sercan KÜLCÜ, Tanenbaum, Modern Operating Systems 3e kitabından faydalanılmıştır. Tüm hakları saklıdır.</a:t>
+            </a:r>
+            <a:endParaRPr lang="en-US" dirty="0"/>
+          </a:p>
+        </p:txBody>
+      </p:sp>
+      <p:sp>
+        <p:nvSpPr>
+          <p:cNvPr id="7" name="Slide Number Placeholder 6"/>
+          <p:cNvSpPr>
+            <a:spLocks noGrp="1"/>
+          </p:cNvSpPr>
+          <p:nvPr>
+            <p:ph type="sldNum" sz="quarter" idx="12"/>
+          </p:nvPr>
+        </p:nvSpPr>
+        <p:spPr/>
+        <p:txBody>
+          <a:bodyPr/>
+          <a:lstStyle/>
+          <a:p>
+            <a:fld id="{D57F1E4F-1CFF-5643-939E-217C01CDF565}" type="slidenum">
+              <a:rPr lang="en-US" smtClean="0"/>
+              <a:pPr/>
+              <a:t>94</a:t>
+            </a:fld>
+            <a:endParaRPr lang="en-US" dirty="0"/>
+          </a:p>
+        </p:txBody>
+      </p:sp>
     </p:spTree>
     <p:extLst>
       <p:ext uri="{BB962C8B-B14F-4D97-AF65-F5344CB8AC3E}">
@@ -20519,6 +28320,76 @@
           </a:graphicData>
         </a:graphic>
       </p:graphicFrame>
+      <p:sp>
+        <p:nvSpPr>
+          <p:cNvPr id="4" name="Date Placeholder 3"/>
+          <p:cNvSpPr>
+            <a:spLocks noGrp="1"/>
+          </p:cNvSpPr>
+          <p:nvPr>
+            <p:ph type="dt" sz="half" idx="10"/>
+          </p:nvPr>
+        </p:nvSpPr>
+        <p:spPr/>
+        <p:txBody>
+          <a:bodyPr/>
+          <a:lstStyle/>
+          <a:p>
+            <a:r>
+              <a:rPr lang="en-US" smtClean="0"/>
+              <a:t>1/15/2023</a:t>
+            </a:r>
+            <a:endParaRPr lang="en-US" dirty="0"/>
+          </a:p>
+        </p:txBody>
+      </p:sp>
+      <p:sp>
+        <p:nvSpPr>
+          <p:cNvPr id="7" name="Footer Placeholder 6"/>
+          <p:cNvSpPr>
+            <a:spLocks noGrp="1"/>
+          </p:cNvSpPr>
+          <p:nvPr>
+            <p:ph type="ftr" sz="quarter" idx="11"/>
+          </p:nvPr>
+        </p:nvSpPr>
+        <p:spPr/>
+        <p:txBody>
+          <a:bodyPr/>
+          <a:lstStyle/>
+          <a:p>
+            <a:r>
+              <a:rPr lang="en-US" smtClean="0"/>
+              <a:t>Sercan KÜLCÜ, Tanenbaum, Modern Operating Systems 3e kitabından faydalanılmıştır. Tüm hakları saklıdır.</a:t>
+            </a:r>
+            <a:endParaRPr lang="en-US" dirty="0"/>
+          </a:p>
+        </p:txBody>
+      </p:sp>
+      <p:sp>
+        <p:nvSpPr>
+          <p:cNvPr id="8" name="Slide Number Placeholder 7"/>
+          <p:cNvSpPr>
+            <a:spLocks noGrp="1"/>
+          </p:cNvSpPr>
+          <p:nvPr>
+            <p:ph type="sldNum" sz="quarter" idx="12"/>
+          </p:nvPr>
+        </p:nvSpPr>
+        <p:spPr/>
+        <p:txBody>
+          <a:bodyPr/>
+          <a:lstStyle/>
+          <a:p>
+            <a:fld id="{D57F1E4F-1CFF-5643-939E-217C01CDF565}" type="slidenum">
+              <a:rPr lang="en-US" smtClean="0"/>
+              <a:pPr/>
+              <a:t>95</a:t>
+            </a:fld>
+            <a:endParaRPr lang="en-US" dirty="0"/>
+          </a:p>
+        </p:txBody>
+      </p:sp>
     </p:spTree>
     <p:extLst>
       <p:ext uri="{BB962C8B-B14F-4D97-AF65-F5344CB8AC3E}">
@@ -20713,6 +28584,76 @@
           </a:p>
         </p:txBody>
       </p:sp>
+      <p:sp>
+        <p:nvSpPr>
+          <p:cNvPr id="4" name="Date Placeholder 3"/>
+          <p:cNvSpPr>
+            <a:spLocks noGrp="1"/>
+          </p:cNvSpPr>
+          <p:nvPr>
+            <p:ph type="dt" sz="half" idx="10"/>
+          </p:nvPr>
+        </p:nvSpPr>
+        <p:spPr/>
+        <p:txBody>
+          <a:bodyPr/>
+          <a:lstStyle/>
+          <a:p>
+            <a:r>
+              <a:rPr lang="en-US" smtClean="0"/>
+              <a:t>1/15/2023</a:t>
+            </a:r>
+            <a:endParaRPr lang="en-US" dirty="0"/>
+          </a:p>
+        </p:txBody>
+      </p:sp>
+      <p:sp>
+        <p:nvSpPr>
+          <p:cNvPr id="5" name="Footer Placeholder 4"/>
+          <p:cNvSpPr>
+            <a:spLocks noGrp="1"/>
+          </p:cNvSpPr>
+          <p:nvPr>
+            <p:ph type="ftr" sz="quarter" idx="11"/>
+          </p:nvPr>
+        </p:nvSpPr>
+        <p:spPr/>
+        <p:txBody>
+          <a:bodyPr/>
+          <a:lstStyle/>
+          <a:p>
+            <a:r>
+              <a:rPr lang="en-US" smtClean="0"/>
+              <a:t>Sercan KÜLCÜ, Tanenbaum, Modern Operating Systems 3e kitabından faydalanılmıştır. Tüm hakları saklıdır.</a:t>
+            </a:r>
+            <a:endParaRPr lang="en-US" dirty="0"/>
+          </a:p>
+        </p:txBody>
+      </p:sp>
+      <p:sp>
+        <p:nvSpPr>
+          <p:cNvPr id="6" name="Slide Number Placeholder 5"/>
+          <p:cNvSpPr>
+            <a:spLocks noGrp="1"/>
+          </p:cNvSpPr>
+          <p:nvPr>
+            <p:ph type="sldNum" sz="quarter" idx="12"/>
+          </p:nvPr>
+        </p:nvSpPr>
+        <p:spPr/>
+        <p:txBody>
+          <a:bodyPr/>
+          <a:lstStyle/>
+          <a:p>
+            <a:fld id="{D57F1E4F-1CFF-5643-939E-217C01CDF565}" type="slidenum">
+              <a:rPr lang="en-US" smtClean="0"/>
+              <a:pPr/>
+              <a:t>96</a:t>
+            </a:fld>
+            <a:endParaRPr lang="en-US" dirty="0"/>
+          </a:p>
+        </p:txBody>
+      </p:sp>
     </p:spTree>
     <p:extLst>
       <p:ext uri="{BB962C8B-B14F-4D97-AF65-F5344CB8AC3E}">
@@ -20862,6 +28803,76 @@
           </a:p>
         </p:txBody>
       </p:sp>
+      <p:sp>
+        <p:nvSpPr>
+          <p:cNvPr id="4" name="Date Placeholder 3"/>
+          <p:cNvSpPr>
+            <a:spLocks noGrp="1"/>
+          </p:cNvSpPr>
+          <p:nvPr>
+            <p:ph type="dt" sz="half" idx="10"/>
+          </p:nvPr>
+        </p:nvSpPr>
+        <p:spPr/>
+        <p:txBody>
+          <a:bodyPr/>
+          <a:lstStyle/>
+          <a:p>
+            <a:r>
+              <a:rPr lang="en-US" smtClean="0"/>
+              <a:t>1/15/2023</a:t>
+            </a:r>
+            <a:endParaRPr lang="en-US" dirty="0"/>
+          </a:p>
+        </p:txBody>
+      </p:sp>
+      <p:sp>
+        <p:nvSpPr>
+          <p:cNvPr id="5" name="Footer Placeholder 4"/>
+          <p:cNvSpPr>
+            <a:spLocks noGrp="1"/>
+          </p:cNvSpPr>
+          <p:nvPr>
+            <p:ph type="ftr" sz="quarter" idx="11"/>
+          </p:nvPr>
+        </p:nvSpPr>
+        <p:spPr/>
+        <p:txBody>
+          <a:bodyPr/>
+          <a:lstStyle/>
+          <a:p>
+            <a:r>
+              <a:rPr lang="en-US" smtClean="0"/>
+              <a:t>Sercan KÜLCÜ, Tanenbaum, Modern Operating Systems 3e kitabından faydalanılmıştır. Tüm hakları saklıdır.</a:t>
+            </a:r>
+            <a:endParaRPr lang="en-US" dirty="0"/>
+          </a:p>
+        </p:txBody>
+      </p:sp>
+      <p:sp>
+        <p:nvSpPr>
+          <p:cNvPr id="6" name="Slide Number Placeholder 5"/>
+          <p:cNvSpPr>
+            <a:spLocks noGrp="1"/>
+          </p:cNvSpPr>
+          <p:nvPr>
+            <p:ph type="sldNum" sz="quarter" idx="12"/>
+          </p:nvPr>
+        </p:nvSpPr>
+        <p:spPr/>
+        <p:txBody>
+          <a:bodyPr/>
+          <a:lstStyle/>
+          <a:p>
+            <a:fld id="{D57F1E4F-1CFF-5643-939E-217C01CDF565}" type="slidenum">
+              <a:rPr lang="en-US" smtClean="0"/>
+              <a:pPr/>
+              <a:t>97</a:t>
+            </a:fld>
+            <a:endParaRPr lang="en-US" dirty="0"/>
+          </a:p>
+        </p:txBody>
+      </p:sp>
     </p:spTree>
     <p:extLst>
       <p:ext uri="{BB962C8B-B14F-4D97-AF65-F5344CB8AC3E}">
@@ -21013,7 +29024,7 @@
           <a:graphicData uri="http://schemas.openxmlformats.org/presentationml/2006/ole">
             <mc:AlternateContent xmlns:mc="http://schemas.openxmlformats.org/markup-compatibility/2006">
               <mc:Choice xmlns:v="urn:schemas-microsoft-com:vml" Requires="v">
-                <p:oleObj spid="_x0000_s3224" name="Visio" r:id="rId3" imgW="1693875" imgH="1171873" progId="Visio.Drawing.11">
+                <p:oleObj spid="_x0000_s3227" name="Visio" r:id="rId3" imgW="1693875" imgH="1171873" progId="Visio.Drawing.11">
                   <p:embed/>
                 </p:oleObj>
               </mc:Choice>
@@ -21113,7 +29124,7 @@
           <a:graphicData uri="http://schemas.openxmlformats.org/presentationml/2006/ole">
             <mc:AlternateContent xmlns:mc="http://schemas.openxmlformats.org/markup-compatibility/2006">
               <mc:Choice xmlns:v="urn:schemas-microsoft-com:vml" Requires="v">
-                <p:oleObj spid="_x0000_s3225" name="Visio" r:id="rId5" imgW="2577479" imgH="2422665" progId="Visio.Drawing.11">
+                <p:oleObj spid="_x0000_s3228" name="Visio" r:id="rId5" imgW="2577479" imgH="2422665" progId="Visio.Drawing.11">
                   <p:embed/>
                 </p:oleObj>
               </mc:Choice>
@@ -21213,7 +29224,7 @@
           <a:graphicData uri="http://schemas.openxmlformats.org/presentationml/2006/ole">
             <mc:AlternateContent xmlns:mc="http://schemas.openxmlformats.org/markup-compatibility/2006">
               <mc:Choice xmlns:v="urn:schemas-microsoft-com:vml" Requires="v">
-                <p:oleObj spid="_x0000_s3226" name="Visio" r:id="rId7" imgW="4541926" imgH="3201031" progId="Visio.Drawing.11">
+                <p:oleObj spid="_x0000_s3229" name="Visio" r:id="rId7" imgW="4541926" imgH="3201031" progId="Visio.Drawing.11">
                   <p:embed/>
                 </p:oleObj>
               </mc:Choice>
@@ -21291,6 +29302,76 @@
           </a:graphicData>
         </a:graphic>
       </p:graphicFrame>
+      <p:sp>
+        <p:nvSpPr>
+          <p:cNvPr id="7" name="Date Placeholder 6"/>
+          <p:cNvSpPr>
+            <a:spLocks noGrp="1"/>
+          </p:cNvSpPr>
+          <p:nvPr>
+            <p:ph type="dt" sz="half" idx="10"/>
+          </p:nvPr>
+        </p:nvSpPr>
+        <p:spPr/>
+        <p:txBody>
+          <a:bodyPr/>
+          <a:lstStyle/>
+          <a:p>
+            <a:r>
+              <a:rPr lang="en-US" smtClean="0"/>
+              <a:t>1/15/2023</a:t>
+            </a:r>
+            <a:endParaRPr lang="en-US" dirty="0"/>
+          </a:p>
+        </p:txBody>
+      </p:sp>
+      <p:sp>
+        <p:nvSpPr>
+          <p:cNvPr id="8" name="Footer Placeholder 7"/>
+          <p:cNvSpPr>
+            <a:spLocks noGrp="1"/>
+          </p:cNvSpPr>
+          <p:nvPr>
+            <p:ph type="ftr" sz="quarter" idx="11"/>
+          </p:nvPr>
+        </p:nvSpPr>
+        <p:spPr/>
+        <p:txBody>
+          <a:bodyPr/>
+          <a:lstStyle/>
+          <a:p>
+            <a:r>
+              <a:rPr lang="en-US" smtClean="0"/>
+              <a:t>Sercan KÜLCÜ, Tanenbaum, Modern Operating Systems 3e kitabından faydalanılmıştır. Tüm hakları saklıdır.</a:t>
+            </a:r>
+            <a:endParaRPr lang="en-US" dirty="0"/>
+          </a:p>
+        </p:txBody>
+      </p:sp>
+      <p:sp>
+        <p:nvSpPr>
+          <p:cNvPr id="9" name="Slide Number Placeholder 8"/>
+          <p:cNvSpPr>
+            <a:spLocks noGrp="1"/>
+          </p:cNvSpPr>
+          <p:nvPr>
+            <p:ph type="sldNum" sz="quarter" idx="12"/>
+          </p:nvPr>
+        </p:nvSpPr>
+        <p:spPr/>
+        <p:txBody>
+          <a:bodyPr/>
+          <a:lstStyle/>
+          <a:p>
+            <a:fld id="{D57F1E4F-1CFF-5643-939E-217C01CDF565}" type="slidenum">
+              <a:rPr lang="en-US" smtClean="0"/>
+              <a:pPr/>
+              <a:t>98</a:t>
+            </a:fld>
+            <a:endParaRPr lang="en-US" dirty="0"/>
+          </a:p>
+        </p:txBody>
+      </p:sp>
     </p:spTree>
     <p:extLst>
       <p:ext uri="{BB962C8B-B14F-4D97-AF65-F5344CB8AC3E}">
@@ -21471,6 +29552,76 @@
           </a:extLst>
         </p:spPr>
       </p:pic>
+      <p:sp>
+        <p:nvSpPr>
+          <p:cNvPr id="5" name="Date Placeholder 4"/>
+          <p:cNvSpPr>
+            <a:spLocks noGrp="1"/>
+          </p:cNvSpPr>
+          <p:nvPr>
+            <p:ph type="dt" sz="half" idx="10"/>
+          </p:nvPr>
+        </p:nvSpPr>
+        <p:spPr/>
+        <p:txBody>
+          <a:bodyPr/>
+          <a:lstStyle/>
+          <a:p>
+            <a:r>
+              <a:rPr lang="en-US" smtClean="0"/>
+              <a:t>1/15/2023</a:t>
+            </a:r>
+            <a:endParaRPr lang="en-US" dirty="0"/>
+          </a:p>
+        </p:txBody>
+      </p:sp>
+      <p:sp>
+        <p:nvSpPr>
+          <p:cNvPr id="6" name="Footer Placeholder 5"/>
+          <p:cNvSpPr>
+            <a:spLocks noGrp="1"/>
+          </p:cNvSpPr>
+          <p:nvPr>
+            <p:ph type="ftr" sz="quarter" idx="11"/>
+          </p:nvPr>
+        </p:nvSpPr>
+        <p:spPr/>
+        <p:txBody>
+          <a:bodyPr/>
+          <a:lstStyle/>
+          <a:p>
+            <a:r>
+              <a:rPr lang="en-US" smtClean="0"/>
+              <a:t>Sercan KÜLCÜ, Tanenbaum, Modern Operating Systems 3e kitabından faydalanılmıştır. Tüm hakları saklıdır.</a:t>
+            </a:r>
+            <a:endParaRPr lang="en-US" dirty="0"/>
+          </a:p>
+        </p:txBody>
+      </p:sp>
+      <p:sp>
+        <p:nvSpPr>
+          <p:cNvPr id="7" name="Slide Number Placeholder 6"/>
+          <p:cNvSpPr>
+            <a:spLocks noGrp="1"/>
+          </p:cNvSpPr>
+          <p:nvPr>
+            <p:ph type="sldNum" sz="quarter" idx="12"/>
+          </p:nvPr>
+        </p:nvSpPr>
+        <p:spPr/>
+        <p:txBody>
+          <a:bodyPr/>
+          <a:lstStyle/>
+          <a:p>
+            <a:fld id="{D57F1E4F-1CFF-5643-939E-217C01CDF565}" type="slidenum">
+              <a:rPr lang="en-US" smtClean="0"/>
+              <a:pPr/>
+              <a:t>99</a:t>
+            </a:fld>
+            <a:endParaRPr lang="en-US" dirty="0"/>
+          </a:p>
+        </p:txBody>
+      </p:sp>
     </p:spTree>
     <p:extLst>
       <p:ext uri="{BB962C8B-B14F-4D97-AF65-F5344CB8AC3E}">
@@ -21750,4 +29901,265 @@
     </a:ext>
   </a:extLst>
 </a:theme>
+</file>
+
+<file path=ppt/theme/theme2.xml><?xml version="1.0" encoding="utf-8"?>
+<a:theme xmlns:a="http://schemas.openxmlformats.org/drawingml/2006/main" name="Office Theme">
+  <a:themeElements>
+    <a:clrScheme name="Office">
+      <a:dk1>
+        <a:sysClr val="windowText" lastClr="000000"/>
+      </a:dk1>
+      <a:lt1>
+        <a:sysClr val="window" lastClr="FFFFFF"/>
+      </a:lt1>
+      <a:dk2>
+        <a:srgbClr val="44546A"/>
+      </a:dk2>
+      <a:lt2>
+        <a:srgbClr val="E7E6E6"/>
+      </a:lt2>
+      <a:accent1>
+        <a:srgbClr val="5B9BD5"/>
+      </a:accent1>
+      <a:accent2>
+        <a:srgbClr val="ED7D31"/>
+      </a:accent2>
+      <a:accent3>
+        <a:srgbClr val="A5A5A5"/>
+      </a:accent3>
+      <a:accent4>
+        <a:srgbClr val="FFC000"/>
+      </a:accent4>
+      <a:accent5>
+        <a:srgbClr val="4472C4"/>
+      </a:accent5>
+      <a:accent6>
+        <a:srgbClr val="70AD47"/>
+      </a:accent6>
+      <a:hlink>
+        <a:srgbClr val="0563C1"/>
+      </a:hlink>
+      <a:folHlink>
+        <a:srgbClr val="954F72"/>
+      </a:folHlink>
+    </a:clrScheme>
+    <a:fontScheme name="Office">
+      <a:majorFont>
+        <a:latin typeface="Calibri Light" panose="020F0302020204030204"/>
+        <a:ea typeface=""/>
+        <a:cs typeface=""/>
+        <a:font script="Jpan" typeface="ＭＳ Ｐゴシック"/>
+        <a:font script="Hang" typeface="맑은 고딕"/>
+        <a:font script="Hans" typeface="宋体"/>
+        <a:font script="Hant" typeface="新細明體"/>
+        <a:font script="Arab" typeface="Times New Roman"/>
+        <a:font script="Hebr" typeface="Times New Roman"/>
+        <a:font script="Thai" typeface="Angsana New"/>
+        <a:font script="Ethi" typeface="Nyala"/>
+        <a:font script="Beng" typeface="Vrinda"/>
+        <a:font script="Gujr" typeface="Shruti"/>
+        <a:font script="Khmr" typeface="MoolBoran"/>
+        <a:font script="Knda" typeface="Tunga"/>
+        <a:font script="Guru" typeface="Raavi"/>
+        <a:font script="Cans" typeface="Euphemia"/>
+        <a:font script="Cher" typeface="Plantagenet Cherokee"/>
+        <a:font script="Yiii" typeface="Microsoft Yi Baiti"/>
+        <a:font script="Tibt" typeface="Microsoft Himalaya"/>
+        <a:font script="Thaa" typeface="MV Boli"/>
+        <a:font script="Deva" typeface="Mangal"/>
+        <a:font script="Telu" typeface="Gautami"/>
+        <a:font script="Taml" typeface="Latha"/>
+        <a:font script="Syrc" typeface="Estrangelo Edessa"/>
+        <a:font script="Orya" typeface="Kalinga"/>
+        <a:font script="Mlym" typeface="Kartika"/>
+        <a:font script="Laoo" typeface="DokChampa"/>
+        <a:font script="Sinh" typeface="Iskoola Pota"/>
+        <a:font script="Mong" typeface="Mongolian Baiti"/>
+        <a:font script="Viet" typeface="Times New Roman"/>
+        <a:font script="Uigh" typeface="Microsoft Uighur"/>
+        <a:font script="Geor" typeface="Sylfaen"/>
+      </a:majorFont>
+      <a:minorFont>
+        <a:latin typeface="Calibri" panose="020F0502020204030204"/>
+        <a:ea typeface=""/>
+        <a:cs typeface=""/>
+        <a:font script="Jpan" typeface="ＭＳ Ｐゴシック"/>
+        <a:font script="Hang" typeface="맑은 고딕"/>
+        <a:font script="Hans" typeface="宋体"/>
+        <a:font script="Hant" typeface="新細明體"/>
+        <a:font script="Arab" typeface="Arial"/>
+        <a:font script="Hebr" typeface="Arial"/>
+        <a:font script="Thai" typeface="Cordia New"/>
+        <a:font script="Ethi" typeface="Nyala"/>
+        <a:font script="Beng" typeface="Vrinda"/>
+        <a:font script="Gujr" typeface="Shruti"/>
+        <a:font script="Khmr" typeface="DaunPenh"/>
+        <a:font script="Knda" typeface="Tunga"/>
+        <a:font script="Guru" typeface="Raavi"/>
+        <a:font script="Cans" typeface="Euphemia"/>
+        <a:font script="Cher" typeface="Plantagenet Cherokee"/>
+        <a:font script="Yiii" typeface="Microsoft Yi Baiti"/>
+        <a:font script="Tibt" typeface="Microsoft Himalaya"/>
+        <a:font script="Thaa" typeface="MV Boli"/>
+        <a:font script="Deva" typeface="Mangal"/>
+        <a:font script="Telu" typeface="Gautami"/>
+        <a:font script="Taml" typeface="Latha"/>
+        <a:font script="Syrc" typeface="Estrangelo Edessa"/>
+        <a:font script="Orya" typeface="Kalinga"/>
+        <a:font script="Mlym" typeface="Kartika"/>
+        <a:font script="Laoo" typeface="DokChampa"/>
+        <a:font script="Sinh" typeface="Iskoola Pota"/>
+        <a:font script="Mong" typeface="Mongolian Baiti"/>
+        <a:font script="Viet" typeface="Arial"/>
+        <a:font script="Uigh" typeface="Microsoft Uighur"/>
+        <a:font script="Geor" typeface="Sylfaen"/>
+      </a:minorFont>
+    </a:fontScheme>
+    <a:fmtScheme name="Office">
+      <a:fillStyleLst>
+        <a:solidFill>
+          <a:schemeClr val="phClr"/>
+        </a:solidFill>
+        <a:gradFill rotWithShape="1">
+          <a:gsLst>
+            <a:gs pos="0">
+              <a:schemeClr val="phClr">
+                <a:lumMod val="110000"/>
+                <a:satMod val="105000"/>
+                <a:tint val="67000"/>
+              </a:schemeClr>
+            </a:gs>
+            <a:gs pos="50000">
+              <a:schemeClr val="phClr">
+                <a:lumMod val="105000"/>
+                <a:satMod val="103000"/>
+                <a:tint val="73000"/>
+              </a:schemeClr>
+            </a:gs>
+            <a:gs pos="100000">
+              <a:schemeClr val="phClr">
+                <a:lumMod val="105000"/>
+                <a:satMod val="109000"/>
+                <a:tint val="81000"/>
+              </a:schemeClr>
+            </a:gs>
+          </a:gsLst>
+          <a:lin ang="5400000" scaled="0"/>
+        </a:gradFill>
+        <a:gradFill rotWithShape="1">
+          <a:gsLst>
+            <a:gs pos="0">
+              <a:schemeClr val="phClr">
+                <a:satMod val="103000"/>
+                <a:lumMod val="102000"/>
+                <a:tint val="94000"/>
+              </a:schemeClr>
+            </a:gs>
+            <a:gs pos="50000">
+              <a:schemeClr val="phClr">
+                <a:satMod val="110000"/>
+                <a:lumMod val="100000"/>
+                <a:shade val="100000"/>
+              </a:schemeClr>
+            </a:gs>
+            <a:gs pos="100000">
+              <a:schemeClr val="phClr">
+                <a:lumMod val="99000"/>
+                <a:satMod val="120000"/>
+                <a:shade val="78000"/>
+              </a:schemeClr>
+            </a:gs>
+          </a:gsLst>
+          <a:lin ang="5400000" scaled="0"/>
+        </a:gradFill>
+      </a:fillStyleLst>
+      <a:lnStyleLst>
+        <a:ln w="6350" cap="flat" cmpd="sng" algn="ctr">
+          <a:solidFill>
+            <a:schemeClr val="phClr"/>
+          </a:solidFill>
+          <a:prstDash val="solid"/>
+          <a:miter lim="800000"/>
+        </a:ln>
+        <a:ln w="12700" cap="flat" cmpd="sng" algn="ctr">
+          <a:solidFill>
+            <a:schemeClr val="phClr"/>
+          </a:solidFill>
+          <a:prstDash val="solid"/>
+          <a:miter lim="800000"/>
+        </a:ln>
+        <a:ln w="19050" cap="flat" cmpd="sng" algn="ctr">
+          <a:solidFill>
+            <a:schemeClr val="phClr"/>
+          </a:solidFill>
+          <a:prstDash val="solid"/>
+          <a:miter lim="800000"/>
+        </a:ln>
+      </a:lnStyleLst>
+      <a:effectStyleLst>
+        <a:effectStyle>
+          <a:effectLst/>
+        </a:effectStyle>
+        <a:effectStyle>
+          <a:effectLst/>
+        </a:effectStyle>
+        <a:effectStyle>
+          <a:effectLst>
+            <a:outerShdw blurRad="57150" dist="19050" dir="5400000" algn="ctr" rotWithShape="0">
+              <a:srgbClr val="000000">
+                <a:alpha val="63000"/>
+              </a:srgbClr>
+            </a:outerShdw>
+          </a:effectLst>
+        </a:effectStyle>
+      </a:effectStyleLst>
+      <a:bgFillStyleLst>
+        <a:solidFill>
+          <a:schemeClr val="phClr"/>
+        </a:solidFill>
+        <a:solidFill>
+          <a:schemeClr val="phClr">
+            <a:tint val="95000"/>
+            <a:satMod val="170000"/>
+          </a:schemeClr>
+        </a:solidFill>
+        <a:gradFill rotWithShape="1">
+          <a:gsLst>
+            <a:gs pos="0">
+              <a:schemeClr val="phClr">
+                <a:tint val="93000"/>
+                <a:satMod val="150000"/>
+                <a:shade val="98000"/>
+                <a:lumMod val="102000"/>
+              </a:schemeClr>
+            </a:gs>
+            <a:gs pos="50000">
+              <a:schemeClr val="phClr">
+                <a:tint val="98000"/>
+                <a:satMod val="130000"/>
+                <a:shade val="90000"/>
+                <a:lumMod val="103000"/>
+              </a:schemeClr>
+            </a:gs>
+            <a:gs pos="100000">
+              <a:schemeClr val="phClr">
+                <a:shade val="63000"/>
+                <a:satMod val="120000"/>
+              </a:schemeClr>
+            </a:gs>
+          </a:gsLst>
+          <a:lin ang="5400000" scaled="0"/>
+        </a:gradFill>
+      </a:bgFillStyleLst>
+    </a:fmtScheme>
+  </a:themeElements>
+  <a:objectDefaults/>
+  <a:extraClrSchemeLst/>
+  <a:extLst>
+    <a:ext uri="{05A4C25C-085E-4340-85A3-A5531E510DB2}">
+      <thm15:themeFamily xmlns:thm15="http://schemas.microsoft.com/office/thememl/2012/main" name="Office Theme" id="{62F939B6-93AF-4DB8-9C6B-D6C7DFDC589F}" vid="{4A3C46E8-61CC-4603-A589-7422A47A8E4A}"/>
+    </a:ext>
+  </a:extLst>
+</a:theme>
 </file>
--- a/files/os/2_Bolum_2_Surecler.pptx
+++ b/files/os/2_Bolum_2_Surecler.pptx
@@ -1248,7 +1248,7 @@
             <a:lvl1pPr>
               <a:defRPr b="1" i="0" baseline="0">
                 <a:solidFill>
-                  <a:srgbClr val="0070C0"/>
+                  <a:srgbClr val="C00000"/>
                 </a:solidFill>
               </a:defRPr>
             </a:lvl1pPr>
@@ -1275,39 +1275,75 @@
         <p:spPr/>
         <p:txBody>
           <a:bodyPr/>
-          <a:lstStyle/>
+          <a:lstStyle>
+            <a:lvl1pPr>
+              <a:defRPr baseline="0">
+                <a:solidFill>
+                  <a:srgbClr val="002060"/>
+                </a:solidFill>
+              </a:defRPr>
+            </a:lvl1pPr>
+            <a:lvl2pPr>
+              <a:defRPr baseline="0">
+                <a:solidFill>
+                  <a:srgbClr val="002060"/>
+                </a:solidFill>
+              </a:defRPr>
+            </a:lvl2pPr>
+            <a:lvl3pPr>
+              <a:defRPr baseline="0">
+                <a:solidFill>
+                  <a:srgbClr val="002060"/>
+                </a:solidFill>
+              </a:defRPr>
+            </a:lvl3pPr>
+            <a:lvl4pPr>
+              <a:defRPr baseline="0">
+                <a:solidFill>
+                  <a:srgbClr val="002060"/>
+                </a:solidFill>
+              </a:defRPr>
+            </a:lvl4pPr>
+            <a:lvl5pPr>
+              <a:defRPr baseline="0">
+                <a:solidFill>
+                  <a:srgbClr val="002060"/>
+                </a:solidFill>
+              </a:defRPr>
+            </a:lvl5pPr>
+          </a:lstStyle>
           <a:p>
             <a:pPr lvl="0"/>
             <a:r>
-              <a:rPr lang="en-US" smtClean="0"/>
+              <a:rPr lang="en-US" dirty="0" smtClean="0"/>
               <a:t>Click to edit Master text styles</a:t>
             </a:r>
           </a:p>
           <a:p>
             <a:pPr lvl="1"/>
             <a:r>
-              <a:rPr lang="en-US" smtClean="0"/>
+              <a:rPr lang="en-US" dirty="0" smtClean="0"/>
               <a:t>Second level</a:t>
             </a:r>
           </a:p>
           <a:p>
             <a:pPr lvl="2"/>
             <a:r>
-              <a:rPr lang="en-US" smtClean="0"/>
+              <a:rPr lang="en-US" dirty="0" smtClean="0"/>
               <a:t>Third level</a:t>
             </a:r>
           </a:p>
           <a:p>
             <a:pPr lvl="3"/>
             <a:r>
-              <a:rPr lang="en-US" smtClean="0"/>
+              <a:rPr lang="en-US" dirty="0" smtClean="0"/>
               <a:t>Fourth level</a:t>
             </a:r>
           </a:p>
           <a:p>
             <a:pPr lvl="4"/>
             <a:r>
-              <a:rPr lang="en-US" smtClean="0"/>
+              <a:rPr lang="en-US" dirty="0" smtClean="0"/>
               <a:t>Fifth level</a:t>
             </a:r>
             <a:endParaRPr lang="en-US" dirty="0"/>
@@ -4149,7 +4185,7 @@
           <a:graphicData uri="http://schemas.openxmlformats.org/presentationml/2006/ole">
             <mc:AlternateContent xmlns:mc="http://schemas.openxmlformats.org/markup-compatibility/2006">
               <mc:Choice xmlns:v="urn:schemas-microsoft-com:vml" Requires="v">
-                <p:oleObj spid="_x0000_s4149" name="Visio" r:id="rId4" imgW="2447792" imgH="634224" progId="Visio.Drawing.11">
+                <p:oleObj spid="_x0000_s4150" name="Visio" r:id="rId4" imgW="2447792" imgH="634224" progId="Visio.Drawing.11">
                   <p:embed/>
                 </p:oleObj>
               </mc:Choice>
@@ -5565,7 +5601,7 @@
           <a:graphicData uri="http://schemas.openxmlformats.org/presentationml/2006/ole">
             <mc:AlternateContent xmlns:mc="http://schemas.openxmlformats.org/markup-compatibility/2006">
               <mc:Choice xmlns:v="urn:schemas-microsoft-com:vml" Requires="v">
-                <p:oleObj spid="_x0000_s5163" name="Visio" r:id="rId3" imgW="1477851" imgH="1117820" progId="Visio.Drawing.11">
+                <p:oleObj spid="_x0000_s5164" name="Visio" r:id="rId3" imgW="1477851" imgH="1117820" progId="Visio.Drawing.11">
                   <p:embed/>
                 </p:oleObj>
               </mc:Choice>
@@ -22681,7 +22717,7 @@
           <a:graphicData uri="http://schemas.openxmlformats.org/presentationml/2006/ole">
             <mc:AlternateContent xmlns:mc="http://schemas.openxmlformats.org/markup-compatibility/2006">
               <mc:Choice xmlns:v="urn:schemas-microsoft-com:vml" Requires="v">
-                <p:oleObj spid="_x0000_s1102" name="Image" r:id="rId3" imgW="17238226" imgH="11794688" progId="Photoshop.Image.9">
+                <p:oleObj spid="_x0000_s1103" name="Image" r:id="rId3" imgW="17238226" imgH="11794688" progId="Photoshop.Image.9">
                   <p:embed/>
                 </p:oleObj>
               </mc:Choice>
@@ -22915,7 +22951,7 @@
           <a:graphicData uri="http://schemas.openxmlformats.org/presentationml/2006/ole">
             <mc:AlternateContent xmlns:mc="http://schemas.openxmlformats.org/markup-compatibility/2006">
               <mc:Choice xmlns:v="urn:schemas-microsoft-com:vml" Requires="v">
-                <p:oleObj spid="_x0000_s2125" name="Image" r:id="rId3" imgW="18145482" imgH="5443895" progId="Photoshop.Image.9">
+                <p:oleObj spid="_x0000_s2126" name="Image" r:id="rId3" imgW="18145482" imgH="5443895" progId="Photoshop.Image.9">
                   <p:embed/>
                 </p:oleObj>
               </mc:Choice>
@@ -29024,7 +29060,7 @@
           <a:graphicData uri="http://schemas.openxmlformats.org/presentationml/2006/ole">
             <mc:AlternateContent xmlns:mc="http://schemas.openxmlformats.org/markup-compatibility/2006">
               <mc:Choice xmlns:v="urn:schemas-microsoft-com:vml" Requires="v">
-                <p:oleObj spid="_x0000_s3227" name="Visio" r:id="rId3" imgW="1693875" imgH="1171873" progId="Visio.Drawing.11">
+                <p:oleObj spid="_x0000_s3230" name="Visio" r:id="rId3" imgW="1693875" imgH="1171873" progId="Visio.Drawing.11">
                   <p:embed/>
                 </p:oleObj>
               </mc:Choice>
@@ -29124,7 +29160,7 @@
           <a:graphicData uri="http://schemas.openxmlformats.org/presentationml/2006/ole">
             <mc:AlternateContent xmlns:mc="http://schemas.openxmlformats.org/markup-compatibility/2006">
               <mc:Choice xmlns:v="urn:schemas-microsoft-com:vml" Requires="v">
-                <p:oleObj spid="_x0000_s3228" name="Visio" r:id="rId5" imgW="2577479" imgH="2422665" progId="Visio.Drawing.11">
+                <p:oleObj spid="_x0000_s3231" name="Visio" r:id="rId5" imgW="2577479" imgH="2422665" progId="Visio.Drawing.11">
                   <p:embed/>
                 </p:oleObj>
               </mc:Choice>
@@ -29224,7 +29260,7 @@
           <a:graphicData uri="http://schemas.openxmlformats.org/presentationml/2006/ole">
             <mc:AlternateContent xmlns:mc="http://schemas.openxmlformats.org/markup-compatibility/2006">
               <mc:Choice xmlns:v="urn:schemas-microsoft-com:vml" Requires="v">
-                <p:oleObj spid="_x0000_s3229" name="Visio" r:id="rId7" imgW="4541926" imgH="3201031" progId="Visio.Drawing.11">
+                <p:oleObj spid="_x0000_s3232" name="Visio" r:id="rId7" imgW="4541926" imgH="3201031" progId="Visio.Drawing.11">
                   <p:embed/>
                 </p:oleObj>
               </mc:Choice>
